--- a/BAO CAO/SLIDE Báo cáo đồ án tốt nghiệp.pptx
+++ b/BAO CAO/SLIDE Báo cáo đồ án tốt nghiệp.pptx
@@ -11,15 +11,14 @@
     <p:sldId id="259" r:id="rId5"/>
     <p:sldId id="260" r:id="rId6"/>
     <p:sldId id="261" r:id="rId7"/>
-    <p:sldId id="262" r:id="rId8"/>
-    <p:sldId id="266" r:id="rId9"/>
+    <p:sldId id="264" r:id="rId8"/>
+    <p:sldId id="265" r:id="rId9"/>
     <p:sldId id="263" r:id="rId10"/>
-    <p:sldId id="264" r:id="rId11"/>
-    <p:sldId id="265" r:id="rId12"/>
-    <p:sldId id="267" r:id="rId13"/>
-    <p:sldId id="268" r:id="rId14"/>
-    <p:sldId id="269" r:id="rId15"/>
-    <p:sldId id="270" r:id="rId16"/>
+    <p:sldId id="267" r:id="rId11"/>
+    <p:sldId id="271" r:id="rId12"/>
+    <p:sldId id="268" r:id="rId13"/>
+    <p:sldId id="269" r:id="rId14"/>
+    <p:sldId id="270" r:id="rId15"/>
   </p:sldIdLst>
   <p:sldSz cx="12192000" cy="6858000"/>
   <p:notesSz cx="6858000" cy="9144000"/>
@@ -118,6 +117,11 @@
       </a:defRPr>
     </a:lvl9pPr>
   </p:defaultTextStyle>
+  <p:extLst>
+    <p:ext uri="{EFAFB233-063F-42B5-8137-9DF3F51BA10A}">
+      <p15:sldGuideLst xmlns:p15="http://schemas.microsoft.com/office/powerpoint/2012/main"/>
+    </p:ext>
+  </p:extLst>
 </p:presentation>
 </file>
 
@@ -309,7 +313,7 @@
           <a:p>
             <a:fld id="{48A87A34-81AB-432B-8DAE-1953F412C126}" type="datetimeFigureOut">
               <a:rPr lang="en-US" smtClean="0"/>
-              <a:t>4/26/2019</a:t>
+              <a:t>5/16/2019</a:t>
             </a:fld>
             <a:endParaRPr lang="en-US" dirty="0"/>
           </a:p>
@@ -648,7 +652,7 @@
             <a:fld id="{48A87A34-81AB-432B-8DAE-1953F412C126}" type="datetimeFigureOut">
               <a:rPr lang="en-US" smtClean="0"/>
               <a:pPr/>
-              <a:t>4/26/2019</a:t>
+              <a:t>5/16/2019</a:t>
             </a:fld>
             <a:endParaRPr lang="en-US" dirty="0"/>
           </a:p>
@@ -1051,7 +1055,7 @@
             <a:fld id="{48A87A34-81AB-432B-8DAE-1953F412C126}" type="datetimeFigureOut">
               <a:rPr lang="en-US" smtClean="0"/>
               <a:pPr/>
-              <a:t>4/26/2019</a:t>
+              <a:t>5/16/2019</a:t>
             </a:fld>
             <a:endParaRPr lang="en-US" dirty="0"/>
           </a:p>
@@ -1389,7 +1393,7 @@
             <a:fld id="{48A87A34-81AB-432B-8DAE-1953F412C126}" type="datetimeFigureOut">
               <a:rPr lang="en-US" smtClean="0"/>
               <a:pPr/>
-              <a:t>4/26/2019</a:t>
+              <a:t>5/16/2019</a:t>
             </a:fld>
             <a:endParaRPr lang="en-US" dirty="0"/>
           </a:p>
@@ -1711,7 +1715,7 @@
             <a:fld id="{48A87A34-81AB-432B-8DAE-1953F412C126}" type="datetimeFigureOut">
               <a:rPr lang="en-US" smtClean="0"/>
               <a:pPr/>
-              <a:t>4/26/2019</a:t>
+              <a:t>5/16/2019</a:t>
             </a:fld>
             <a:endParaRPr lang="en-US" dirty="0"/>
           </a:p>
@@ -2109,7 +2113,7 @@
             <a:fld id="{48A87A34-81AB-432B-8DAE-1953F412C126}" type="datetimeFigureOut">
               <a:rPr lang="en-US" smtClean="0"/>
               <a:pPr/>
-              <a:t>4/26/2019</a:t>
+              <a:t>5/16/2019</a:t>
             </a:fld>
             <a:endParaRPr lang="en-US" dirty="0"/>
           </a:p>
@@ -2367,7 +2371,7 @@
           <a:p>
             <a:fld id="{48A87A34-81AB-432B-8DAE-1953F412C126}" type="datetimeFigureOut">
               <a:rPr lang="en-US" smtClean="0"/>
-              <a:t>4/26/2019</a:t>
+              <a:t>5/16/2019</a:t>
             </a:fld>
             <a:endParaRPr lang="en-US" dirty="0"/>
           </a:p>
@@ -2629,7 +2633,7 @@
           <a:p>
             <a:fld id="{48A87A34-81AB-432B-8DAE-1953F412C126}" type="datetimeFigureOut">
               <a:rPr lang="en-US" smtClean="0"/>
-              <a:t>4/26/2019</a:t>
+              <a:t>5/16/2019</a:t>
             </a:fld>
             <a:endParaRPr lang="en-US" dirty="0"/>
           </a:p>
@@ -2891,7 +2895,7 @@
           <a:p>
             <a:fld id="{48A87A34-81AB-432B-8DAE-1953F412C126}" type="datetimeFigureOut">
               <a:rPr lang="en-US" smtClean="0"/>
-              <a:t>4/26/2019</a:t>
+              <a:t>5/16/2019</a:t>
             </a:fld>
             <a:endParaRPr lang="en-US" dirty="0"/>
           </a:p>
@@ -3220,7 +3224,7 @@
           <a:p>
             <a:fld id="{48A87A34-81AB-432B-8DAE-1953F412C126}" type="datetimeFigureOut">
               <a:rPr lang="en-US" smtClean="0"/>
-              <a:t>4/26/2019</a:t>
+              <a:t>5/16/2019</a:t>
             </a:fld>
             <a:endParaRPr lang="en-US" dirty="0"/>
           </a:p>
@@ -3543,7 +3547,7 @@
           <a:p>
             <a:fld id="{48A87A34-81AB-432B-8DAE-1953F412C126}" type="datetimeFigureOut">
               <a:rPr lang="en-US" smtClean="0"/>
-              <a:t>4/26/2019</a:t>
+              <a:t>5/16/2019</a:t>
             </a:fld>
             <a:endParaRPr lang="en-US" dirty="0"/>
           </a:p>
@@ -4000,7 +4004,7 @@
           <a:p>
             <a:fld id="{48A87A34-81AB-432B-8DAE-1953F412C126}" type="datetimeFigureOut">
               <a:rPr lang="en-US" smtClean="0"/>
-              <a:t>4/26/2019</a:t>
+              <a:t>5/16/2019</a:t>
             </a:fld>
             <a:endParaRPr lang="en-US" dirty="0"/>
           </a:p>
@@ -4205,7 +4209,7 @@
           <a:p>
             <a:fld id="{48A87A34-81AB-432B-8DAE-1953F412C126}" type="datetimeFigureOut">
               <a:rPr lang="en-US" smtClean="0"/>
-              <a:t>4/26/2019</a:t>
+              <a:t>5/16/2019</a:t>
             </a:fld>
             <a:endParaRPr lang="en-US" dirty="0"/>
           </a:p>
@@ -4382,7 +4386,7 @@
           <a:p>
             <a:fld id="{48A87A34-81AB-432B-8DAE-1953F412C126}" type="datetimeFigureOut">
               <a:rPr lang="en-US" smtClean="0"/>
-              <a:t>4/26/2019</a:t>
+              <a:t>5/16/2019</a:t>
             </a:fld>
             <a:endParaRPr lang="en-US" dirty="0"/>
           </a:p>
@@ -4715,7 +4719,7 @@
           <a:p>
             <a:fld id="{48A87A34-81AB-432B-8DAE-1953F412C126}" type="datetimeFigureOut">
               <a:rPr lang="en-US" smtClean="0"/>
-              <a:t>4/26/2019</a:t>
+              <a:t>5/16/2019</a:t>
             </a:fld>
             <a:endParaRPr lang="en-US" dirty="0"/>
           </a:p>
@@ -5060,7 +5064,7 @@
           <a:p>
             <a:fld id="{48A87A34-81AB-432B-8DAE-1953F412C126}" type="datetimeFigureOut">
               <a:rPr lang="en-US" smtClean="0"/>
-              <a:t>4/26/2019</a:t>
+              <a:t>5/16/2019</a:t>
             </a:fld>
             <a:endParaRPr lang="en-US" dirty="0"/>
           </a:p>
@@ -7178,7 +7182,7 @@
             <a:fld id="{48A87A34-81AB-432B-8DAE-1953F412C126}" type="datetimeFigureOut">
               <a:rPr lang="en-US" smtClean="0"/>
               <a:pPr/>
-              <a:t>4/26/2019</a:t>
+              <a:t>5/16/2019</a:t>
             </a:fld>
             <a:endParaRPr lang="en-US" dirty="0"/>
           </a:p>
@@ -7860,7 +7864,7 @@
                 <a:latin typeface="Times New Roman" panose="02020603050405020304" pitchFamily="18" charset="0"/>
                 <a:cs typeface="Times New Roman" panose="02020603050405020304" pitchFamily="18" charset="0"/>
               </a:rPr>
-              <a:t>QUẢN LÝ SIÊU THỊ - PHÂN HỆ BÁN HÀNG VÀ QUẢN LÝ Đ</a:t>
+              <a:t>XÂY DỰNG HỆ THỐNG QUẢN LÝ SIÊU THỊ - PHÂN HỆ BÁN HÀNG VÀ QUẢN LÝ Đ</a:t>
             </a:r>
             <a:r>
               <a:rPr lang="vi-VN" sz="2000" b="1" dirty="0">
@@ -7983,7 +7987,7 @@
                 <a:latin typeface="Times New Roman" panose="02020603050405020304" pitchFamily="18" charset="0"/>
                 <a:cs typeface="Times New Roman" panose="02020603050405020304" pitchFamily="18" charset="0"/>
               </a:rPr>
-              <a:t>dẫn:GVC</a:t>
+              <a:t>dẫn:Trung</a:t>
             </a:r>
             <a:r>
               <a:rPr lang="en-US" sz="2000" dirty="0">
@@ -7994,6 +7998,26 @@
                 <a:cs typeface="Times New Roman" panose="02020603050405020304" pitchFamily="18" charset="0"/>
               </a:rPr>
               <a:t> </a:t>
+            </a:r>
+            <a:r>
+              <a:rPr lang="en-US" sz="2000" dirty="0" err="1">
+                <a:solidFill>
+                  <a:schemeClr val="tx1"/>
+                </a:solidFill>
+                <a:latin typeface="Times New Roman" panose="02020603050405020304" pitchFamily="18" charset="0"/>
+                <a:cs typeface="Times New Roman" panose="02020603050405020304" pitchFamily="18" charset="0"/>
+              </a:rPr>
+              <a:t>tá</a:t>
+            </a:r>
+            <a:r>
+              <a:rPr lang="en-US" sz="2000" dirty="0">
+                <a:solidFill>
+                  <a:schemeClr val="tx1"/>
+                </a:solidFill>
+                <a:latin typeface="Times New Roman" panose="02020603050405020304" pitchFamily="18" charset="0"/>
+                <a:cs typeface="Times New Roman" panose="02020603050405020304" pitchFamily="18" charset="0"/>
+              </a:rPr>
+              <a:t>, GV, TS </a:t>
             </a:r>
             <a:r>
               <a:rPr lang="en-US" sz="2000" dirty="0" err="1">
@@ -8291,18 +8315,25 @@
           <a:p>
             <a:pPr algn="ctr"/>
             <a:r>
+              <a:rPr lang="en-US" sz="4000" b="1" dirty="0" err="1">
+                <a:latin typeface="Times New Roman" panose="02020603050405020304" pitchFamily="18" charset="0"/>
+                <a:cs typeface="Times New Roman" panose="02020603050405020304" pitchFamily="18" charset="0"/>
+              </a:rPr>
+              <a:t>Thiết</a:t>
+            </a:r>
+            <a:r>
               <a:rPr lang="en-US" sz="4000" b="1" dirty="0">
                 <a:latin typeface="Times New Roman" panose="02020603050405020304" pitchFamily="18" charset="0"/>
                 <a:cs typeface="Times New Roman" panose="02020603050405020304" pitchFamily="18" charset="0"/>
               </a:rPr>
-              <a:t>S</a:t>
-            </a:r>
-            <a:r>
-              <a:rPr lang="vi-VN" sz="4000" b="1" dirty="0">
-                <a:latin typeface="Times New Roman" panose="02020603050405020304" pitchFamily="18" charset="0"/>
-                <a:cs typeface="Times New Roman" panose="02020603050405020304" pitchFamily="18" charset="0"/>
-              </a:rPr>
-              <a:t>ơ</a:t>
+              <a:t> </a:t>
+            </a:r>
+            <a:r>
+              <a:rPr lang="en-US" sz="4000" b="1" dirty="0" err="1">
+                <a:latin typeface="Times New Roman" panose="02020603050405020304" pitchFamily="18" charset="0"/>
+                <a:cs typeface="Times New Roman" panose="02020603050405020304" pitchFamily="18" charset="0"/>
+              </a:rPr>
+              <a:t>kế</a:t>
             </a:r>
             <a:r>
               <a:rPr lang="en-US" sz="4000" b="1" dirty="0">
@@ -8316,7 +8347,7 @@
                 <a:latin typeface="Times New Roman" panose="02020603050405020304" pitchFamily="18" charset="0"/>
                 <a:cs typeface="Times New Roman" panose="02020603050405020304" pitchFamily="18" charset="0"/>
               </a:rPr>
-              <a:t>đồ</a:t>
+              <a:t>và</a:t>
             </a:r>
             <a:r>
               <a:rPr lang="en-US" sz="4000" b="1" dirty="0">
@@ -8330,7 +8361,7 @@
                 <a:latin typeface="Times New Roman" panose="02020603050405020304" pitchFamily="18" charset="0"/>
                 <a:cs typeface="Times New Roman" panose="02020603050405020304" pitchFamily="18" charset="0"/>
               </a:rPr>
-              <a:t>phân</a:t>
+              <a:t>xây</a:t>
             </a:r>
             <a:r>
               <a:rPr lang="en-US" sz="4000" b="1" dirty="0">
@@ -8344,7 +8375,7 @@
                 <a:latin typeface="Times New Roman" panose="02020603050405020304" pitchFamily="18" charset="0"/>
                 <a:cs typeface="Times New Roman" panose="02020603050405020304" pitchFamily="18" charset="0"/>
               </a:rPr>
-              <a:t>rã</a:t>
+              <a:t>dựng</a:t>
             </a:r>
             <a:r>
               <a:rPr lang="en-US" sz="4000" b="1" dirty="0">
@@ -8358,7 +8389,7 @@
                 <a:latin typeface="Times New Roman" panose="02020603050405020304" pitchFamily="18" charset="0"/>
                 <a:cs typeface="Times New Roman" panose="02020603050405020304" pitchFamily="18" charset="0"/>
               </a:rPr>
-              <a:t>chức</a:t>
+              <a:t>hệ</a:t>
             </a:r>
             <a:r>
               <a:rPr lang="en-US" sz="4000" b="1" dirty="0">
@@ -8372,35 +8403,7 @@
                 <a:latin typeface="Times New Roman" panose="02020603050405020304" pitchFamily="18" charset="0"/>
                 <a:cs typeface="Times New Roman" panose="02020603050405020304" pitchFamily="18" charset="0"/>
               </a:rPr>
-              <a:t>năng</a:t>
-            </a:r>
-            <a:r>
-              <a:rPr lang="en-US" sz="4000" b="1" dirty="0">
-                <a:latin typeface="Times New Roman" panose="02020603050405020304" pitchFamily="18" charset="0"/>
-                <a:cs typeface="Times New Roman" panose="02020603050405020304" pitchFamily="18" charset="0"/>
-              </a:rPr>
-              <a:t> </a:t>
-            </a:r>
-            <a:r>
-              <a:rPr lang="en-US" sz="4000" b="1" dirty="0" err="1">
-                <a:latin typeface="Times New Roman" panose="02020603050405020304" pitchFamily="18" charset="0"/>
-                <a:cs typeface="Times New Roman" panose="02020603050405020304" pitchFamily="18" charset="0"/>
-              </a:rPr>
-              <a:t>và</a:t>
-            </a:r>
-            <a:r>
-              <a:rPr lang="en-US" sz="4000" b="1" dirty="0">
-                <a:latin typeface="Times New Roman" panose="02020603050405020304" pitchFamily="18" charset="0"/>
-                <a:cs typeface="Times New Roman" panose="02020603050405020304" pitchFamily="18" charset="0"/>
-              </a:rPr>
-              <a:t> </a:t>
-            </a:r>
-            <a:r>
-              <a:rPr lang="en-US" sz="4000" b="1" dirty="0" err="1">
-                <a:latin typeface="Times New Roman" panose="02020603050405020304" pitchFamily="18" charset="0"/>
-                <a:cs typeface="Times New Roman" panose="02020603050405020304" pitchFamily="18" charset="0"/>
-              </a:rPr>
-              <a:t>Usecase</a:t>
+              <a:t>thống</a:t>
             </a:r>
             <a:endParaRPr lang="en-US" sz="4000" b="1" dirty="0">
               <a:latin typeface="Times New Roman" panose="02020603050405020304" pitchFamily="18" charset="0"/>
@@ -8437,79 +8440,6 @@
           </a:bodyPr>
           <a:lstStyle/>
           <a:p>
-            <a:r>
-              <a:rPr lang="en-US" sz="3200" b="1" dirty="0" err="1">
-                <a:solidFill>
-                  <a:schemeClr val="tx1"/>
-                </a:solidFill>
-                <a:latin typeface="Times New Roman" panose="02020603050405020304" pitchFamily="18" charset="0"/>
-                <a:cs typeface="Times New Roman" panose="02020603050405020304" pitchFamily="18" charset="0"/>
-              </a:rPr>
-              <a:t>Tác</a:t>
-            </a:r>
-            <a:r>
-              <a:rPr lang="en-US" sz="3200" b="1" dirty="0">
-                <a:solidFill>
-                  <a:schemeClr val="tx1"/>
-                </a:solidFill>
-                <a:latin typeface="Times New Roman" panose="02020603050405020304" pitchFamily="18" charset="0"/>
-                <a:cs typeface="Times New Roman" panose="02020603050405020304" pitchFamily="18" charset="0"/>
-              </a:rPr>
-              <a:t> </a:t>
-            </a:r>
-            <a:r>
-              <a:rPr lang="en-US" sz="3200" b="1" dirty="0" err="1">
-                <a:solidFill>
-                  <a:schemeClr val="tx1"/>
-                </a:solidFill>
-                <a:latin typeface="Times New Roman" panose="02020603050405020304" pitchFamily="18" charset="0"/>
-                <a:cs typeface="Times New Roman" panose="02020603050405020304" pitchFamily="18" charset="0"/>
-              </a:rPr>
-              <a:t>nhân</a:t>
-            </a:r>
-            <a:endParaRPr lang="en-US" sz="3200" b="1" dirty="0">
-              <a:solidFill>
-                <a:schemeClr val="tx1"/>
-              </a:solidFill>
-              <a:latin typeface="Times New Roman" panose="02020603050405020304" pitchFamily="18" charset="0"/>
-              <a:cs typeface="Times New Roman" panose="02020603050405020304" pitchFamily="18" charset="0"/>
-            </a:endParaRPr>
-          </a:p>
-          <a:p>
-            <a:pPr marL="457200" indent="-457200">
-              <a:buFont typeface="Wingdings" panose="05000000000000000000" pitchFamily="2" charset="2"/>
-              <a:buChar char="Ø"/>
-            </a:pPr>
-            <a:r>
-              <a:rPr lang="en-US" sz="2800" dirty="0" err="1">
-                <a:solidFill>
-                  <a:schemeClr val="tx1"/>
-                </a:solidFill>
-                <a:latin typeface="Times New Roman" panose="02020603050405020304" pitchFamily="18" charset="0"/>
-                <a:cs typeface="Times New Roman" panose="02020603050405020304" pitchFamily="18" charset="0"/>
-              </a:rPr>
-              <a:t>Khách</a:t>
-            </a:r>
-            <a:r>
-              <a:rPr lang="en-US" sz="2800" dirty="0">
-                <a:solidFill>
-                  <a:schemeClr val="tx1"/>
-                </a:solidFill>
-                <a:latin typeface="Times New Roman" panose="02020603050405020304" pitchFamily="18" charset="0"/>
-                <a:cs typeface="Times New Roman" panose="02020603050405020304" pitchFamily="18" charset="0"/>
-              </a:rPr>
-              <a:t> </a:t>
-            </a:r>
-            <a:r>
-              <a:rPr lang="en-US" sz="2800" dirty="0" err="1">
-                <a:solidFill>
-                  <a:schemeClr val="tx1"/>
-                </a:solidFill>
-                <a:latin typeface="Times New Roman" panose="02020603050405020304" pitchFamily="18" charset="0"/>
-                <a:cs typeface="Times New Roman" panose="02020603050405020304" pitchFamily="18" charset="0"/>
-              </a:rPr>
-              <a:t>hàng</a:t>
-            </a:r>
             <a:endParaRPr lang="en-US" sz="2800" dirty="0">
               <a:solidFill>
                 <a:schemeClr val="tx1"/>
@@ -8518,261 +8448,12 @@
               <a:cs typeface="Times New Roman" panose="02020603050405020304" pitchFamily="18" charset="0"/>
             </a:endParaRPr>
           </a:p>
-          <a:p>
-            <a:pPr marL="457200" indent="-457200">
-              <a:buFont typeface="Wingdings" panose="05000000000000000000" pitchFamily="2" charset="2"/>
-              <a:buChar char="Ø"/>
-            </a:pPr>
-            <a:r>
-              <a:rPr lang="en-US" sz="2800" dirty="0" err="1">
-                <a:solidFill>
-                  <a:schemeClr val="tx1"/>
-                </a:solidFill>
-                <a:latin typeface="Times New Roman" panose="02020603050405020304" pitchFamily="18" charset="0"/>
-                <a:cs typeface="Times New Roman" panose="02020603050405020304" pitchFamily="18" charset="0"/>
-              </a:rPr>
-              <a:t>Nhân</a:t>
-            </a:r>
-            <a:r>
-              <a:rPr lang="en-US" sz="2800" dirty="0">
-                <a:solidFill>
-                  <a:schemeClr val="tx1"/>
-                </a:solidFill>
-                <a:latin typeface="Times New Roman" panose="02020603050405020304" pitchFamily="18" charset="0"/>
-                <a:cs typeface="Times New Roman" panose="02020603050405020304" pitchFamily="18" charset="0"/>
-              </a:rPr>
-              <a:t> </a:t>
-            </a:r>
-            <a:r>
-              <a:rPr lang="en-US" sz="2800" dirty="0" err="1">
-                <a:solidFill>
-                  <a:schemeClr val="tx1"/>
-                </a:solidFill>
-                <a:latin typeface="Times New Roman" panose="02020603050405020304" pitchFamily="18" charset="0"/>
-                <a:cs typeface="Times New Roman" panose="02020603050405020304" pitchFamily="18" charset="0"/>
-              </a:rPr>
-              <a:t>viên</a:t>
-            </a:r>
-            <a:r>
-              <a:rPr lang="en-US" sz="2800" dirty="0">
-                <a:solidFill>
-                  <a:schemeClr val="tx1"/>
-                </a:solidFill>
-                <a:latin typeface="Times New Roman" panose="02020603050405020304" pitchFamily="18" charset="0"/>
-                <a:cs typeface="Times New Roman" panose="02020603050405020304" pitchFamily="18" charset="0"/>
-              </a:rPr>
-              <a:t> </a:t>
-            </a:r>
-            <a:r>
-              <a:rPr lang="en-US" sz="2800" dirty="0" err="1">
-                <a:solidFill>
-                  <a:schemeClr val="tx1"/>
-                </a:solidFill>
-                <a:latin typeface="Times New Roman" panose="02020603050405020304" pitchFamily="18" charset="0"/>
-                <a:cs typeface="Times New Roman" panose="02020603050405020304" pitchFamily="18" charset="0"/>
-              </a:rPr>
-              <a:t>bán</a:t>
-            </a:r>
-            <a:r>
-              <a:rPr lang="en-US" sz="2800" dirty="0">
-                <a:solidFill>
-                  <a:schemeClr val="tx1"/>
-                </a:solidFill>
-                <a:latin typeface="Times New Roman" panose="02020603050405020304" pitchFamily="18" charset="0"/>
-                <a:cs typeface="Times New Roman" panose="02020603050405020304" pitchFamily="18" charset="0"/>
-              </a:rPr>
-              <a:t> </a:t>
-            </a:r>
-            <a:r>
-              <a:rPr lang="en-US" sz="2800" dirty="0" err="1">
-                <a:solidFill>
-                  <a:schemeClr val="tx1"/>
-                </a:solidFill>
-                <a:latin typeface="Times New Roman" panose="02020603050405020304" pitchFamily="18" charset="0"/>
-                <a:cs typeface="Times New Roman" panose="02020603050405020304" pitchFamily="18" charset="0"/>
-              </a:rPr>
-              <a:t>hàng</a:t>
-            </a:r>
-            <a:endParaRPr lang="en-US" sz="2800" dirty="0">
-              <a:solidFill>
-                <a:schemeClr val="tx1"/>
-              </a:solidFill>
-              <a:latin typeface="Times New Roman" panose="02020603050405020304" pitchFamily="18" charset="0"/>
-              <a:cs typeface="Times New Roman" panose="02020603050405020304" pitchFamily="18" charset="0"/>
-            </a:endParaRPr>
-          </a:p>
-          <a:p>
-            <a:pPr marL="457200" indent="-457200">
-              <a:buFont typeface="Wingdings" panose="05000000000000000000" pitchFamily="2" charset="2"/>
-              <a:buChar char="Ø"/>
-            </a:pPr>
-            <a:r>
-              <a:rPr lang="en-US" sz="2800" dirty="0" err="1">
-                <a:solidFill>
-                  <a:schemeClr val="tx1"/>
-                </a:solidFill>
-                <a:latin typeface="Times New Roman" panose="02020603050405020304" pitchFamily="18" charset="0"/>
-                <a:cs typeface="Times New Roman" panose="02020603050405020304" pitchFamily="18" charset="0"/>
-              </a:rPr>
-              <a:t>Nhân</a:t>
-            </a:r>
-            <a:r>
-              <a:rPr lang="en-US" sz="2800" dirty="0">
-                <a:solidFill>
-                  <a:schemeClr val="tx1"/>
-                </a:solidFill>
-                <a:latin typeface="Times New Roman" panose="02020603050405020304" pitchFamily="18" charset="0"/>
-                <a:cs typeface="Times New Roman" panose="02020603050405020304" pitchFamily="18" charset="0"/>
-              </a:rPr>
-              <a:t> </a:t>
-            </a:r>
-            <a:r>
-              <a:rPr lang="en-US" sz="2800" dirty="0" err="1">
-                <a:solidFill>
-                  <a:schemeClr val="tx1"/>
-                </a:solidFill>
-                <a:latin typeface="Times New Roman" panose="02020603050405020304" pitchFamily="18" charset="0"/>
-                <a:cs typeface="Times New Roman" panose="02020603050405020304" pitchFamily="18" charset="0"/>
-              </a:rPr>
-              <a:t>viên</a:t>
-            </a:r>
-            <a:r>
-              <a:rPr lang="en-US" sz="2800" dirty="0">
-                <a:solidFill>
-                  <a:schemeClr val="tx1"/>
-                </a:solidFill>
-                <a:latin typeface="Times New Roman" panose="02020603050405020304" pitchFamily="18" charset="0"/>
-                <a:cs typeface="Times New Roman" panose="02020603050405020304" pitchFamily="18" charset="0"/>
-              </a:rPr>
-              <a:t> </a:t>
-            </a:r>
-            <a:r>
-              <a:rPr lang="en-US" sz="2800" dirty="0" err="1">
-                <a:solidFill>
-                  <a:schemeClr val="tx1"/>
-                </a:solidFill>
-                <a:latin typeface="Times New Roman" panose="02020603050405020304" pitchFamily="18" charset="0"/>
-                <a:cs typeface="Times New Roman" panose="02020603050405020304" pitchFamily="18" charset="0"/>
-              </a:rPr>
-              <a:t>thủ</a:t>
-            </a:r>
-            <a:r>
-              <a:rPr lang="en-US" sz="2800" dirty="0">
-                <a:solidFill>
-                  <a:schemeClr val="tx1"/>
-                </a:solidFill>
-                <a:latin typeface="Times New Roman" panose="02020603050405020304" pitchFamily="18" charset="0"/>
-                <a:cs typeface="Times New Roman" panose="02020603050405020304" pitchFamily="18" charset="0"/>
-              </a:rPr>
-              <a:t> </a:t>
-            </a:r>
-            <a:r>
-              <a:rPr lang="en-US" sz="2800" dirty="0" err="1">
-                <a:solidFill>
-                  <a:schemeClr val="tx1"/>
-                </a:solidFill>
-                <a:latin typeface="Times New Roman" panose="02020603050405020304" pitchFamily="18" charset="0"/>
-                <a:cs typeface="Times New Roman" panose="02020603050405020304" pitchFamily="18" charset="0"/>
-              </a:rPr>
-              <a:t>kho</a:t>
-            </a:r>
-            <a:endParaRPr lang="en-US" sz="2800" dirty="0">
-              <a:solidFill>
-                <a:schemeClr val="tx1"/>
-              </a:solidFill>
-              <a:latin typeface="Times New Roman" panose="02020603050405020304" pitchFamily="18" charset="0"/>
-              <a:cs typeface="Times New Roman" panose="02020603050405020304" pitchFamily="18" charset="0"/>
-            </a:endParaRPr>
-          </a:p>
-          <a:p>
-            <a:pPr marL="457200" indent="-457200">
-              <a:buFont typeface="Wingdings" panose="05000000000000000000" pitchFamily="2" charset="2"/>
-              <a:buChar char="Ø"/>
-            </a:pPr>
-            <a:r>
-              <a:rPr lang="en-US" sz="2800" dirty="0">
-                <a:solidFill>
-                  <a:schemeClr val="tx1"/>
-                </a:solidFill>
-                <a:latin typeface="Times New Roman" panose="02020603050405020304" pitchFamily="18" charset="0"/>
-                <a:cs typeface="Times New Roman" panose="02020603050405020304" pitchFamily="18" charset="0"/>
-              </a:rPr>
-              <a:t>Ng</a:t>
-            </a:r>
-            <a:r>
-              <a:rPr lang="vi-VN" sz="2800" dirty="0">
-                <a:solidFill>
-                  <a:schemeClr val="tx1"/>
-                </a:solidFill>
-                <a:latin typeface="Times New Roman" panose="02020603050405020304" pitchFamily="18" charset="0"/>
-                <a:cs typeface="Times New Roman" panose="02020603050405020304" pitchFamily="18" charset="0"/>
-              </a:rPr>
-              <a:t>ư</a:t>
-            </a:r>
-            <a:r>
-              <a:rPr lang="en-US" sz="2800" dirty="0" err="1">
-                <a:solidFill>
-                  <a:schemeClr val="tx1"/>
-                </a:solidFill>
-                <a:latin typeface="Times New Roman" panose="02020603050405020304" pitchFamily="18" charset="0"/>
-                <a:cs typeface="Times New Roman" panose="02020603050405020304" pitchFamily="18" charset="0"/>
-              </a:rPr>
-              <a:t>ời</a:t>
-            </a:r>
-            <a:r>
-              <a:rPr lang="en-US" sz="2800" dirty="0">
-                <a:solidFill>
-                  <a:schemeClr val="tx1"/>
-                </a:solidFill>
-                <a:latin typeface="Times New Roman" panose="02020603050405020304" pitchFamily="18" charset="0"/>
-                <a:cs typeface="Times New Roman" panose="02020603050405020304" pitchFamily="18" charset="0"/>
-              </a:rPr>
-              <a:t> </a:t>
-            </a:r>
-            <a:r>
-              <a:rPr lang="en-US" sz="2800" dirty="0" err="1">
-                <a:solidFill>
-                  <a:schemeClr val="tx1"/>
-                </a:solidFill>
-                <a:latin typeface="Times New Roman" panose="02020603050405020304" pitchFamily="18" charset="0"/>
-                <a:cs typeface="Times New Roman" panose="02020603050405020304" pitchFamily="18" charset="0"/>
-              </a:rPr>
-              <a:t>quản</a:t>
-            </a:r>
-            <a:r>
-              <a:rPr lang="en-US" sz="2800" dirty="0">
-                <a:solidFill>
-                  <a:schemeClr val="tx1"/>
-                </a:solidFill>
-                <a:latin typeface="Times New Roman" panose="02020603050405020304" pitchFamily="18" charset="0"/>
-                <a:cs typeface="Times New Roman" panose="02020603050405020304" pitchFamily="18" charset="0"/>
-              </a:rPr>
-              <a:t> </a:t>
-            </a:r>
-            <a:r>
-              <a:rPr lang="en-US" sz="2800" dirty="0" err="1">
-                <a:solidFill>
-                  <a:schemeClr val="tx1"/>
-                </a:solidFill>
-                <a:latin typeface="Times New Roman" panose="02020603050405020304" pitchFamily="18" charset="0"/>
-                <a:cs typeface="Times New Roman" panose="02020603050405020304" pitchFamily="18" charset="0"/>
-              </a:rPr>
-              <a:t>lý</a:t>
-            </a:r>
-            <a:endParaRPr lang="en-US" sz="2800" dirty="0">
-              <a:solidFill>
-                <a:schemeClr val="tx1"/>
-              </a:solidFill>
-              <a:latin typeface="Times New Roman" panose="02020603050405020304" pitchFamily="18" charset="0"/>
-              <a:cs typeface="Times New Roman" panose="02020603050405020304" pitchFamily="18" charset="0"/>
-            </a:endParaRPr>
-          </a:p>
         </p:txBody>
       </p:sp>
     </p:spTree>
     <p:extLst>
       <p:ext uri="{BB962C8B-B14F-4D97-AF65-F5344CB8AC3E}">
-        <p14:creationId xmlns:p14="http://schemas.microsoft.com/office/powerpoint/2010/main" val="3928703197"/>
+        <p14:creationId xmlns:p14="http://schemas.microsoft.com/office/powerpoint/2010/main" val="104042467"/>
       </p:ext>
     </p:extLst>
   </p:cSld>
@@ -8828,7 +8509,7 @@
           <a:lstStyle/>
           <a:p>
             <a:pPr algn="ctr"/>
-            <a:endParaRPr lang="en-US" sz="4000" dirty="0">
+            <a:endParaRPr lang="en-US" sz="4000" b="1" dirty="0">
               <a:latin typeface="Times New Roman" panose="02020603050405020304" pitchFamily="18" charset="0"/>
               <a:cs typeface="Times New Roman" panose="02020603050405020304" pitchFamily="18" charset="0"/>
             </a:endParaRPr>
@@ -8859,11 +8540,11 @@
         </p:spPr>
         <p:txBody>
           <a:bodyPr>
-            <a:normAutofit fontScale="70000" lnSpcReduction="20000"/>
+            <a:normAutofit/>
           </a:bodyPr>
           <a:lstStyle/>
           <a:p>
-            <a:endParaRPr lang="en-US" sz="3200" dirty="0">
+            <a:endParaRPr lang="en-US" sz="2800" dirty="0">
               <a:solidFill>
                 <a:schemeClr val="tx1"/>
               </a:solidFill>
@@ -8872,7 +8553,7 @@
             </a:endParaRPr>
           </a:p>
           <a:p>
-            <a:endParaRPr lang="en-US" sz="3200" dirty="0">
+            <a:endParaRPr lang="en-US" sz="2800" dirty="0">
               <a:solidFill>
                 <a:schemeClr val="tx1"/>
               </a:solidFill>
@@ -8881,7 +8562,7 @@
             </a:endParaRPr>
           </a:p>
           <a:p>
-            <a:endParaRPr lang="en-US" sz="3200" dirty="0">
+            <a:endParaRPr lang="en-US" sz="2800" dirty="0">
               <a:solidFill>
                 <a:schemeClr val="tx1"/>
               </a:solidFill>
@@ -8890,7 +8571,7 @@
             </a:endParaRPr>
           </a:p>
           <a:p>
-            <a:endParaRPr lang="en-US" sz="3200" dirty="0">
+            <a:endParaRPr lang="en-US" sz="2800" dirty="0">
               <a:solidFill>
                 <a:schemeClr val="tx1"/>
               </a:solidFill>
@@ -8899,7 +8580,7 @@
             </a:endParaRPr>
           </a:p>
           <a:p>
-            <a:endParaRPr lang="en-US" sz="3200" dirty="0">
+            <a:endParaRPr lang="en-US" sz="2800" dirty="0">
               <a:solidFill>
                 <a:schemeClr val="tx1"/>
               </a:solidFill>
@@ -8908,7 +8589,7 @@
             </a:endParaRPr>
           </a:p>
           <a:p>
-            <a:endParaRPr lang="en-US" sz="3200" dirty="0">
+            <a:endParaRPr lang="en-US" sz="2800" dirty="0">
               <a:solidFill>
                 <a:schemeClr val="tx1"/>
               </a:solidFill>
@@ -8917,7 +8598,7 @@
             </a:endParaRPr>
           </a:p>
           <a:p>
-            <a:endParaRPr lang="en-US" sz="3200" dirty="0">
+            <a:endParaRPr lang="en-US" sz="2800" dirty="0">
               <a:solidFill>
                 <a:schemeClr val="tx1"/>
               </a:solidFill>
@@ -8926,7 +8607,7 @@
             </a:endParaRPr>
           </a:p>
           <a:p>
-            <a:endParaRPr lang="en-US" sz="3200" dirty="0">
+            <a:endParaRPr lang="en-US" sz="2800" dirty="0">
               <a:solidFill>
                 <a:schemeClr val="tx1"/>
               </a:solidFill>
@@ -8936,117 +8617,77 @@
           </a:p>
           <a:p>
             <a:pPr algn="ctr"/>
-            <a:endParaRPr lang="en-US" sz="2200" dirty="0">
-              <a:solidFill>
-                <a:schemeClr val="tx1"/>
-              </a:solidFill>
-              <a:latin typeface="Times New Roman" panose="02020603050405020304" pitchFamily="18" charset="0"/>
-              <a:cs typeface="Times New Roman" panose="02020603050405020304" pitchFamily="18" charset="0"/>
-            </a:endParaRPr>
-          </a:p>
-          <a:p>
-            <a:pPr algn="ctr"/>
-            <a:endParaRPr lang="en-US" sz="2200" dirty="0">
-              <a:solidFill>
-                <a:schemeClr val="tx1"/>
-              </a:solidFill>
-              <a:latin typeface="Times New Roman" panose="02020603050405020304" pitchFamily="18" charset="0"/>
-              <a:cs typeface="Times New Roman" panose="02020603050405020304" pitchFamily="18" charset="0"/>
-            </a:endParaRPr>
-          </a:p>
-          <a:p>
-            <a:pPr algn="ctr"/>
-            <a:endParaRPr lang="en-US" sz="2200" dirty="0">
-              <a:solidFill>
-                <a:schemeClr val="tx1"/>
-              </a:solidFill>
-              <a:latin typeface="Times New Roman" panose="02020603050405020304" pitchFamily="18" charset="0"/>
-              <a:cs typeface="Times New Roman" panose="02020603050405020304" pitchFamily="18" charset="0"/>
-            </a:endParaRPr>
-          </a:p>
-          <a:p>
-            <a:pPr algn="ctr"/>
-            <a:endParaRPr lang="en-US" sz="2200" dirty="0">
-              <a:solidFill>
-                <a:schemeClr val="tx1"/>
-              </a:solidFill>
-              <a:latin typeface="Times New Roman" panose="02020603050405020304" pitchFamily="18" charset="0"/>
-              <a:cs typeface="Times New Roman" panose="02020603050405020304" pitchFamily="18" charset="0"/>
-            </a:endParaRPr>
-          </a:p>
-          <a:p>
-            <a:pPr algn="ctr"/>
-            <a:endParaRPr lang="en-US" sz="2200" dirty="0">
-              <a:solidFill>
-                <a:schemeClr val="tx1"/>
-              </a:solidFill>
-              <a:latin typeface="Times New Roman" panose="02020603050405020304" pitchFamily="18" charset="0"/>
-              <a:cs typeface="Times New Roman" panose="02020603050405020304" pitchFamily="18" charset="0"/>
-            </a:endParaRPr>
-          </a:p>
-          <a:p>
-            <a:pPr algn="ctr"/>
-            <a:r>
-              <a:rPr lang="en-US" sz="2200" dirty="0">
-                <a:solidFill>
-                  <a:schemeClr val="tx1"/>
-                </a:solidFill>
-                <a:latin typeface="Times New Roman" panose="02020603050405020304" pitchFamily="18" charset="0"/>
-                <a:cs typeface="Times New Roman" panose="02020603050405020304" pitchFamily="18" charset="0"/>
-              </a:rPr>
-              <a:t>S</a:t>
-            </a:r>
-            <a:r>
-              <a:rPr lang="vi-VN" sz="2200" dirty="0">
-                <a:solidFill>
-                  <a:schemeClr val="tx1"/>
-                </a:solidFill>
-                <a:latin typeface="Times New Roman" panose="02020603050405020304" pitchFamily="18" charset="0"/>
-                <a:cs typeface="Times New Roman" panose="02020603050405020304" pitchFamily="18" charset="0"/>
-              </a:rPr>
-              <a:t>ơ</a:t>
-            </a:r>
-            <a:r>
-              <a:rPr lang="en-US" sz="2200" dirty="0">
-                <a:solidFill>
-                  <a:schemeClr val="tx1"/>
-                </a:solidFill>
-                <a:latin typeface="Times New Roman" panose="02020603050405020304" pitchFamily="18" charset="0"/>
-                <a:cs typeface="Times New Roman" panose="02020603050405020304" pitchFamily="18" charset="0"/>
-              </a:rPr>
-              <a:t> </a:t>
-            </a:r>
-            <a:r>
-              <a:rPr lang="en-US" sz="2200" dirty="0" err="1">
-                <a:solidFill>
-                  <a:schemeClr val="tx1"/>
-                </a:solidFill>
-                <a:latin typeface="Times New Roman" panose="02020603050405020304" pitchFamily="18" charset="0"/>
-                <a:cs typeface="Times New Roman" panose="02020603050405020304" pitchFamily="18" charset="0"/>
-              </a:rPr>
-              <a:t>đồ</a:t>
-            </a:r>
-            <a:r>
-              <a:rPr lang="en-US" sz="2200" dirty="0">
-                <a:solidFill>
-                  <a:schemeClr val="tx1"/>
-                </a:solidFill>
-                <a:latin typeface="Times New Roman" panose="02020603050405020304" pitchFamily="18" charset="0"/>
-                <a:cs typeface="Times New Roman" panose="02020603050405020304" pitchFamily="18" charset="0"/>
-              </a:rPr>
-              <a:t> </a:t>
-            </a:r>
-            <a:r>
-              <a:rPr lang="en-US" sz="2200" dirty="0" err="1">
-                <a:solidFill>
-                  <a:schemeClr val="tx1"/>
-                </a:solidFill>
-                <a:latin typeface="Times New Roman" panose="02020603050405020304" pitchFamily="18" charset="0"/>
-                <a:cs typeface="Times New Roman" panose="02020603050405020304" pitchFamily="18" charset="0"/>
-              </a:rPr>
-              <a:t>usecase</a:t>
-            </a:r>
-            <a:endParaRPr lang="en-US" sz="2200" dirty="0">
+            <a:r>
+              <a:rPr lang="en-US" sz="2800" dirty="0" err="1">
+                <a:solidFill>
+                  <a:schemeClr val="tx1"/>
+                </a:solidFill>
+                <a:latin typeface="Times New Roman" panose="02020603050405020304" pitchFamily="18" charset="0"/>
+                <a:cs typeface="Times New Roman" panose="02020603050405020304" pitchFamily="18" charset="0"/>
+              </a:rPr>
+              <a:t>Kiến</a:t>
+            </a:r>
+            <a:r>
+              <a:rPr lang="en-US" sz="2800" dirty="0">
+                <a:solidFill>
+                  <a:schemeClr val="tx1"/>
+                </a:solidFill>
+                <a:latin typeface="Times New Roman" panose="02020603050405020304" pitchFamily="18" charset="0"/>
+                <a:cs typeface="Times New Roman" panose="02020603050405020304" pitchFamily="18" charset="0"/>
+              </a:rPr>
+              <a:t> </a:t>
+            </a:r>
+            <a:r>
+              <a:rPr lang="en-US" sz="2800" dirty="0" err="1">
+                <a:solidFill>
+                  <a:schemeClr val="tx1"/>
+                </a:solidFill>
+                <a:latin typeface="Times New Roman" panose="02020603050405020304" pitchFamily="18" charset="0"/>
+                <a:cs typeface="Times New Roman" panose="02020603050405020304" pitchFamily="18" charset="0"/>
+              </a:rPr>
+              <a:t>trúc</a:t>
+            </a:r>
+            <a:r>
+              <a:rPr lang="en-US" sz="2800" dirty="0">
+                <a:solidFill>
+                  <a:schemeClr val="tx1"/>
+                </a:solidFill>
+                <a:latin typeface="Times New Roman" panose="02020603050405020304" pitchFamily="18" charset="0"/>
+                <a:cs typeface="Times New Roman" panose="02020603050405020304" pitchFamily="18" charset="0"/>
+              </a:rPr>
+              <a:t> </a:t>
+            </a:r>
+            <a:r>
+              <a:rPr lang="en-US" sz="2800" dirty="0" err="1">
+                <a:solidFill>
+                  <a:schemeClr val="tx1"/>
+                </a:solidFill>
+                <a:latin typeface="Times New Roman" panose="02020603050405020304" pitchFamily="18" charset="0"/>
+                <a:cs typeface="Times New Roman" panose="02020603050405020304" pitchFamily="18" charset="0"/>
+              </a:rPr>
+              <a:t>hệ</a:t>
+            </a:r>
+            <a:r>
+              <a:rPr lang="en-US" sz="2800" dirty="0">
+                <a:solidFill>
+                  <a:schemeClr val="tx1"/>
+                </a:solidFill>
+                <a:latin typeface="Times New Roman" panose="02020603050405020304" pitchFamily="18" charset="0"/>
+                <a:cs typeface="Times New Roman" panose="02020603050405020304" pitchFamily="18" charset="0"/>
+              </a:rPr>
+              <a:t> </a:t>
+            </a:r>
+            <a:r>
+              <a:rPr lang="en-US" sz="2800" dirty="0" err="1">
+                <a:solidFill>
+                  <a:schemeClr val="tx1"/>
+                </a:solidFill>
+                <a:latin typeface="Times New Roman" panose="02020603050405020304" pitchFamily="18" charset="0"/>
+                <a:cs typeface="Times New Roman" panose="02020603050405020304" pitchFamily="18" charset="0"/>
+              </a:rPr>
+              <a:t>thống</a:t>
+            </a:r>
+            <a:endParaRPr lang="en-US" sz="2800" dirty="0">
               <a:solidFill>
                 <a:schemeClr val="tx1"/>
               </a:solidFill>
@@ -9061,7 +8702,7 @@
           <p:cNvPr id="4" name="Picture 3">
             <a:extLst>
               <a:ext uri="{FF2B5EF4-FFF2-40B4-BE49-F238E27FC236}">
-                <a16:creationId xmlns:a16="http://schemas.microsoft.com/office/drawing/2014/main" id="{DF39031E-89DD-4BFC-A7F7-84DEEC518210}"/>
+                <a16:creationId xmlns:a16="http://schemas.microsoft.com/office/drawing/2014/main" id="{5B67FF79-7DD1-4251-8986-302846E8BDCE}"/>
               </a:ext>
             </a:extLst>
           </p:cNvPr>
@@ -9069,7 +8710,7 @@
           <p:nvPr/>
         </p:nvPicPr>
         <p:blipFill>
-          <a:blip r:embed="rId2" cstate="print">
+          <a:blip r:embed="rId2">
             <a:extLst>
               <a:ext uri="{28A0092B-C50C-407E-A947-70E740481C1C}">
                 <a14:useLocalDpi xmlns:a14="http://schemas.microsoft.com/office/drawing/2010/main" val="0"/>
@@ -9083,8 +8724,8 @@
         </p:blipFill>
         <p:spPr bwMode="auto">
           <a:xfrm>
-            <a:off x="3654641" y="127000"/>
-            <a:ext cx="6157595" cy="6349999"/>
+            <a:off x="2379764" y="228600"/>
+            <a:ext cx="8186636" cy="5664199"/>
           </a:xfrm>
           <a:prstGeom prst="rect">
             <a:avLst/>
@@ -9098,7 +8739,7 @@
     </p:spTree>
     <p:extLst>
       <p:ext uri="{BB962C8B-B14F-4D97-AF65-F5344CB8AC3E}">
-        <p14:creationId xmlns:p14="http://schemas.microsoft.com/office/powerpoint/2010/main" val="3559859962"/>
+        <p14:creationId xmlns:p14="http://schemas.microsoft.com/office/powerpoint/2010/main" val="3682305033"/>
       </p:ext>
     </p:extLst>
   </p:cSld>
@@ -9154,90 +8795,6 @@
           <a:lstStyle/>
           <a:p>
             <a:pPr algn="ctr"/>
-            <a:r>
-              <a:rPr lang="en-US" sz="4000" b="1" dirty="0">
-                <a:latin typeface="Times New Roman" panose="02020603050405020304" pitchFamily="18" charset="0"/>
-                <a:cs typeface="Times New Roman" panose="02020603050405020304" pitchFamily="18" charset="0"/>
-              </a:rPr>
-              <a:t>C</a:t>
-            </a:r>
-            <a:r>
-              <a:rPr lang="vi-VN" sz="4000" b="1" dirty="0">
-                <a:latin typeface="Times New Roman" panose="02020603050405020304" pitchFamily="18" charset="0"/>
-                <a:cs typeface="Times New Roman" panose="02020603050405020304" pitchFamily="18" charset="0"/>
-              </a:rPr>
-              <a:t>ơ</a:t>
-            </a:r>
-            <a:r>
-              <a:rPr lang="en-US" sz="4000" b="1" dirty="0">
-                <a:latin typeface="Times New Roman" panose="02020603050405020304" pitchFamily="18" charset="0"/>
-                <a:cs typeface="Times New Roman" panose="02020603050405020304" pitchFamily="18" charset="0"/>
-              </a:rPr>
-              <a:t> </a:t>
-            </a:r>
-            <a:r>
-              <a:rPr lang="en-US" sz="4000" b="1" dirty="0" err="1">
-                <a:latin typeface="Times New Roman" panose="02020603050405020304" pitchFamily="18" charset="0"/>
-                <a:cs typeface="Times New Roman" panose="02020603050405020304" pitchFamily="18" charset="0"/>
-              </a:rPr>
-              <a:t>sở</a:t>
-            </a:r>
-            <a:r>
-              <a:rPr lang="en-US" sz="4000" b="1" dirty="0">
-                <a:latin typeface="Times New Roman" panose="02020603050405020304" pitchFamily="18" charset="0"/>
-                <a:cs typeface="Times New Roman" panose="02020603050405020304" pitchFamily="18" charset="0"/>
-              </a:rPr>
-              <a:t> </a:t>
-            </a:r>
-            <a:r>
-              <a:rPr lang="en-US" sz="4000" b="1" dirty="0" err="1">
-                <a:latin typeface="Times New Roman" panose="02020603050405020304" pitchFamily="18" charset="0"/>
-                <a:cs typeface="Times New Roman" panose="02020603050405020304" pitchFamily="18" charset="0"/>
-              </a:rPr>
-              <a:t>dữ</a:t>
-            </a:r>
-            <a:r>
-              <a:rPr lang="en-US" sz="4000" b="1" dirty="0">
-                <a:latin typeface="Times New Roman" panose="02020603050405020304" pitchFamily="18" charset="0"/>
-                <a:cs typeface="Times New Roman" panose="02020603050405020304" pitchFamily="18" charset="0"/>
-              </a:rPr>
-              <a:t> </a:t>
-            </a:r>
-            <a:r>
-              <a:rPr lang="en-US" sz="4000" b="1" dirty="0" err="1">
-                <a:latin typeface="Times New Roman" panose="02020603050405020304" pitchFamily="18" charset="0"/>
-                <a:cs typeface="Times New Roman" panose="02020603050405020304" pitchFamily="18" charset="0"/>
-              </a:rPr>
-              <a:t>liệu</a:t>
-            </a:r>
-            <a:r>
-              <a:rPr lang="en-US" sz="4000" b="1" dirty="0">
-                <a:latin typeface="Times New Roman" panose="02020603050405020304" pitchFamily="18" charset="0"/>
-                <a:cs typeface="Times New Roman" panose="02020603050405020304" pitchFamily="18" charset="0"/>
-              </a:rPr>
-              <a:t> </a:t>
-            </a:r>
-            <a:r>
-              <a:rPr lang="en-US" sz="4000" b="1" dirty="0" err="1">
-                <a:latin typeface="Times New Roman" panose="02020603050405020304" pitchFamily="18" charset="0"/>
-                <a:cs typeface="Times New Roman" panose="02020603050405020304" pitchFamily="18" charset="0"/>
-              </a:rPr>
-              <a:t>hệ</a:t>
-            </a:r>
-            <a:r>
-              <a:rPr lang="en-US" sz="4000" b="1" dirty="0">
-                <a:latin typeface="Times New Roman" panose="02020603050405020304" pitchFamily="18" charset="0"/>
-                <a:cs typeface="Times New Roman" panose="02020603050405020304" pitchFamily="18" charset="0"/>
-              </a:rPr>
-              <a:t> </a:t>
-            </a:r>
-            <a:r>
-              <a:rPr lang="en-US" sz="4000" b="1" dirty="0" err="1">
-                <a:latin typeface="Times New Roman" panose="02020603050405020304" pitchFamily="18" charset="0"/>
-                <a:cs typeface="Times New Roman" panose="02020603050405020304" pitchFamily="18" charset="0"/>
-              </a:rPr>
-              <a:t>thống</a:t>
-            </a:r>
             <a:endParaRPr lang="en-US" sz="4000" b="1" dirty="0">
               <a:latin typeface="Times New Roman" panose="02020603050405020304" pitchFamily="18" charset="0"/>
               <a:cs typeface="Times New Roman" panose="02020603050405020304" pitchFamily="18" charset="0"/>
@@ -9269,7 +8826,7 @@
         </p:spPr>
         <p:txBody>
           <a:bodyPr>
-            <a:normAutofit/>
+            <a:normAutofit fontScale="92500" lnSpcReduction="20000"/>
           </a:bodyPr>
           <a:lstStyle/>
           <a:p>
@@ -9281,12 +8838,185 @@
               <a:cs typeface="Times New Roman" panose="02020603050405020304" pitchFamily="18" charset="0"/>
             </a:endParaRPr>
           </a:p>
+          <a:p>
+            <a:endParaRPr lang="en-US" sz="2800" dirty="0">
+              <a:solidFill>
+                <a:schemeClr val="tx1"/>
+              </a:solidFill>
+              <a:latin typeface="Times New Roman" panose="02020603050405020304" pitchFamily="18" charset="0"/>
+              <a:cs typeface="Times New Roman" panose="02020603050405020304" pitchFamily="18" charset="0"/>
+            </a:endParaRPr>
+          </a:p>
+          <a:p>
+            <a:endParaRPr lang="en-US" sz="2800" dirty="0">
+              <a:solidFill>
+                <a:schemeClr val="tx1"/>
+              </a:solidFill>
+              <a:latin typeface="Times New Roman" panose="02020603050405020304" pitchFamily="18" charset="0"/>
+              <a:cs typeface="Times New Roman" panose="02020603050405020304" pitchFamily="18" charset="0"/>
+            </a:endParaRPr>
+          </a:p>
+          <a:p>
+            <a:endParaRPr lang="en-US" sz="2800" dirty="0">
+              <a:solidFill>
+                <a:schemeClr val="tx1"/>
+              </a:solidFill>
+              <a:latin typeface="Times New Roman" panose="02020603050405020304" pitchFamily="18" charset="0"/>
+              <a:cs typeface="Times New Roman" panose="02020603050405020304" pitchFamily="18" charset="0"/>
+            </a:endParaRPr>
+          </a:p>
+          <a:p>
+            <a:endParaRPr lang="en-US" sz="2800" dirty="0">
+              <a:solidFill>
+                <a:schemeClr val="tx1"/>
+              </a:solidFill>
+              <a:latin typeface="Times New Roman" panose="02020603050405020304" pitchFamily="18" charset="0"/>
+              <a:cs typeface="Times New Roman" panose="02020603050405020304" pitchFamily="18" charset="0"/>
+            </a:endParaRPr>
+          </a:p>
+          <a:p>
+            <a:endParaRPr lang="en-US" sz="2800" dirty="0">
+              <a:solidFill>
+                <a:schemeClr val="tx1"/>
+              </a:solidFill>
+              <a:latin typeface="Times New Roman" panose="02020603050405020304" pitchFamily="18" charset="0"/>
+              <a:cs typeface="Times New Roman" panose="02020603050405020304" pitchFamily="18" charset="0"/>
+            </a:endParaRPr>
+          </a:p>
+          <a:p>
+            <a:endParaRPr lang="en-US" sz="2800" dirty="0">
+              <a:solidFill>
+                <a:schemeClr val="tx1"/>
+              </a:solidFill>
+              <a:latin typeface="Times New Roman" panose="02020603050405020304" pitchFamily="18" charset="0"/>
+              <a:cs typeface="Times New Roman" panose="02020603050405020304" pitchFamily="18" charset="0"/>
+            </a:endParaRPr>
+          </a:p>
+          <a:p>
+            <a:endParaRPr lang="en-US" sz="2800" dirty="0">
+              <a:solidFill>
+                <a:schemeClr val="tx1"/>
+              </a:solidFill>
+              <a:latin typeface="Times New Roman" panose="02020603050405020304" pitchFamily="18" charset="0"/>
+              <a:cs typeface="Times New Roman" panose="02020603050405020304" pitchFamily="18" charset="0"/>
+            </a:endParaRPr>
+          </a:p>
+          <a:p>
+            <a:pPr algn="ctr"/>
+            <a:endParaRPr lang="en-US" sz="2000" dirty="0">
+              <a:solidFill>
+                <a:schemeClr val="tx1"/>
+              </a:solidFill>
+              <a:latin typeface="Times New Roman" panose="02020603050405020304" pitchFamily="18" charset="0"/>
+              <a:cs typeface="Times New Roman" panose="02020603050405020304" pitchFamily="18" charset="0"/>
+            </a:endParaRPr>
+          </a:p>
+          <a:p>
+            <a:pPr algn="ctr"/>
+            <a:endParaRPr lang="en-US" sz="2000" dirty="0">
+              <a:solidFill>
+                <a:schemeClr val="tx1"/>
+              </a:solidFill>
+              <a:latin typeface="Times New Roman" panose="02020603050405020304" pitchFamily="18" charset="0"/>
+              <a:cs typeface="Times New Roman" panose="02020603050405020304" pitchFamily="18" charset="0"/>
+            </a:endParaRPr>
+          </a:p>
+          <a:p>
+            <a:pPr algn="ctr"/>
+            <a:endParaRPr lang="en-US" sz="2000" dirty="0">
+              <a:solidFill>
+                <a:schemeClr val="tx1"/>
+              </a:solidFill>
+              <a:latin typeface="Times New Roman" panose="02020603050405020304" pitchFamily="18" charset="0"/>
+              <a:cs typeface="Times New Roman" panose="02020603050405020304" pitchFamily="18" charset="0"/>
+            </a:endParaRPr>
+          </a:p>
+          <a:p>
+            <a:pPr algn="ctr"/>
+            <a:r>
+              <a:rPr lang="en-US" sz="2000" dirty="0" err="1">
+                <a:solidFill>
+                  <a:schemeClr val="tx1"/>
+                </a:solidFill>
+                <a:latin typeface="Times New Roman" panose="02020603050405020304" pitchFamily="18" charset="0"/>
+                <a:cs typeface="Times New Roman" panose="02020603050405020304" pitchFamily="18" charset="0"/>
+              </a:rPr>
+              <a:t>Mô</a:t>
+            </a:r>
+            <a:r>
+              <a:rPr lang="en-US" sz="2000" dirty="0">
+                <a:solidFill>
+                  <a:schemeClr val="tx1"/>
+                </a:solidFill>
+                <a:latin typeface="Times New Roman" panose="02020603050405020304" pitchFamily="18" charset="0"/>
+                <a:cs typeface="Times New Roman" panose="02020603050405020304" pitchFamily="18" charset="0"/>
+              </a:rPr>
+              <a:t> </a:t>
+            </a:r>
+            <a:r>
+              <a:rPr lang="en-US" sz="2000" dirty="0" err="1">
+                <a:solidFill>
+                  <a:schemeClr val="tx1"/>
+                </a:solidFill>
+                <a:latin typeface="Times New Roman" panose="02020603050405020304" pitchFamily="18" charset="0"/>
+                <a:cs typeface="Times New Roman" panose="02020603050405020304" pitchFamily="18" charset="0"/>
+              </a:rPr>
+              <a:t>hình</a:t>
+            </a:r>
+            <a:r>
+              <a:rPr lang="en-US" sz="2000" dirty="0">
+                <a:solidFill>
+                  <a:schemeClr val="tx1"/>
+                </a:solidFill>
+                <a:latin typeface="Times New Roman" panose="02020603050405020304" pitchFamily="18" charset="0"/>
+                <a:cs typeface="Times New Roman" panose="02020603050405020304" pitchFamily="18" charset="0"/>
+              </a:rPr>
+              <a:t> diagram</a:t>
+            </a:r>
+          </a:p>
+          <a:p>
+            <a:endParaRPr lang="en-US" sz="2000" dirty="0">
+              <a:solidFill>
+                <a:schemeClr val="tx1"/>
+              </a:solidFill>
+              <a:latin typeface="Times New Roman" panose="02020603050405020304" pitchFamily="18" charset="0"/>
+              <a:cs typeface="Times New Roman" panose="02020603050405020304" pitchFamily="18" charset="0"/>
+            </a:endParaRPr>
+          </a:p>
         </p:txBody>
       </p:sp>
+      <p:pic>
+        <p:nvPicPr>
+          <p:cNvPr id="4" name="Picture 3">
+            <a:extLst>
+              <a:ext uri="{FF2B5EF4-FFF2-40B4-BE49-F238E27FC236}">
+                <a16:creationId xmlns:a16="http://schemas.microsoft.com/office/drawing/2014/main" id="{9CED2271-6ACC-4A30-B4F1-37B2D18FBDA6}"/>
+              </a:ext>
+            </a:extLst>
+          </p:cNvPr>
+          <p:cNvPicPr/>
+          <p:nvPr/>
+        </p:nvPicPr>
+        <p:blipFill>
+          <a:blip r:embed="rId2"/>
+          <a:stretch>
+            <a:fillRect/>
+          </a:stretch>
+        </p:blipFill>
+        <p:spPr>
+          <a:xfrm>
+            <a:off x="2108200" y="1"/>
+            <a:ext cx="9766300" cy="6365938"/>
+          </a:xfrm>
+          <a:prstGeom prst="rect">
+            <a:avLst/>
+          </a:prstGeom>
+        </p:spPr>
+      </p:pic>
     </p:spTree>
     <p:extLst>
       <p:ext uri="{BB962C8B-B14F-4D97-AF65-F5344CB8AC3E}">
-        <p14:creationId xmlns:p14="http://schemas.microsoft.com/office/powerpoint/2010/main" val="104042467"/>
+        <p14:creationId xmlns:p14="http://schemas.microsoft.com/office/powerpoint/2010/main" val="1550758279"/>
       </p:ext>
     </p:extLst>
   </p:cSld>
@@ -9342,283 +9072,6 @@
           <a:lstStyle/>
           <a:p>
             <a:pPr algn="ctr"/>
-            <a:endParaRPr lang="en-US" sz="4000" b="1" dirty="0">
-              <a:latin typeface="Times New Roman" panose="02020603050405020304" pitchFamily="18" charset="0"/>
-              <a:cs typeface="Times New Roman" panose="02020603050405020304" pitchFamily="18" charset="0"/>
-            </a:endParaRPr>
-          </a:p>
-        </p:txBody>
-      </p:sp>
-      <p:sp>
-        <p:nvSpPr>
-          <p:cNvPr id="3" name="Subtitle 2">
-            <a:extLst>
-              <a:ext uri="{FF2B5EF4-FFF2-40B4-BE49-F238E27FC236}">
-                <a16:creationId xmlns:a16="http://schemas.microsoft.com/office/drawing/2014/main" id="{E0B6DE87-722A-48C1-813D-624EA3268C53}"/>
-              </a:ext>
-            </a:extLst>
-          </p:cNvPr>
-          <p:cNvSpPr>
-            <a:spLocks noGrp="1"/>
-          </p:cNvSpPr>
-          <p:nvPr>
-            <p:ph type="subTitle" idx="1"/>
-          </p:nvPr>
-        </p:nvSpPr>
-        <p:spPr>
-          <a:xfrm>
-            <a:off x="2019300" y="1744910"/>
-            <a:ext cx="9152039" cy="4986090"/>
-          </a:xfrm>
-        </p:spPr>
-        <p:txBody>
-          <a:bodyPr>
-            <a:normAutofit fontScale="92500" lnSpcReduction="20000"/>
-          </a:bodyPr>
-          <a:lstStyle/>
-          <a:p>
-            <a:endParaRPr lang="en-US" sz="2800" dirty="0">
-              <a:solidFill>
-                <a:schemeClr val="tx1"/>
-              </a:solidFill>
-              <a:latin typeface="Times New Roman" panose="02020603050405020304" pitchFamily="18" charset="0"/>
-              <a:cs typeface="Times New Roman" panose="02020603050405020304" pitchFamily="18" charset="0"/>
-            </a:endParaRPr>
-          </a:p>
-          <a:p>
-            <a:endParaRPr lang="en-US" sz="2800" dirty="0">
-              <a:solidFill>
-                <a:schemeClr val="tx1"/>
-              </a:solidFill>
-              <a:latin typeface="Times New Roman" panose="02020603050405020304" pitchFamily="18" charset="0"/>
-              <a:cs typeface="Times New Roman" panose="02020603050405020304" pitchFamily="18" charset="0"/>
-            </a:endParaRPr>
-          </a:p>
-          <a:p>
-            <a:endParaRPr lang="en-US" sz="2800" dirty="0">
-              <a:solidFill>
-                <a:schemeClr val="tx1"/>
-              </a:solidFill>
-              <a:latin typeface="Times New Roman" panose="02020603050405020304" pitchFamily="18" charset="0"/>
-              <a:cs typeface="Times New Roman" panose="02020603050405020304" pitchFamily="18" charset="0"/>
-            </a:endParaRPr>
-          </a:p>
-          <a:p>
-            <a:endParaRPr lang="en-US" sz="2800" dirty="0">
-              <a:solidFill>
-                <a:schemeClr val="tx1"/>
-              </a:solidFill>
-              <a:latin typeface="Times New Roman" panose="02020603050405020304" pitchFamily="18" charset="0"/>
-              <a:cs typeface="Times New Roman" panose="02020603050405020304" pitchFamily="18" charset="0"/>
-            </a:endParaRPr>
-          </a:p>
-          <a:p>
-            <a:endParaRPr lang="en-US" sz="2800" dirty="0">
-              <a:solidFill>
-                <a:schemeClr val="tx1"/>
-              </a:solidFill>
-              <a:latin typeface="Times New Roman" panose="02020603050405020304" pitchFamily="18" charset="0"/>
-              <a:cs typeface="Times New Roman" panose="02020603050405020304" pitchFamily="18" charset="0"/>
-            </a:endParaRPr>
-          </a:p>
-          <a:p>
-            <a:endParaRPr lang="en-US" sz="2800" dirty="0">
-              <a:solidFill>
-                <a:schemeClr val="tx1"/>
-              </a:solidFill>
-              <a:latin typeface="Times New Roman" panose="02020603050405020304" pitchFamily="18" charset="0"/>
-              <a:cs typeface="Times New Roman" panose="02020603050405020304" pitchFamily="18" charset="0"/>
-            </a:endParaRPr>
-          </a:p>
-          <a:p>
-            <a:endParaRPr lang="en-US" sz="2800" dirty="0">
-              <a:solidFill>
-                <a:schemeClr val="tx1"/>
-              </a:solidFill>
-              <a:latin typeface="Times New Roman" panose="02020603050405020304" pitchFamily="18" charset="0"/>
-              <a:cs typeface="Times New Roman" panose="02020603050405020304" pitchFamily="18" charset="0"/>
-            </a:endParaRPr>
-          </a:p>
-          <a:p>
-            <a:endParaRPr lang="en-US" sz="2800" dirty="0">
-              <a:solidFill>
-                <a:schemeClr val="tx1"/>
-              </a:solidFill>
-              <a:latin typeface="Times New Roman" panose="02020603050405020304" pitchFamily="18" charset="0"/>
-              <a:cs typeface="Times New Roman" panose="02020603050405020304" pitchFamily="18" charset="0"/>
-            </a:endParaRPr>
-          </a:p>
-          <a:p>
-            <a:pPr algn="ctr"/>
-            <a:endParaRPr lang="en-US" sz="2000" dirty="0">
-              <a:solidFill>
-                <a:schemeClr val="tx1"/>
-              </a:solidFill>
-              <a:latin typeface="Times New Roman" panose="02020603050405020304" pitchFamily="18" charset="0"/>
-              <a:cs typeface="Times New Roman" panose="02020603050405020304" pitchFamily="18" charset="0"/>
-            </a:endParaRPr>
-          </a:p>
-          <a:p>
-            <a:pPr algn="ctr"/>
-            <a:endParaRPr lang="en-US" sz="2000" dirty="0">
-              <a:solidFill>
-                <a:schemeClr val="tx1"/>
-              </a:solidFill>
-              <a:latin typeface="Times New Roman" panose="02020603050405020304" pitchFamily="18" charset="0"/>
-              <a:cs typeface="Times New Roman" panose="02020603050405020304" pitchFamily="18" charset="0"/>
-            </a:endParaRPr>
-          </a:p>
-          <a:p>
-            <a:pPr algn="ctr"/>
-            <a:endParaRPr lang="en-US" sz="2000" dirty="0">
-              <a:solidFill>
-                <a:schemeClr val="tx1"/>
-              </a:solidFill>
-              <a:latin typeface="Times New Roman" panose="02020603050405020304" pitchFamily="18" charset="0"/>
-              <a:cs typeface="Times New Roman" panose="02020603050405020304" pitchFamily="18" charset="0"/>
-            </a:endParaRPr>
-          </a:p>
-          <a:p>
-            <a:pPr algn="ctr"/>
-            <a:r>
-              <a:rPr lang="en-US" sz="2000" dirty="0" err="1">
-                <a:solidFill>
-                  <a:schemeClr val="tx1"/>
-                </a:solidFill>
-                <a:latin typeface="Times New Roman" panose="02020603050405020304" pitchFamily="18" charset="0"/>
-                <a:cs typeface="Times New Roman" panose="02020603050405020304" pitchFamily="18" charset="0"/>
-              </a:rPr>
-              <a:t>Mô</a:t>
-            </a:r>
-            <a:r>
-              <a:rPr lang="en-US" sz="2000" dirty="0">
-                <a:solidFill>
-                  <a:schemeClr val="tx1"/>
-                </a:solidFill>
-                <a:latin typeface="Times New Roman" panose="02020603050405020304" pitchFamily="18" charset="0"/>
-                <a:cs typeface="Times New Roman" panose="02020603050405020304" pitchFamily="18" charset="0"/>
-              </a:rPr>
-              <a:t> </a:t>
-            </a:r>
-            <a:r>
-              <a:rPr lang="en-US" sz="2000" dirty="0" err="1">
-                <a:solidFill>
-                  <a:schemeClr val="tx1"/>
-                </a:solidFill>
-                <a:latin typeface="Times New Roman" panose="02020603050405020304" pitchFamily="18" charset="0"/>
-                <a:cs typeface="Times New Roman" panose="02020603050405020304" pitchFamily="18" charset="0"/>
-              </a:rPr>
-              <a:t>hình</a:t>
-            </a:r>
-            <a:r>
-              <a:rPr lang="en-US" sz="2000" dirty="0">
-                <a:solidFill>
-                  <a:schemeClr val="tx1"/>
-                </a:solidFill>
-                <a:latin typeface="Times New Roman" panose="02020603050405020304" pitchFamily="18" charset="0"/>
-                <a:cs typeface="Times New Roman" panose="02020603050405020304" pitchFamily="18" charset="0"/>
-              </a:rPr>
-              <a:t> diagram</a:t>
-            </a:r>
-          </a:p>
-          <a:p>
-            <a:endParaRPr lang="en-US" sz="2000" dirty="0">
-              <a:solidFill>
-                <a:schemeClr val="tx1"/>
-              </a:solidFill>
-              <a:latin typeface="Times New Roman" panose="02020603050405020304" pitchFamily="18" charset="0"/>
-              <a:cs typeface="Times New Roman" panose="02020603050405020304" pitchFamily="18" charset="0"/>
-            </a:endParaRPr>
-          </a:p>
-        </p:txBody>
-      </p:sp>
-      <p:pic>
-        <p:nvPicPr>
-          <p:cNvPr id="4" name="Picture 3">
-            <a:extLst>
-              <a:ext uri="{FF2B5EF4-FFF2-40B4-BE49-F238E27FC236}">
-                <a16:creationId xmlns:a16="http://schemas.microsoft.com/office/drawing/2014/main" id="{9CED2271-6ACC-4A30-B4F1-37B2D18FBDA6}"/>
-              </a:ext>
-            </a:extLst>
-          </p:cNvPr>
-          <p:cNvPicPr/>
-          <p:nvPr/>
-        </p:nvPicPr>
-        <p:blipFill>
-          <a:blip r:embed="rId2"/>
-          <a:stretch>
-            <a:fillRect/>
-          </a:stretch>
-        </p:blipFill>
-        <p:spPr>
-          <a:xfrm>
-            <a:off x="2108200" y="1"/>
-            <a:ext cx="9766300" cy="6365938"/>
-          </a:xfrm>
-          <a:prstGeom prst="rect">
-            <a:avLst/>
-          </a:prstGeom>
-        </p:spPr>
-      </p:pic>
-    </p:spTree>
-    <p:extLst>
-      <p:ext uri="{BB962C8B-B14F-4D97-AF65-F5344CB8AC3E}">
-        <p14:creationId xmlns:p14="http://schemas.microsoft.com/office/powerpoint/2010/main" val="1550758279"/>
-      </p:ext>
-    </p:extLst>
-  </p:cSld>
-  <p:clrMapOvr>
-    <a:masterClrMapping/>
-  </p:clrMapOvr>
-</p:sld>
-</file>
-
-<file path=ppt/slides/slide14.xml><?xml version="1.0" encoding="utf-8"?>
-<p:sld xmlns:a="http://schemas.openxmlformats.org/drawingml/2006/main" xmlns:r="http://schemas.openxmlformats.org/officeDocument/2006/relationships" xmlns:p="http://schemas.openxmlformats.org/presentationml/2006/main">
-  <p:cSld>
-    <p:spTree>
-      <p:nvGrpSpPr>
-        <p:cNvPr id="1" name=""/>
-        <p:cNvGrpSpPr/>
-        <p:nvPr/>
-      </p:nvGrpSpPr>
-      <p:grpSpPr>
-        <a:xfrm>
-          <a:off x="0" y="0"/>
-          <a:ext cx="0" cy="0"/>
-          <a:chOff x="0" y="0"/>
-          <a:chExt cx="0" cy="0"/>
-        </a:xfrm>
-      </p:grpSpPr>
-      <p:sp>
-        <p:nvSpPr>
-          <p:cNvPr id="2" name="Title 1">
-            <a:extLst>
-              <a:ext uri="{FF2B5EF4-FFF2-40B4-BE49-F238E27FC236}">
-                <a16:creationId xmlns:a16="http://schemas.microsoft.com/office/drawing/2014/main" id="{16719C43-EC8A-4F91-B2B8-467EE9E0364C}"/>
-              </a:ext>
-            </a:extLst>
-          </p:cNvPr>
-          <p:cNvSpPr>
-            <a:spLocks noGrp="1"/>
-          </p:cNvSpPr>
-          <p:nvPr>
-            <p:ph type="ctrTitle"/>
-          </p:nvPr>
-        </p:nvSpPr>
-        <p:spPr>
-          <a:xfrm>
-            <a:off x="2379764" y="492062"/>
-            <a:ext cx="8791575" cy="924551"/>
-          </a:xfrm>
-        </p:spPr>
-        <p:txBody>
-          <a:bodyPr>
-            <a:normAutofit/>
-          </a:bodyPr>
-          <a:lstStyle/>
-          <a:p>
-            <a:pPr algn="ctr"/>
             <a:r>
               <a:rPr lang="en-US" sz="4000" b="1" dirty="0" err="1">
                 <a:latin typeface="Times New Roman" panose="02020603050405020304" pitchFamily="18" charset="0"/>
@@ -9942,7 +9395,7 @@
 </p:sld>
 </file>
 
-<file path=ppt/slides/slide15.xml><?xml version="1.0" encoding="utf-8"?>
+<file path=ppt/slides/slide14.xml><?xml version="1.0" encoding="utf-8"?>
 <p:sld xmlns:a="http://schemas.openxmlformats.org/drawingml/2006/main" xmlns:r="http://schemas.openxmlformats.org/officeDocument/2006/relationships" xmlns:p="http://schemas.openxmlformats.org/presentationml/2006/main">
   <p:cSld>
     <p:spTree>
@@ -10488,7 +9941,7 @@
                 <a:latin typeface="Times New Roman" panose="02020603050405020304" pitchFamily="18" charset="0"/>
                 <a:cs typeface="Times New Roman" panose="02020603050405020304" pitchFamily="18" charset="0"/>
               </a:rPr>
-              <a:t>đề</a:t>
+              <a:t>về</a:t>
             </a:r>
             <a:r>
               <a:rPr lang="en-US" sz="3200" dirty="0">
@@ -10508,7 +9961,27 @@
                 <a:latin typeface="Times New Roman" panose="02020603050405020304" pitchFamily="18" charset="0"/>
                 <a:cs typeface="Times New Roman" panose="02020603050405020304" pitchFamily="18" charset="0"/>
               </a:rPr>
-              <a:t>tài</a:t>
+              <a:t>hệ</a:t>
+            </a:r>
+            <a:r>
+              <a:rPr lang="en-US" sz="3200" dirty="0">
+                <a:solidFill>
+                  <a:schemeClr val="tx1"/>
+                </a:solidFill>
+                <a:latin typeface="Times New Roman" panose="02020603050405020304" pitchFamily="18" charset="0"/>
+                <a:cs typeface="Times New Roman" panose="02020603050405020304" pitchFamily="18" charset="0"/>
+              </a:rPr>
+              <a:t> </a:t>
+            </a:r>
+            <a:r>
+              <a:rPr lang="en-US" sz="3200" dirty="0" err="1">
+                <a:solidFill>
+                  <a:schemeClr val="tx1"/>
+                </a:solidFill>
+                <a:latin typeface="Times New Roman" panose="02020603050405020304" pitchFamily="18" charset="0"/>
+                <a:cs typeface="Times New Roman" panose="02020603050405020304" pitchFamily="18" charset="0"/>
+              </a:rPr>
+              <a:t>thống</a:t>
             </a:r>
             <a:endParaRPr lang="en-US" sz="3200" dirty="0">
               <a:solidFill>
@@ -10523,6 +9996,16 @@
               <a:buAutoNum type="arabicPeriod"/>
             </a:pPr>
             <a:r>
+              <a:rPr lang="en-US" sz="3200" dirty="0" err="1">
+                <a:solidFill>
+                  <a:schemeClr val="tx1"/>
+                </a:solidFill>
+                <a:latin typeface="Times New Roman" panose="02020603050405020304" pitchFamily="18" charset="0"/>
+                <a:cs typeface="Times New Roman" panose="02020603050405020304" pitchFamily="18" charset="0"/>
+              </a:rPr>
+              <a:t>Phân</a:t>
+            </a:r>
+            <a:r>
               <a:rPr lang="en-US" sz="3200" dirty="0">
                 <a:solidFill>
                   <a:schemeClr val="tx1"/>
@@ -10530,17 +10013,17 @@
                 <a:latin typeface="Times New Roman" panose="02020603050405020304" pitchFamily="18" charset="0"/>
                 <a:cs typeface="Times New Roman" panose="02020603050405020304" pitchFamily="18" charset="0"/>
               </a:rPr>
-              <a:t>S</a:t>
-            </a:r>
-            <a:r>
-              <a:rPr lang="vi-VN" sz="3200" dirty="0">
-                <a:solidFill>
-                  <a:schemeClr val="tx1"/>
-                </a:solidFill>
-                <a:latin typeface="Times New Roman" panose="02020603050405020304" pitchFamily="18" charset="0"/>
-                <a:cs typeface="Times New Roman" panose="02020603050405020304" pitchFamily="18" charset="0"/>
-              </a:rPr>
-              <a:t>ơ</a:t>
+              <a:t> </a:t>
+            </a:r>
+            <a:r>
+              <a:rPr lang="en-US" sz="3200" dirty="0" err="1">
+                <a:solidFill>
+                  <a:schemeClr val="tx1"/>
+                </a:solidFill>
+                <a:latin typeface="Times New Roman" panose="02020603050405020304" pitchFamily="18" charset="0"/>
+                <a:cs typeface="Times New Roman" panose="02020603050405020304" pitchFamily="18" charset="0"/>
+              </a:rPr>
+              <a:t>tích</a:t>
             </a:r>
             <a:r>
               <a:rPr lang="en-US" sz="3200" dirty="0">
@@ -10560,7 +10043,7 @@
                 <a:latin typeface="Times New Roman" panose="02020603050405020304" pitchFamily="18" charset="0"/>
                 <a:cs typeface="Times New Roman" panose="02020603050405020304" pitchFamily="18" charset="0"/>
               </a:rPr>
-              <a:t>đồ</a:t>
+              <a:t>thiết</a:t>
             </a:r>
             <a:r>
               <a:rPr lang="en-US" sz="3200" dirty="0">
@@ -10580,107 +10063,7 @@
                 <a:latin typeface="Times New Roman" panose="02020603050405020304" pitchFamily="18" charset="0"/>
                 <a:cs typeface="Times New Roman" panose="02020603050405020304" pitchFamily="18" charset="0"/>
               </a:rPr>
-              <a:t>phân</a:t>
-            </a:r>
-            <a:r>
-              <a:rPr lang="en-US" sz="3200" dirty="0">
-                <a:solidFill>
-                  <a:schemeClr val="tx1"/>
-                </a:solidFill>
-                <a:latin typeface="Times New Roman" panose="02020603050405020304" pitchFamily="18" charset="0"/>
-                <a:cs typeface="Times New Roman" panose="02020603050405020304" pitchFamily="18" charset="0"/>
-              </a:rPr>
-              <a:t> </a:t>
-            </a:r>
-            <a:r>
-              <a:rPr lang="en-US" sz="3200" dirty="0" err="1">
-                <a:solidFill>
-                  <a:schemeClr val="tx1"/>
-                </a:solidFill>
-                <a:latin typeface="Times New Roman" panose="02020603050405020304" pitchFamily="18" charset="0"/>
-                <a:cs typeface="Times New Roman" panose="02020603050405020304" pitchFamily="18" charset="0"/>
-              </a:rPr>
-              <a:t>rã</a:t>
-            </a:r>
-            <a:r>
-              <a:rPr lang="en-US" sz="3200" dirty="0">
-                <a:solidFill>
-                  <a:schemeClr val="tx1"/>
-                </a:solidFill>
-                <a:latin typeface="Times New Roman" panose="02020603050405020304" pitchFamily="18" charset="0"/>
-                <a:cs typeface="Times New Roman" panose="02020603050405020304" pitchFamily="18" charset="0"/>
-              </a:rPr>
-              <a:t> </a:t>
-            </a:r>
-            <a:r>
-              <a:rPr lang="en-US" sz="3200" dirty="0" err="1">
-                <a:solidFill>
-                  <a:schemeClr val="tx1"/>
-                </a:solidFill>
-                <a:latin typeface="Times New Roman" panose="02020603050405020304" pitchFamily="18" charset="0"/>
-                <a:cs typeface="Times New Roman" panose="02020603050405020304" pitchFamily="18" charset="0"/>
-              </a:rPr>
-              <a:t>chức</a:t>
-            </a:r>
-            <a:r>
-              <a:rPr lang="en-US" sz="3200" dirty="0">
-                <a:solidFill>
-                  <a:schemeClr val="tx1"/>
-                </a:solidFill>
-                <a:latin typeface="Times New Roman" panose="02020603050405020304" pitchFamily="18" charset="0"/>
-                <a:cs typeface="Times New Roman" panose="02020603050405020304" pitchFamily="18" charset="0"/>
-              </a:rPr>
-              <a:t> </a:t>
-            </a:r>
-            <a:r>
-              <a:rPr lang="en-US" sz="3200" dirty="0" err="1">
-                <a:solidFill>
-                  <a:schemeClr val="tx1"/>
-                </a:solidFill>
-                <a:latin typeface="Times New Roman" panose="02020603050405020304" pitchFamily="18" charset="0"/>
-                <a:cs typeface="Times New Roman" panose="02020603050405020304" pitchFamily="18" charset="0"/>
-              </a:rPr>
-              <a:t>năng</a:t>
-            </a:r>
-            <a:r>
-              <a:rPr lang="en-US" sz="3200" dirty="0">
-                <a:solidFill>
-                  <a:schemeClr val="tx1"/>
-                </a:solidFill>
-                <a:latin typeface="Times New Roman" panose="02020603050405020304" pitchFamily="18" charset="0"/>
-                <a:cs typeface="Times New Roman" panose="02020603050405020304" pitchFamily="18" charset="0"/>
-              </a:rPr>
-              <a:t> </a:t>
-            </a:r>
-            <a:r>
-              <a:rPr lang="en-US" sz="3200" dirty="0" err="1">
-                <a:solidFill>
-                  <a:schemeClr val="tx1"/>
-                </a:solidFill>
-                <a:latin typeface="Times New Roman" panose="02020603050405020304" pitchFamily="18" charset="0"/>
-                <a:cs typeface="Times New Roman" panose="02020603050405020304" pitchFamily="18" charset="0"/>
-              </a:rPr>
-              <a:t>và</a:t>
-            </a:r>
-            <a:r>
-              <a:rPr lang="en-US" sz="3200" dirty="0">
-                <a:solidFill>
-                  <a:schemeClr val="tx1"/>
-                </a:solidFill>
-                <a:latin typeface="Times New Roman" panose="02020603050405020304" pitchFamily="18" charset="0"/>
-                <a:cs typeface="Times New Roman" panose="02020603050405020304" pitchFamily="18" charset="0"/>
-              </a:rPr>
-              <a:t> </a:t>
-            </a:r>
-            <a:r>
-              <a:rPr lang="en-US" sz="3200" dirty="0" err="1">
-                <a:solidFill>
-                  <a:schemeClr val="tx1"/>
-                </a:solidFill>
-                <a:latin typeface="Times New Roman" panose="02020603050405020304" pitchFamily="18" charset="0"/>
-                <a:cs typeface="Times New Roman" panose="02020603050405020304" pitchFamily="18" charset="0"/>
-              </a:rPr>
-              <a:t>usecase</a:t>
+              <a:t>kế</a:t>
             </a:r>
             <a:r>
               <a:rPr lang="en-US" sz="3200" dirty="0">
@@ -10742,7 +10125,7 @@
                 <a:latin typeface="Times New Roman" panose="02020603050405020304" pitchFamily="18" charset="0"/>
                 <a:cs typeface="Times New Roman" panose="02020603050405020304" pitchFamily="18" charset="0"/>
               </a:rPr>
-              <a:t>Cơ</a:t>
+              <a:t>Thiết</a:t>
             </a:r>
             <a:r>
               <a:rPr lang="en-US" sz="3200" dirty="0">
@@ -10762,7 +10145,7 @@
                 <a:latin typeface="Times New Roman" panose="02020603050405020304" pitchFamily="18" charset="0"/>
                 <a:cs typeface="Times New Roman" panose="02020603050405020304" pitchFamily="18" charset="0"/>
               </a:rPr>
-              <a:t>sở</a:t>
+              <a:t>kế</a:t>
             </a:r>
             <a:r>
               <a:rPr lang="en-US" sz="3200" dirty="0">
@@ -10782,7 +10165,7 @@
                 <a:latin typeface="Times New Roman" panose="02020603050405020304" pitchFamily="18" charset="0"/>
                 <a:cs typeface="Times New Roman" panose="02020603050405020304" pitchFamily="18" charset="0"/>
               </a:rPr>
-              <a:t>dữ</a:t>
+              <a:t>và</a:t>
             </a:r>
             <a:r>
               <a:rPr lang="en-US" sz="3200" dirty="0">
@@ -10802,7 +10185,27 @@
                 <a:latin typeface="Times New Roman" panose="02020603050405020304" pitchFamily="18" charset="0"/>
                 <a:cs typeface="Times New Roman" panose="02020603050405020304" pitchFamily="18" charset="0"/>
               </a:rPr>
-              <a:t>liệu</a:t>
+              <a:t>xây</a:t>
+            </a:r>
+            <a:r>
+              <a:rPr lang="en-US" sz="3200" dirty="0">
+                <a:solidFill>
+                  <a:schemeClr val="tx1"/>
+                </a:solidFill>
+                <a:latin typeface="Times New Roman" panose="02020603050405020304" pitchFamily="18" charset="0"/>
+                <a:cs typeface="Times New Roman" panose="02020603050405020304" pitchFamily="18" charset="0"/>
+              </a:rPr>
+              <a:t> </a:t>
+            </a:r>
+            <a:r>
+              <a:rPr lang="en-US" sz="3200" dirty="0" err="1">
+                <a:solidFill>
+                  <a:schemeClr val="tx1"/>
+                </a:solidFill>
+                <a:latin typeface="Times New Roman" panose="02020603050405020304" pitchFamily="18" charset="0"/>
+                <a:cs typeface="Times New Roman" panose="02020603050405020304" pitchFamily="18" charset="0"/>
+              </a:rPr>
+              <a:t>dựng</a:t>
             </a:r>
             <a:r>
               <a:rPr lang="en-US" sz="3200" dirty="0">
@@ -10864,7 +10267,7 @@
                 <a:latin typeface="Times New Roman" panose="02020603050405020304" pitchFamily="18" charset="0"/>
                 <a:cs typeface="Times New Roman" panose="02020603050405020304" pitchFamily="18" charset="0"/>
               </a:rPr>
-              <a:t>Xây</a:t>
+              <a:t>Kết</a:t>
             </a:r>
             <a:r>
               <a:rPr lang="en-US" sz="3200" dirty="0">
@@ -10884,107 +10287,7 @@
                 <a:latin typeface="Times New Roman" panose="02020603050405020304" pitchFamily="18" charset="0"/>
                 <a:cs typeface="Times New Roman" panose="02020603050405020304" pitchFamily="18" charset="0"/>
               </a:rPr>
-              <a:t>dựng</a:t>
-            </a:r>
-            <a:r>
-              <a:rPr lang="en-US" sz="3200" dirty="0">
-                <a:solidFill>
-                  <a:schemeClr val="tx1"/>
-                </a:solidFill>
-                <a:latin typeface="Times New Roman" panose="02020603050405020304" pitchFamily="18" charset="0"/>
-                <a:cs typeface="Times New Roman" panose="02020603050405020304" pitchFamily="18" charset="0"/>
-              </a:rPr>
-              <a:t> </a:t>
-            </a:r>
-            <a:r>
-              <a:rPr lang="en-US" sz="3200" dirty="0" err="1">
-                <a:solidFill>
-                  <a:schemeClr val="tx1"/>
-                </a:solidFill>
-                <a:latin typeface="Times New Roman" panose="02020603050405020304" pitchFamily="18" charset="0"/>
-                <a:cs typeface="Times New Roman" panose="02020603050405020304" pitchFamily="18" charset="0"/>
-              </a:rPr>
-              <a:t>thiết</a:t>
-            </a:r>
-            <a:r>
-              <a:rPr lang="en-US" sz="3200" dirty="0">
-                <a:solidFill>
-                  <a:schemeClr val="tx1"/>
-                </a:solidFill>
-                <a:latin typeface="Times New Roman" panose="02020603050405020304" pitchFamily="18" charset="0"/>
-                <a:cs typeface="Times New Roman" panose="02020603050405020304" pitchFamily="18" charset="0"/>
-              </a:rPr>
-              <a:t> </a:t>
-            </a:r>
-            <a:r>
-              <a:rPr lang="en-US" sz="3200" dirty="0" err="1">
-                <a:solidFill>
-                  <a:schemeClr val="tx1"/>
-                </a:solidFill>
-                <a:latin typeface="Times New Roman" panose="02020603050405020304" pitchFamily="18" charset="0"/>
-                <a:cs typeface="Times New Roman" panose="02020603050405020304" pitchFamily="18" charset="0"/>
-              </a:rPr>
-              <a:t>kế</a:t>
-            </a:r>
-            <a:r>
-              <a:rPr lang="en-US" sz="3200" dirty="0">
-                <a:solidFill>
-                  <a:schemeClr val="tx1"/>
-                </a:solidFill>
-                <a:latin typeface="Times New Roman" panose="02020603050405020304" pitchFamily="18" charset="0"/>
-                <a:cs typeface="Times New Roman" panose="02020603050405020304" pitchFamily="18" charset="0"/>
-              </a:rPr>
-              <a:t> chi </a:t>
-            </a:r>
-            <a:r>
-              <a:rPr lang="en-US" sz="3200" dirty="0" err="1">
-                <a:solidFill>
-                  <a:schemeClr val="tx1"/>
-                </a:solidFill>
-                <a:latin typeface="Times New Roman" panose="02020603050405020304" pitchFamily="18" charset="0"/>
-                <a:cs typeface="Times New Roman" panose="02020603050405020304" pitchFamily="18" charset="0"/>
-              </a:rPr>
-              <a:t>tiết</a:t>
-            </a:r>
-            <a:r>
-              <a:rPr lang="en-US" sz="3200" dirty="0">
-                <a:solidFill>
-                  <a:schemeClr val="tx1"/>
-                </a:solidFill>
-                <a:latin typeface="Times New Roman" panose="02020603050405020304" pitchFamily="18" charset="0"/>
-                <a:cs typeface="Times New Roman" panose="02020603050405020304" pitchFamily="18" charset="0"/>
-              </a:rPr>
-              <a:t> </a:t>
-            </a:r>
-            <a:r>
-              <a:rPr lang="en-US" sz="3200" dirty="0" err="1">
-                <a:solidFill>
-                  <a:schemeClr val="tx1"/>
-                </a:solidFill>
-                <a:latin typeface="Times New Roman" panose="02020603050405020304" pitchFamily="18" charset="0"/>
-                <a:cs typeface="Times New Roman" panose="02020603050405020304" pitchFamily="18" charset="0"/>
-              </a:rPr>
-              <a:t>hệ</a:t>
-            </a:r>
-            <a:r>
-              <a:rPr lang="en-US" sz="3200" dirty="0">
-                <a:solidFill>
-                  <a:schemeClr val="tx1"/>
-                </a:solidFill>
-                <a:latin typeface="Times New Roman" panose="02020603050405020304" pitchFamily="18" charset="0"/>
-                <a:cs typeface="Times New Roman" panose="02020603050405020304" pitchFamily="18" charset="0"/>
-              </a:rPr>
-              <a:t> </a:t>
-            </a:r>
-            <a:r>
-              <a:rPr lang="en-US" sz="3200" dirty="0" err="1">
-                <a:solidFill>
-                  <a:schemeClr val="tx1"/>
-                </a:solidFill>
-                <a:latin typeface="Times New Roman" panose="02020603050405020304" pitchFamily="18" charset="0"/>
-                <a:cs typeface="Times New Roman" panose="02020603050405020304" pitchFamily="18" charset="0"/>
-              </a:rPr>
-              <a:t>thống</a:t>
+              <a:t>luận</a:t>
             </a:r>
             <a:endParaRPr lang="en-US" sz="3200" dirty="0">
               <a:solidFill>
@@ -11088,7 +10391,7 @@
                 <a:latin typeface="Times New Roman" panose="02020603050405020304" pitchFamily="18" charset="0"/>
                 <a:cs typeface="Times New Roman" panose="02020603050405020304" pitchFamily="18" charset="0"/>
               </a:rPr>
-              <a:t>đề</a:t>
+              <a:t>về</a:t>
             </a:r>
             <a:r>
               <a:rPr lang="en-US" sz="4000" b="1" dirty="0">
@@ -11102,7 +10405,21 @@
                 <a:latin typeface="Times New Roman" panose="02020603050405020304" pitchFamily="18" charset="0"/>
                 <a:cs typeface="Times New Roman" panose="02020603050405020304" pitchFamily="18" charset="0"/>
               </a:rPr>
-              <a:t>tài</a:t>
+              <a:t>hệ</a:t>
+            </a:r>
+            <a:r>
+              <a:rPr lang="en-US" sz="4000" b="1" dirty="0">
+                <a:latin typeface="Times New Roman" panose="02020603050405020304" pitchFamily="18" charset="0"/>
+                <a:cs typeface="Times New Roman" panose="02020603050405020304" pitchFamily="18" charset="0"/>
+              </a:rPr>
+              <a:t> </a:t>
+            </a:r>
+            <a:r>
+              <a:rPr lang="en-US" sz="4000" b="1" dirty="0" err="1">
+                <a:latin typeface="Times New Roman" panose="02020603050405020304" pitchFamily="18" charset="0"/>
+                <a:cs typeface="Times New Roman" panose="02020603050405020304" pitchFamily="18" charset="0"/>
+              </a:rPr>
+              <a:t>thống</a:t>
             </a:r>
             <a:endParaRPr lang="en-US" sz="4000" b="1" dirty="0">
               <a:latin typeface="Times New Roman" panose="02020603050405020304" pitchFamily="18" charset="0"/>
@@ -12496,7 +11813,7 @@
                 <a:latin typeface="Times New Roman" panose="02020603050405020304" pitchFamily="18" charset="0"/>
                 <a:cs typeface="Times New Roman" panose="02020603050405020304" pitchFamily="18" charset="0"/>
               </a:rPr>
-              <a:t>đề</a:t>
+              <a:t>về</a:t>
             </a:r>
             <a:r>
               <a:rPr lang="en-US" sz="4000" b="1" dirty="0">
@@ -12510,7 +11827,21 @@
                 <a:latin typeface="Times New Roman" panose="02020603050405020304" pitchFamily="18" charset="0"/>
                 <a:cs typeface="Times New Roman" panose="02020603050405020304" pitchFamily="18" charset="0"/>
               </a:rPr>
-              <a:t>tài</a:t>
+              <a:t>hệ</a:t>
+            </a:r>
+            <a:r>
+              <a:rPr lang="en-US" sz="4000" b="1" dirty="0">
+                <a:latin typeface="Times New Roman" panose="02020603050405020304" pitchFamily="18" charset="0"/>
+                <a:cs typeface="Times New Roman" panose="02020603050405020304" pitchFamily="18" charset="0"/>
+              </a:rPr>
+              <a:t> </a:t>
+            </a:r>
+            <a:r>
+              <a:rPr lang="en-US" sz="4000" b="1" dirty="0" err="1">
+                <a:latin typeface="Times New Roman" panose="02020603050405020304" pitchFamily="18" charset="0"/>
+                <a:cs typeface="Times New Roman" panose="02020603050405020304" pitchFamily="18" charset="0"/>
+              </a:rPr>
+              <a:t>thống</a:t>
             </a:r>
             <a:endParaRPr lang="en-US" sz="4000" b="1" dirty="0">
               <a:latin typeface="Times New Roman" panose="02020603050405020304" pitchFamily="18" charset="0"/>
@@ -15474,7 +14805,7 @@
                 <a:latin typeface="Times New Roman" panose="02020603050405020304" pitchFamily="18" charset="0"/>
                 <a:cs typeface="Times New Roman" panose="02020603050405020304" pitchFamily="18" charset="0"/>
               </a:rPr>
-              <a:t>đề</a:t>
+              <a:t>về</a:t>
             </a:r>
             <a:r>
               <a:rPr lang="en-US" sz="4000" b="1" dirty="0">
@@ -15488,7 +14819,21 @@
                 <a:latin typeface="Times New Roman" panose="02020603050405020304" pitchFamily="18" charset="0"/>
                 <a:cs typeface="Times New Roman" panose="02020603050405020304" pitchFamily="18" charset="0"/>
               </a:rPr>
-              <a:t>tài</a:t>
+              <a:t>hệ</a:t>
+            </a:r>
+            <a:r>
+              <a:rPr lang="en-US" sz="4000" b="1" dirty="0">
+                <a:latin typeface="Times New Roman" panose="02020603050405020304" pitchFamily="18" charset="0"/>
+                <a:cs typeface="Times New Roman" panose="02020603050405020304" pitchFamily="18" charset="0"/>
+              </a:rPr>
+              <a:t> </a:t>
+            </a:r>
+            <a:r>
+              <a:rPr lang="en-US" sz="4000" b="1" dirty="0" err="1">
+                <a:latin typeface="Times New Roman" panose="02020603050405020304" pitchFamily="18" charset="0"/>
+                <a:cs typeface="Times New Roman" panose="02020603050405020304" pitchFamily="18" charset="0"/>
+              </a:rPr>
+              <a:t>thống</a:t>
             </a:r>
             <a:endParaRPr lang="en-US" sz="4000" b="1" dirty="0">
               <a:latin typeface="Times New Roman" panose="02020603050405020304" pitchFamily="18" charset="0"/>
@@ -16441,7 +15786,7 @@
                 <a:latin typeface="Times New Roman" panose="02020603050405020304" pitchFamily="18" charset="0"/>
                 <a:cs typeface="Times New Roman" panose="02020603050405020304" pitchFamily="18" charset="0"/>
               </a:rPr>
-              <a:t>đề</a:t>
+              <a:t>về</a:t>
             </a:r>
             <a:r>
               <a:rPr lang="en-US" sz="4000" b="1" dirty="0">
@@ -16455,7 +15800,21 @@
                 <a:latin typeface="Times New Roman" panose="02020603050405020304" pitchFamily="18" charset="0"/>
                 <a:cs typeface="Times New Roman" panose="02020603050405020304" pitchFamily="18" charset="0"/>
               </a:rPr>
-              <a:t>tài</a:t>
+              <a:t>hệ</a:t>
+            </a:r>
+            <a:r>
+              <a:rPr lang="en-US" sz="4000" b="1" dirty="0">
+                <a:latin typeface="Times New Roman" panose="02020603050405020304" pitchFamily="18" charset="0"/>
+                <a:cs typeface="Times New Roman" panose="02020603050405020304" pitchFamily="18" charset="0"/>
+              </a:rPr>
+              <a:t> </a:t>
+            </a:r>
+            <a:r>
+              <a:rPr lang="en-US" sz="4000" b="1" dirty="0" err="1">
+                <a:latin typeface="Times New Roman" panose="02020603050405020304" pitchFamily="18" charset="0"/>
+                <a:cs typeface="Times New Roman" panose="02020603050405020304" pitchFamily="18" charset="0"/>
+              </a:rPr>
+              <a:t>thống</a:t>
             </a:r>
             <a:endParaRPr lang="en-US" sz="4000" b="1" dirty="0">
               <a:latin typeface="Times New Roman" panose="02020603050405020304" pitchFamily="18" charset="0"/>
@@ -19058,18 +18417,25 @@
           <a:p>
             <a:pPr algn="ctr"/>
             <a:r>
+              <a:rPr lang="en-US" sz="4000" b="1" dirty="0" err="1">
+                <a:latin typeface="Times New Roman" panose="02020603050405020304" pitchFamily="18" charset="0"/>
+                <a:cs typeface="Times New Roman" panose="02020603050405020304" pitchFamily="18" charset="0"/>
+              </a:rPr>
+              <a:t>Phân</a:t>
+            </a:r>
+            <a:r>
               <a:rPr lang="en-US" sz="4000" b="1" dirty="0">
                 <a:latin typeface="Times New Roman" panose="02020603050405020304" pitchFamily="18" charset="0"/>
                 <a:cs typeface="Times New Roman" panose="02020603050405020304" pitchFamily="18" charset="0"/>
               </a:rPr>
-              <a:t>S</a:t>
-            </a:r>
-            <a:r>
-              <a:rPr lang="vi-VN" sz="4000" b="1" dirty="0">
-                <a:latin typeface="Times New Roman" panose="02020603050405020304" pitchFamily="18" charset="0"/>
-                <a:cs typeface="Times New Roman" panose="02020603050405020304" pitchFamily="18" charset="0"/>
-              </a:rPr>
-              <a:t>ơ</a:t>
+              <a:t> </a:t>
+            </a:r>
+            <a:r>
+              <a:rPr lang="en-US" sz="4000" b="1" dirty="0" err="1">
+                <a:latin typeface="Times New Roman" panose="02020603050405020304" pitchFamily="18" charset="0"/>
+                <a:cs typeface="Times New Roman" panose="02020603050405020304" pitchFamily="18" charset="0"/>
+              </a:rPr>
+              <a:t>tích</a:t>
             </a:r>
             <a:r>
               <a:rPr lang="en-US" sz="4000" b="1" dirty="0">
@@ -19083,7 +18449,7 @@
                 <a:latin typeface="Times New Roman" panose="02020603050405020304" pitchFamily="18" charset="0"/>
                 <a:cs typeface="Times New Roman" panose="02020603050405020304" pitchFamily="18" charset="0"/>
               </a:rPr>
-              <a:t>đồ</a:t>
+              <a:t>thiết</a:t>
             </a:r>
             <a:r>
               <a:rPr lang="en-US" sz="4000" b="1" dirty="0">
@@ -19097,7 +18463,7 @@
                 <a:latin typeface="Times New Roman" panose="02020603050405020304" pitchFamily="18" charset="0"/>
                 <a:cs typeface="Times New Roman" panose="02020603050405020304" pitchFamily="18" charset="0"/>
               </a:rPr>
-              <a:t>phân</a:t>
+              <a:t>kế</a:t>
             </a:r>
             <a:r>
               <a:rPr lang="en-US" sz="4000" b="1" dirty="0">
@@ -19111,7 +18477,7 @@
                 <a:latin typeface="Times New Roman" panose="02020603050405020304" pitchFamily="18" charset="0"/>
                 <a:cs typeface="Times New Roman" panose="02020603050405020304" pitchFamily="18" charset="0"/>
               </a:rPr>
-              <a:t>rã</a:t>
+              <a:t>hệ</a:t>
             </a:r>
             <a:r>
               <a:rPr lang="en-US" sz="4000" b="1" dirty="0">
@@ -19125,49 +18491,7 @@
                 <a:latin typeface="Times New Roman" panose="02020603050405020304" pitchFamily="18" charset="0"/>
                 <a:cs typeface="Times New Roman" panose="02020603050405020304" pitchFamily="18" charset="0"/>
               </a:rPr>
-              <a:t>chức</a:t>
-            </a:r>
-            <a:r>
-              <a:rPr lang="en-US" sz="4000" b="1" dirty="0">
-                <a:latin typeface="Times New Roman" panose="02020603050405020304" pitchFamily="18" charset="0"/>
-                <a:cs typeface="Times New Roman" panose="02020603050405020304" pitchFamily="18" charset="0"/>
-              </a:rPr>
-              <a:t> </a:t>
-            </a:r>
-            <a:r>
-              <a:rPr lang="en-US" sz="4000" b="1" dirty="0" err="1">
-                <a:latin typeface="Times New Roman" panose="02020603050405020304" pitchFamily="18" charset="0"/>
-                <a:cs typeface="Times New Roman" panose="02020603050405020304" pitchFamily="18" charset="0"/>
-              </a:rPr>
-              <a:t>năng</a:t>
-            </a:r>
-            <a:r>
-              <a:rPr lang="en-US" sz="4000" b="1" dirty="0">
-                <a:latin typeface="Times New Roman" panose="02020603050405020304" pitchFamily="18" charset="0"/>
-                <a:cs typeface="Times New Roman" panose="02020603050405020304" pitchFamily="18" charset="0"/>
-              </a:rPr>
-              <a:t> </a:t>
-            </a:r>
-            <a:r>
-              <a:rPr lang="en-US" sz="4000" b="1" dirty="0" err="1">
-                <a:latin typeface="Times New Roman" panose="02020603050405020304" pitchFamily="18" charset="0"/>
-                <a:cs typeface="Times New Roman" panose="02020603050405020304" pitchFamily="18" charset="0"/>
-              </a:rPr>
-              <a:t>và</a:t>
-            </a:r>
-            <a:r>
-              <a:rPr lang="en-US" sz="4000" b="1" dirty="0">
-                <a:latin typeface="Times New Roman" panose="02020603050405020304" pitchFamily="18" charset="0"/>
-                <a:cs typeface="Times New Roman" panose="02020603050405020304" pitchFamily="18" charset="0"/>
-              </a:rPr>
-              <a:t> </a:t>
-            </a:r>
-            <a:r>
-              <a:rPr lang="en-US" sz="4000" b="1" dirty="0" err="1">
-                <a:latin typeface="Times New Roman" panose="02020603050405020304" pitchFamily="18" charset="0"/>
-                <a:cs typeface="Times New Roman" panose="02020603050405020304" pitchFamily="18" charset="0"/>
-              </a:rPr>
-              <a:t>Usecase</a:t>
+              <a:t>thống</a:t>
             </a:r>
             <a:endParaRPr lang="en-US" sz="4000" b="1" dirty="0">
               <a:latin typeface="Times New Roman" panose="02020603050405020304" pitchFamily="18" charset="0"/>
@@ -19204,6 +18528,119 @@
           </a:bodyPr>
           <a:lstStyle/>
           <a:p>
+            <a:r>
+              <a:rPr lang="en-US" sz="3200" b="1" dirty="0" err="1">
+                <a:solidFill>
+                  <a:schemeClr val="tx1"/>
+                </a:solidFill>
+                <a:latin typeface="Times New Roman" panose="02020603050405020304" pitchFamily="18" charset="0"/>
+                <a:cs typeface="Times New Roman" panose="02020603050405020304" pitchFamily="18" charset="0"/>
+              </a:rPr>
+              <a:t>Tác</a:t>
+            </a:r>
+            <a:r>
+              <a:rPr lang="en-US" sz="3200" b="1" dirty="0">
+                <a:solidFill>
+                  <a:schemeClr val="tx1"/>
+                </a:solidFill>
+                <a:latin typeface="Times New Roman" panose="02020603050405020304" pitchFamily="18" charset="0"/>
+                <a:cs typeface="Times New Roman" panose="02020603050405020304" pitchFamily="18" charset="0"/>
+              </a:rPr>
+              <a:t> </a:t>
+            </a:r>
+            <a:r>
+              <a:rPr lang="en-US" sz="3200" b="1" dirty="0" err="1">
+                <a:solidFill>
+                  <a:schemeClr val="tx1"/>
+                </a:solidFill>
+                <a:latin typeface="Times New Roman" panose="02020603050405020304" pitchFamily="18" charset="0"/>
+                <a:cs typeface="Times New Roman" panose="02020603050405020304" pitchFamily="18" charset="0"/>
+              </a:rPr>
+              <a:t>nhân</a:t>
+            </a:r>
+            <a:r>
+              <a:rPr lang="en-US" sz="3200" b="1" dirty="0">
+                <a:solidFill>
+                  <a:schemeClr val="tx1"/>
+                </a:solidFill>
+                <a:latin typeface="Times New Roman" panose="02020603050405020304" pitchFamily="18" charset="0"/>
+                <a:cs typeface="Times New Roman" panose="02020603050405020304" pitchFamily="18" charset="0"/>
+              </a:rPr>
+              <a:t> </a:t>
+            </a:r>
+            <a:r>
+              <a:rPr lang="en-US" sz="3200" b="1" dirty="0" err="1">
+                <a:solidFill>
+                  <a:schemeClr val="tx1"/>
+                </a:solidFill>
+                <a:latin typeface="Times New Roman" panose="02020603050405020304" pitchFamily="18" charset="0"/>
+                <a:cs typeface="Times New Roman" panose="02020603050405020304" pitchFamily="18" charset="0"/>
+              </a:rPr>
+              <a:t>hệ</a:t>
+            </a:r>
+            <a:r>
+              <a:rPr lang="en-US" sz="3200" b="1" dirty="0">
+                <a:solidFill>
+                  <a:schemeClr val="tx1"/>
+                </a:solidFill>
+                <a:latin typeface="Times New Roman" panose="02020603050405020304" pitchFamily="18" charset="0"/>
+                <a:cs typeface="Times New Roman" panose="02020603050405020304" pitchFamily="18" charset="0"/>
+              </a:rPr>
+              <a:t> </a:t>
+            </a:r>
+            <a:r>
+              <a:rPr lang="en-US" sz="3200" b="1" dirty="0" err="1">
+                <a:solidFill>
+                  <a:schemeClr val="tx1"/>
+                </a:solidFill>
+                <a:latin typeface="Times New Roman" panose="02020603050405020304" pitchFamily="18" charset="0"/>
+                <a:cs typeface="Times New Roman" panose="02020603050405020304" pitchFamily="18" charset="0"/>
+              </a:rPr>
+              <a:t>thống</a:t>
+            </a:r>
+            <a:endParaRPr lang="en-US" sz="3200" b="1" dirty="0">
+              <a:solidFill>
+                <a:schemeClr val="tx1"/>
+              </a:solidFill>
+              <a:latin typeface="Times New Roman" panose="02020603050405020304" pitchFamily="18" charset="0"/>
+              <a:cs typeface="Times New Roman" panose="02020603050405020304" pitchFamily="18" charset="0"/>
+            </a:endParaRPr>
+          </a:p>
+          <a:p>
+            <a:pPr marL="457200" indent="-457200">
+              <a:buFont typeface="Wingdings" panose="05000000000000000000" pitchFamily="2" charset="2"/>
+              <a:buChar char="Ø"/>
+            </a:pPr>
+            <a:r>
+              <a:rPr lang="en-US" sz="2800" dirty="0" err="1">
+                <a:solidFill>
+                  <a:schemeClr val="tx1"/>
+                </a:solidFill>
+                <a:latin typeface="Times New Roman" panose="02020603050405020304" pitchFamily="18" charset="0"/>
+                <a:cs typeface="Times New Roman" panose="02020603050405020304" pitchFamily="18" charset="0"/>
+              </a:rPr>
+              <a:t>Khách</a:t>
+            </a:r>
+            <a:r>
+              <a:rPr lang="en-US" sz="2800" dirty="0">
+                <a:solidFill>
+                  <a:schemeClr val="tx1"/>
+                </a:solidFill>
+                <a:latin typeface="Times New Roman" panose="02020603050405020304" pitchFamily="18" charset="0"/>
+                <a:cs typeface="Times New Roman" panose="02020603050405020304" pitchFamily="18" charset="0"/>
+              </a:rPr>
+              <a:t> </a:t>
+            </a:r>
+            <a:r>
+              <a:rPr lang="en-US" sz="2800" dirty="0" err="1">
+                <a:solidFill>
+                  <a:schemeClr val="tx1"/>
+                </a:solidFill>
+                <a:latin typeface="Times New Roman" panose="02020603050405020304" pitchFamily="18" charset="0"/>
+                <a:cs typeface="Times New Roman" panose="02020603050405020304" pitchFamily="18" charset="0"/>
+              </a:rPr>
+              <a:t>hàng</a:t>
+            </a:r>
             <a:endParaRPr lang="en-US" sz="2800" dirty="0">
               <a:solidFill>
                 <a:schemeClr val="tx1"/>
@@ -19212,12 +18649,261 @@
               <a:cs typeface="Times New Roman" panose="02020603050405020304" pitchFamily="18" charset="0"/>
             </a:endParaRPr>
           </a:p>
+          <a:p>
+            <a:pPr marL="457200" indent="-457200">
+              <a:buFont typeface="Wingdings" panose="05000000000000000000" pitchFamily="2" charset="2"/>
+              <a:buChar char="Ø"/>
+            </a:pPr>
+            <a:r>
+              <a:rPr lang="en-US" sz="2800" dirty="0" err="1">
+                <a:solidFill>
+                  <a:schemeClr val="tx1"/>
+                </a:solidFill>
+                <a:latin typeface="Times New Roman" panose="02020603050405020304" pitchFamily="18" charset="0"/>
+                <a:cs typeface="Times New Roman" panose="02020603050405020304" pitchFamily="18" charset="0"/>
+              </a:rPr>
+              <a:t>Nhân</a:t>
+            </a:r>
+            <a:r>
+              <a:rPr lang="en-US" sz="2800" dirty="0">
+                <a:solidFill>
+                  <a:schemeClr val="tx1"/>
+                </a:solidFill>
+                <a:latin typeface="Times New Roman" panose="02020603050405020304" pitchFamily="18" charset="0"/>
+                <a:cs typeface="Times New Roman" panose="02020603050405020304" pitchFamily="18" charset="0"/>
+              </a:rPr>
+              <a:t> </a:t>
+            </a:r>
+            <a:r>
+              <a:rPr lang="en-US" sz="2800" dirty="0" err="1">
+                <a:solidFill>
+                  <a:schemeClr val="tx1"/>
+                </a:solidFill>
+                <a:latin typeface="Times New Roman" panose="02020603050405020304" pitchFamily="18" charset="0"/>
+                <a:cs typeface="Times New Roman" panose="02020603050405020304" pitchFamily="18" charset="0"/>
+              </a:rPr>
+              <a:t>viên</a:t>
+            </a:r>
+            <a:r>
+              <a:rPr lang="en-US" sz="2800" dirty="0">
+                <a:solidFill>
+                  <a:schemeClr val="tx1"/>
+                </a:solidFill>
+                <a:latin typeface="Times New Roman" panose="02020603050405020304" pitchFamily="18" charset="0"/>
+                <a:cs typeface="Times New Roman" panose="02020603050405020304" pitchFamily="18" charset="0"/>
+              </a:rPr>
+              <a:t> </a:t>
+            </a:r>
+            <a:r>
+              <a:rPr lang="en-US" sz="2800" dirty="0" err="1">
+                <a:solidFill>
+                  <a:schemeClr val="tx1"/>
+                </a:solidFill>
+                <a:latin typeface="Times New Roman" panose="02020603050405020304" pitchFamily="18" charset="0"/>
+                <a:cs typeface="Times New Roman" panose="02020603050405020304" pitchFamily="18" charset="0"/>
+              </a:rPr>
+              <a:t>bán</a:t>
+            </a:r>
+            <a:r>
+              <a:rPr lang="en-US" sz="2800" dirty="0">
+                <a:solidFill>
+                  <a:schemeClr val="tx1"/>
+                </a:solidFill>
+                <a:latin typeface="Times New Roman" panose="02020603050405020304" pitchFamily="18" charset="0"/>
+                <a:cs typeface="Times New Roman" panose="02020603050405020304" pitchFamily="18" charset="0"/>
+              </a:rPr>
+              <a:t> </a:t>
+            </a:r>
+            <a:r>
+              <a:rPr lang="en-US" sz="2800" dirty="0" err="1">
+                <a:solidFill>
+                  <a:schemeClr val="tx1"/>
+                </a:solidFill>
+                <a:latin typeface="Times New Roman" panose="02020603050405020304" pitchFamily="18" charset="0"/>
+                <a:cs typeface="Times New Roman" panose="02020603050405020304" pitchFamily="18" charset="0"/>
+              </a:rPr>
+              <a:t>hàng</a:t>
+            </a:r>
+            <a:endParaRPr lang="en-US" sz="2800" dirty="0">
+              <a:solidFill>
+                <a:schemeClr val="tx1"/>
+              </a:solidFill>
+              <a:latin typeface="Times New Roman" panose="02020603050405020304" pitchFamily="18" charset="0"/>
+              <a:cs typeface="Times New Roman" panose="02020603050405020304" pitchFamily="18" charset="0"/>
+            </a:endParaRPr>
+          </a:p>
+          <a:p>
+            <a:pPr marL="457200" indent="-457200">
+              <a:buFont typeface="Wingdings" panose="05000000000000000000" pitchFamily="2" charset="2"/>
+              <a:buChar char="Ø"/>
+            </a:pPr>
+            <a:r>
+              <a:rPr lang="en-US" sz="2800" dirty="0" err="1">
+                <a:solidFill>
+                  <a:schemeClr val="tx1"/>
+                </a:solidFill>
+                <a:latin typeface="Times New Roman" panose="02020603050405020304" pitchFamily="18" charset="0"/>
+                <a:cs typeface="Times New Roman" panose="02020603050405020304" pitchFamily="18" charset="0"/>
+              </a:rPr>
+              <a:t>Nhân</a:t>
+            </a:r>
+            <a:r>
+              <a:rPr lang="en-US" sz="2800" dirty="0">
+                <a:solidFill>
+                  <a:schemeClr val="tx1"/>
+                </a:solidFill>
+                <a:latin typeface="Times New Roman" panose="02020603050405020304" pitchFamily="18" charset="0"/>
+                <a:cs typeface="Times New Roman" panose="02020603050405020304" pitchFamily="18" charset="0"/>
+              </a:rPr>
+              <a:t> </a:t>
+            </a:r>
+            <a:r>
+              <a:rPr lang="en-US" sz="2800" dirty="0" err="1">
+                <a:solidFill>
+                  <a:schemeClr val="tx1"/>
+                </a:solidFill>
+                <a:latin typeface="Times New Roman" panose="02020603050405020304" pitchFamily="18" charset="0"/>
+                <a:cs typeface="Times New Roman" panose="02020603050405020304" pitchFamily="18" charset="0"/>
+              </a:rPr>
+              <a:t>viên</a:t>
+            </a:r>
+            <a:r>
+              <a:rPr lang="en-US" sz="2800" dirty="0">
+                <a:solidFill>
+                  <a:schemeClr val="tx1"/>
+                </a:solidFill>
+                <a:latin typeface="Times New Roman" panose="02020603050405020304" pitchFamily="18" charset="0"/>
+                <a:cs typeface="Times New Roman" panose="02020603050405020304" pitchFamily="18" charset="0"/>
+              </a:rPr>
+              <a:t> </a:t>
+            </a:r>
+            <a:r>
+              <a:rPr lang="en-US" sz="2800" dirty="0" err="1">
+                <a:solidFill>
+                  <a:schemeClr val="tx1"/>
+                </a:solidFill>
+                <a:latin typeface="Times New Roman" panose="02020603050405020304" pitchFamily="18" charset="0"/>
+                <a:cs typeface="Times New Roman" panose="02020603050405020304" pitchFamily="18" charset="0"/>
+              </a:rPr>
+              <a:t>thủ</a:t>
+            </a:r>
+            <a:r>
+              <a:rPr lang="en-US" sz="2800" dirty="0">
+                <a:solidFill>
+                  <a:schemeClr val="tx1"/>
+                </a:solidFill>
+                <a:latin typeface="Times New Roman" panose="02020603050405020304" pitchFamily="18" charset="0"/>
+                <a:cs typeface="Times New Roman" panose="02020603050405020304" pitchFamily="18" charset="0"/>
+              </a:rPr>
+              <a:t> </a:t>
+            </a:r>
+            <a:r>
+              <a:rPr lang="en-US" sz="2800" dirty="0" err="1">
+                <a:solidFill>
+                  <a:schemeClr val="tx1"/>
+                </a:solidFill>
+                <a:latin typeface="Times New Roman" panose="02020603050405020304" pitchFamily="18" charset="0"/>
+                <a:cs typeface="Times New Roman" panose="02020603050405020304" pitchFamily="18" charset="0"/>
+              </a:rPr>
+              <a:t>kho</a:t>
+            </a:r>
+            <a:endParaRPr lang="en-US" sz="2800" dirty="0">
+              <a:solidFill>
+                <a:schemeClr val="tx1"/>
+              </a:solidFill>
+              <a:latin typeface="Times New Roman" panose="02020603050405020304" pitchFamily="18" charset="0"/>
+              <a:cs typeface="Times New Roman" panose="02020603050405020304" pitchFamily="18" charset="0"/>
+            </a:endParaRPr>
+          </a:p>
+          <a:p>
+            <a:pPr marL="457200" indent="-457200">
+              <a:buFont typeface="Wingdings" panose="05000000000000000000" pitchFamily="2" charset="2"/>
+              <a:buChar char="Ø"/>
+            </a:pPr>
+            <a:r>
+              <a:rPr lang="en-US" sz="2800" dirty="0">
+                <a:solidFill>
+                  <a:schemeClr val="tx1"/>
+                </a:solidFill>
+                <a:latin typeface="Times New Roman" panose="02020603050405020304" pitchFamily="18" charset="0"/>
+                <a:cs typeface="Times New Roman" panose="02020603050405020304" pitchFamily="18" charset="0"/>
+              </a:rPr>
+              <a:t>Ng</a:t>
+            </a:r>
+            <a:r>
+              <a:rPr lang="vi-VN" sz="2800" dirty="0">
+                <a:solidFill>
+                  <a:schemeClr val="tx1"/>
+                </a:solidFill>
+                <a:latin typeface="Times New Roman" panose="02020603050405020304" pitchFamily="18" charset="0"/>
+                <a:cs typeface="Times New Roman" panose="02020603050405020304" pitchFamily="18" charset="0"/>
+              </a:rPr>
+              <a:t>ư</a:t>
+            </a:r>
+            <a:r>
+              <a:rPr lang="en-US" sz="2800" dirty="0" err="1">
+                <a:solidFill>
+                  <a:schemeClr val="tx1"/>
+                </a:solidFill>
+                <a:latin typeface="Times New Roman" panose="02020603050405020304" pitchFamily="18" charset="0"/>
+                <a:cs typeface="Times New Roman" panose="02020603050405020304" pitchFamily="18" charset="0"/>
+              </a:rPr>
+              <a:t>ời</a:t>
+            </a:r>
+            <a:r>
+              <a:rPr lang="en-US" sz="2800" dirty="0">
+                <a:solidFill>
+                  <a:schemeClr val="tx1"/>
+                </a:solidFill>
+                <a:latin typeface="Times New Roman" panose="02020603050405020304" pitchFamily="18" charset="0"/>
+                <a:cs typeface="Times New Roman" panose="02020603050405020304" pitchFamily="18" charset="0"/>
+              </a:rPr>
+              <a:t> </a:t>
+            </a:r>
+            <a:r>
+              <a:rPr lang="en-US" sz="2800" dirty="0" err="1">
+                <a:solidFill>
+                  <a:schemeClr val="tx1"/>
+                </a:solidFill>
+                <a:latin typeface="Times New Roman" panose="02020603050405020304" pitchFamily="18" charset="0"/>
+                <a:cs typeface="Times New Roman" panose="02020603050405020304" pitchFamily="18" charset="0"/>
+              </a:rPr>
+              <a:t>quản</a:t>
+            </a:r>
+            <a:r>
+              <a:rPr lang="en-US" sz="2800" dirty="0">
+                <a:solidFill>
+                  <a:schemeClr val="tx1"/>
+                </a:solidFill>
+                <a:latin typeface="Times New Roman" panose="02020603050405020304" pitchFamily="18" charset="0"/>
+                <a:cs typeface="Times New Roman" panose="02020603050405020304" pitchFamily="18" charset="0"/>
+              </a:rPr>
+              <a:t> </a:t>
+            </a:r>
+            <a:r>
+              <a:rPr lang="en-US" sz="2800" dirty="0" err="1">
+                <a:solidFill>
+                  <a:schemeClr val="tx1"/>
+                </a:solidFill>
+                <a:latin typeface="Times New Roman" panose="02020603050405020304" pitchFamily="18" charset="0"/>
+                <a:cs typeface="Times New Roman" panose="02020603050405020304" pitchFamily="18" charset="0"/>
+              </a:rPr>
+              <a:t>lý</a:t>
+            </a:r>
+            <a:endParaRPr lang="en-US" sz="2800" dirty="0">
+              <a:solidFill>
+                <a:schemeClr val="tx1"/>
+              </a:solidFill>
+              <a:latin typeface="Times New Roman" panose="02020603050405020304" pitchFamily="18" charset="0"/>
+              <a:cs typeface="Times New Roman" panose="02020603050405020304" pitchFamily="18" charset="0"/>
+            </a:endParaRPr>
+          </a:p>
         </p:txBody>
       </p:sp>
     </p:spTree>
     <p:extLst>
       <p:ext uri="{BB962C8B-B14F-4D97-AF65-F5344CB8AC3E}">
-        <p14:creationId xmlns:p14="http://schemas.microsoft.com/office/powerpoint/2010/main" val="2679874744"/>
+        <p14:creationId xmlns:p14="http://schemas.microsoft.com/office/powerpoint/2010/main" val="3928703197"/>
       </p:ext>
     </p:extLst>
   </p:cSld>
@@ -19273,7 +18959,7 @@
           <a:lstStyle/>
           <a:p>
             <a:pPr algn="ctr"/>
-            <a:endParaRPr lang="en-US" sz="4000" b="1" dirty="0">
+            <a:endParaRPr lang="en-US" sz="4000" dirty="0">
               <a:latin typeface="Times New Roman" panose="02020603050405020304" pitchFamily="18" charset="0"/>
               <a:cs typeface="Times New Roman" panose="02020603050405020304" pitchFamily="18" charset="0"/>
             </a:endParaRPr>
@@ -19304,11 +18990,11 @@
         </p:spPr>
         <p:txBody>
           <a:bodyPr>
-            <a:normAutofit/>
+            <a:normAutofit fontScale="70000" lnSpcReduction="20000"/>
           </a:bodyPr>
           <a:lstStyle/>
           <a:p>
-            <a:endParaRPr lang="en-US" sz="2800" dirty="0">
+            <a:endParaRPr lang="en-US" sz="3200" dirty="0">
               <a:solidFill>
                 <a:schemeClr val="tx1"/>
               </a:solidFill>
@@ -19317,7 +19003,7 @@
             </a:endParaRPr>
           </a:p>
           <a:p>
-            <a:endParaRPr lang="en-US" sz="2800" dirty="0">
+            <a:endParaRPr lang="en-US" sz="3200" dirty="0">
               <a:solidFill>
                 <a:schemeClr val="tx1"/>
               </a:solidFill>
@@ -19326,7 +19012,7 @@
             </a:endParaRPr>
           </a:p>
           <a:p>
-            <a:endParaRPr lang="en-US" sz="2800" dirty="0">
+            <a:endParaRPr lang="en-US" sz="3200" dirty="0">
               <a:solidFill>
                 <a:schemeClr val="tx1"/>
               </a:solidFill>
@@ -19335,7 +19021,7 @@
             </a:endParaRPr>
           </a:p>
           <a:p>
-            <a:endParaRPr lang="en-US" sz="2800" dirty="0">
+            <a:endParaRPr lang="en-US" sz="3200" dirty="0">
               <a:solidFill>
                 <a:schemeClr val="tx1"/>
               </a:solidFill>
@@ -19344,7 +19030,7 @@
             </a:endParaRPr>
           </a:p>
           <a:p>
-            <a:endParaRPr lang="en-US" sz="2800" dirty="0">
+            <a:endParaRPr lang="en-US" sz="3200" dirty="0">
               <a:solidFill>
                 <a:schemeClr val="tx1"/>
               </a:solidFill>
@@ -19353,7 +19039,7 @@
             </a:endParaRPr>
           </a:p>
           <a:p>
-            <a:endParaRPr lang="en-US" sz="2800" dirty="0">
+            <a:endParaRPr lang="en-US" sz="3200" dirty="0">
               <a:solidFill>
                 <a:schemeClr val="tx1"/>
               </a:solidFill>
@@ -19362,7 +19048,7 @@
             </a:endParaRPr>
           </a:p>
           <a:p>
-            <a:endParaRPr lang="en-US" sz="2800" dirty="0">
+            <a:endParaRPr lang="en-US" sz="3200" dirty="0">
               <a:solidFill>
                 <a:schemeClr val="tx1"/>
               </a:solidFill>
@@ -19371,7 +19057,7 @@
             </a:endParaRPr>
           </a:p>
           <a:p>
-            <a:endParaRPr lang="en-US" sz="2800" dirty="0">
+            <a:endParaRPr lang="en-US" sz="3200" dirty="0">
               <a:solidFill>
                 <a:schemeClr val="tx1"/>
               </a:solidFill>
@@ -19381,127 +19067,7 @@
           </a:p>
           <a:p>
             <a:pPr algn="ctr"/>
-            <a:r>
-              <a:rPr lang="en-US" sz="2000" dirty="0">
-                <a:solidFill>
-                  <a:schemeClr val="tx1"/>
-                </a:solidFill>
-                <a:latin typeface="Times New Roman" panose="02020603050405020304" pitchFamily="18" charset="0"/>
-                <a:cs typeface="Times New Roman" panose="02020603050405020304" pitchFamily="18" charset="0"/>
-              </a:rPr>
-              <a:t>S</a:t>
-            </a:r>
-            <a:r>
-              <a:rPr lang="vi-VN" sz="2000" dirty="0">
-                <a:solidFill>
-                  <a:schemeClr val="tx1"/>
-                </a:solidFill>
-                <a:latin typeface="Times New Roman" panose="02020603050405020304" pitchFamily="18" charset="0"/>
-                <a:cs typeface="Times New Roman" panose="02020603050405020304" pitchFamily="18" charset="0"/>
-              </a:rPr>
-              <a:t>ơ</a:t>
-            </a:r>
-            <a:r>
-              <a:rPr lang="en-US" sz="2000" dirty="0">
-                <a:solidFill>
-                  <a:schemeClr val="tx1"/>
-                </a:solidFill>
-                <a:latin typeface="Times New Roman" panose="02020603050405020304" pitchFamily="18" charset="0"/>
-                <a:cs typeface="Times New Roman" panose="02020603050405020304" pitchFamily="18" charset="0"/>
-              </a:rPr>
-              <a:t> </a:t>
-            </a:r>
-            <a:r>
-              <a:rPr lang="en-US" sz="2000" dirty="0" err="1">
-                <a:solidFill>
-                  <a:schemeClr val="tx1"/>
-                </a:solidFill>
-                <a:latin typeface="Times New Roman" panose="02020603050405020304" pitchFamily="18" charset="0"/>
-                <a:cs typeface="Times New Roman" panose="02020603050405020304" pitchFamily="18" charset="0"/>
-              </a:rPr>
-              <a:t>đồ</a:t>
-            </a:r>
-            <a:r>
-              <a:rPr lang="en-US" sz="2000" dirty="0">
-                <a:solidFill>
-                  <a:schemeClr val="tx1"/>
-                </a:solidFill>
-                <a:latin typeface="Times New Roman" panose="02020603050405020304" pitchFamily="18" charset="0"/>
-                <a:cs typeface="Times New Roman" panose="02020603050405020304" pitchFamily="18" charset="0"/>
-              </a:rPr>
-              <a:t> </a:t>
-            </a:r>
-            <a:r>
-              <a:rPr lang="en-US" sz="2000" dirty="0" err="1">
-                <a:solidFill>
-                  <a:schemeClr val="tx1"/>
-                </a:solidFill>
-                <a:latin typeface="Times New Roman" panose="02020603050405020304" pitchFamily="18" charset="0"/>
-                <a:cs typeface="Times New Roman" panose="02020603050405020304" pitchFamily="18" charset="0"/>
-              </a:rPr>
-              <a:t>phân</a:t>
-            </a:r>
-            <a:r>
-              <a:rPr lang="en-US" sz="2000" dirty="0">
-                <a:solidFill>
-                  <a:schemeClr val="tx1"/>
-                </a:solidFill>
-                <a:latin typeface="Times New Roman" panose="02020603050405020304" pitchFamily="18" charset="0"/>
-                <a:cs typeface="Times New Roman" panose="02020603050405020304" pitchFamily="18" charset="0"/>
-              </a:rPr>
-              <a:t> </a:t>
-            </a:r>
-            <a:r>
-              <a:rPr lang="en-US" sz="2000" dirty="0" err="1">
-                <a:solidFill>
-                  <a:schemeClr val="tx1"/>
-                </a:solidFill>
-                <a:latin typeface="Times New Roman" panose="02020603050405020304" pitchFamily="18" charset="0"/>
-                <a:cs typeface="Times New Roman" panose="02020603050405020304" pitchFamily="18" charset="0"/>
-              </a:rPr>
-              <a:t>rã</a:t>
-            </a:r>
-            <a:r>
-              <a:rPr lang="en-US" sz="2000" dirty="0">
-                <a:solidFill>
-                  <a:schemeClr val="tx1"/>
-                </a:solidFill>
-                <a:latin typeface="Times New Roman" panose="02020603050405020304" pitchFamily="18" charset="0"/>
-                <a:cs typeface="Times New Roman" panose="02020603050405020304" pitchFamily="18" charset="0"/>
-              </a:rPr>
-              <a:t> </a:t>
-            </a:r>
-            <a:r>
-              <a:rPr lang="en-US" sz="2000" dirty="0" err="1">
-                <a:solidFill>
-                  <a:schemeClr val="tx1"/>
-                </a:solidFill>
-                <a:latin typeface="Times New Roman" panose="02020603050405020304" pitchFamily="18" charset="0"/>
-                <a:cs typeface="Times New Roman" panose="02020603050405020304" pitchFamily="18" charset="0"/>
-              </a:rPr>
-              <a:t>chức</a:t>
-            </a:r>
-            <a:r>
-              <a:rPr lang="en-US" sz="2000" dirty="0">
-                <a:solidFill>
-                  <a:schemeClr val="tx1"/>
-                </a:solidFill>
-                <a:latin typeface="Times New Roman" panose="02020603050405020304" pitchFamily="18" charset="0"/>
-                <a:cs typeface="Times New Roman" panose="02020603050405020304" pitchFamily="18" charset="0"/>
-              </a:rPr>
-              <a:t> </a:t>
-            </a:r>
-            <a:r>
-              <a:rPr lang="en-US" sz="2000" dirty="0" err="1">
-                <a:solidFill>
-                  <a:schemeClr val="tx1"/>
-                </a:solidFill>
-                <a:latin typeface="Times New Roman" panose="02020603050405020304" pitchFamily="18" charset="0"/>
-                <a:cs typeface="Times New Roman" panose="02020603050405020304" pitchFamily="18" charset="0"/>
-              </a:rPr>
-              <a:t>năng</a:t>
-            </a:r>
-            <a:endParaRPr lang="en-US" sz="2000" dirty="0">
+            <a:endParaRPr lang="en-US" sz="2200" dirty="0">
               <a:solidFill>
                 <a:schemeClr val="tx1"/>
               </a:solidFill>
@@ -19509,14 +19075,124 @@
               <a:cs typeface="Times New Roman" panose="02020603050405020304" pitchFamily="18" charset="0"/>
             </a:endParaRPr>
           </a:p>
+          <a:p>
+            <a:pPr algn="ctr"/>
+            <a:endParaRPr lang="en-US" sz="2200" dirty="0">
+              <a:solidFill>
+                <a:schemeClr val="tx1"/>
+              </a:solidFill>
+              <a:latin typeface="Times New Roman" panose="02020603050405020304" pitchFamily="18" charset="0"/>
+              <a:cs typeface="Times New Roman" panose="02020603050405020304" pitchFamily="18" charset="0"/>
+            </a:endParaRPr>
+          </a:p>
+          <a:p>
+            <a:pPr algn="ctr"/>
+            <a:endParaRPr lang="en-US" sz="2200" dirty="0">
+              <a:solidFill>
+                <a:schemeClr val="tx1"/>
+              </a:solidFill>
+              <a:latin typeface="Times New Roman" panose="02020603050405020304" pitchFamily="18" charset="0"/>
+              <a:cs typeface="Times New Roman" panose="02020603050405020304" pitchFamily="18" charset="0"/>
+            </a:endParaRPr>
+          </a:p>
+          <a:p>
+            <a:pPr algn="ctr"/>
+            <a:endParaRPr lang="en-US" sz="2200" dirty="0">
+              <a:solidFill>
+                <a:schemeClr val="tx1"/>
+              </a:solidFill>
+              <a:latin typeface="Times New Roman" panose="02020603050405020304" pitchFamily="18" charset="0"/>
+              <a:cs typeface="Times New Roman" panose="02020603050405020304" pitchFamily="18" charset="0"/>
+            </a:endParaRPr>
+          </a:p>
+          <a:p>
+            <a:pPr algn="ctr"/>
+            <a:endParaRPr lang="en-US" sz="2200" dirty="0">
+              <a:solidFill>
+                <a:schemeClr val="tx1"/>
+              </a:solidFill>
+              <a:latin typeface="Times New Roman" panose="02020603050405020304" pitchFamily="18" charset="0"/>
+              <a:cs typeface="Times New Roman" panose="02020603050405020304" pitchFamily="18" charset="0"/>
+            </a:endParaRPr>
+          </a:p>
+          <a:p>
+            <a:pPr algn="ctr"/>
+            <a:r>
+              <a:rPr lang="en-US" sz="2200" dirty="0">
+                <a:solidFill>
+                  <a:schemeClr val="tx1"/>
+                </a:solidFill>
+                <a:latin typeface="Times New Roman" panose="02020603050405020304" pitchFamily="18" charset="0"/>
+                <a:cs typeface="Times New Roman" panose="02020603050405020304" pitchFamily="18" charset="0"/>
+              </a:rPr>
+              <a:t>S</a:t>
+            </a:r>
+            <a:r>
+              <a:rPr lang="vi-VN" sz="2200" dirty="0">
+                <a:solidFill>
+                  <a:schemeClr val="tx1"/>
+                </a:solidFill>
+                <a:latin typeface="Times New Roman" panose="02020603050405020304" pitchFamily="18" charset="0"/>
+                <a:cs typeface="Times New Roman" panose="02020603050405020304" pitchFamily="18" charset="0"/>
+              </a:rPr>
+              <a:t>ơ</a:t>
+            </a:r>
+            <a:r>
+              <a:rPr lang="en-US" sz="2200" dirty="0">
+                <a:solidFill>
+                  <a:schemeClr val="tx1"/>
+                </a:solidFill>
+                <a:latin typeface="Times New Roman" panose="02020603050405020304" pitchFamily="18" charset="0"/>
+                <a:cs typeface="Times New Roman" panose="02020603050405020304" pitchFamily="18" charset="0"/>
+              </a:rPr>
+              <a:t> </a:t>
+            </a:r>
+            <a:r>
+              <a:rPr lang="en-US" sz="2200" dirty="0" err="1">
+                <a:solidFill>
+                  <a:schemeClr val="tx1"/>
+                </a:solidFill>
+                <a:latin typeface="Times New Roman" panose="02020603050405020304" pitchFamily="18" charset="0"/>
+                <a:cs typeface="Times New Roman" panose="02020603050405020304" pitchFamily="18" charset="0"/>
+              </a:rPr>
+              <a:t>đồ</a:t>
+            </a:r>
+            <a:r>
+              <a:rPr lang="en-US" sz="2200" dirty="0">
+                <a:solidFill>
+                  <a:schemeClr val="tx1"/>
+                </a:solidFill>
+                <a:latin typeface="Times New Roman" panose="02020603050405020304" pitchFamily="18" charset="0"/>
+                <a:cs typeface="Times New Roman" panose="02020603050405020304" pitchFamily="18" charset="0"/>
+              </a:rPr>
+              <a:t> </a:t>
+            </a:r>
+            <a:r>
+              <a:rPr lang="en-US" sz="2200" dirty="0" err="1">
+                <a:solidFill>
+                  <a:schemeClr val="tx1"/>
+                </a:solidFill>
+                <a:latin typeface="Times New Roman" panose="02020603050405020304" pitchFamily="18" charset="0"/>
+                <a:cs typeface="Times New Roman" panose="02020603050405020304" pitchFamily="18" charset="0"/>
+              </a:rPr>
+              <a:t>usecase</a:t>
+            </a:r>
+            <a:endParaRPr lang="en-US" sz="2200" dirty="0">
+              <a:solidFill>
+                <a:schemeClr val="tx1"/>
+              </a:solidFill>
+              <a:latin typeface="Times New Roman" panose="02020603050405020304" pitchFamily="18" charset="0"/>
+              <a:cs typeface="Times New Roman" panose="02020603050405020304" pitchFamily="18" charset="0"/>
+            </a:endParaRPr>
+          </a:p>
         </p:txBody>
       </p:sp>
       <p:pic>
         <p:nvPicPr>
-          <p:cNvPr id="5" name="Picture 4">
+          <p:cNvPr id="4" name="Picture 3">
             <a:extLst>
               <a:ext uri="{FF2B5EF4-FFF2-40B4-BE49-F238E27FC236}">
-                <a16:creationId xmlns:a16="http://schemas.microsoft.com/office/drawing/2014/main" id="{AEC4A683-EFED-4EFA-A447-7C174A6FE819}"/>
+                <a16:creationId xmlns:a16="http://schemas.microsoft.com/office/drawing/2014/main" id="{DF39031E-89DD-4BFC-A7F7-84DEEC518210}"/>
               </a:ext>
             </a:extLst>
           </p:cNvPr>
@@ -19524,7 +19200,7 @@
           <p:nvPr/>
         </p:nvPicPr>
         <p:blipFill>
-          <a:blip r:embed="rId2">
+          <a:blip r:embed="rId2" cstate="print">
             <a:extLst>
               <a:ext uri="{28A0092B-C50C-407E-A947-70E740481C1C}">
                 <a14:useLocalDpi xmlns:a14="http://schemas.microsoft.com/office/drawing/2010/main" val="0"/>
@@ -19538,8 +19214,8 @@
         </p:blipFill>
         <p:spPr bwMode="auto">
           <a:xfrm>
-            <a:off x="3476625" y="127000"/>
-            <a:ext cx="5972175" cy="6045200"/>
+            <a:off x="3654641" y="127000"/>
+            <a:ext cx="6157595" cy="6349999"/>
           </a:xfrm>
           <a:prstGeom prst="rect">
             <a:avLst/>
@@ -19553,7 +19229,7 @@
     </p:spTree>
     <p:extLst>
       <p:ext uri="{BB962C8B-B14F-4D97-AF65-F5344CB8AC3E}">
-        <p14:creationId xmlns:p14="http://schemas.microsoft.com/office/powerpoint/2010/main" val="2063676385"/>
+        <p14:creationId xmlns:p14="http://schemas.microsoft.com/office/powerpoint/2010/main" val="3559859962"/>
       </p:ext>
     </p:extLst>
   </p:cSld>
@@ -19609,6 +19285,83 @@
           <a:lstStyle/>
           <a:p>
             <a:pPr algn="ctr"/>
+            <a:r>
+              <a:rPr lang="en-US" sz="4000" b="1" dirty="0" err="1">
+                <a:latin typeface="Times New Roman" panose="02020603050405020304" pitchFamily="18" charset="0"/>
+                <a:cs typeface="Times New Roman" panose="02020603050405020304" pitchFamily="18" charset="0"/>
+              </a:rPr>
+              <a:t>Phân</a:t>
+            </a:r>
+            <a:r>
+              <a:rPr lang="en-US" sz="4000" b="1" dirty="0">
+                <a:latin typeface="Times New Roman" panose="02020603050405020304" pitchFamily="18" charset="0"/>
+                <a:cs typeface="Times New Roman" panose="02020603050405020304" pitchFamily="18" charset="0"/>
+              </a:rPr>
+              <a:t> </a:t>
+            </a:r>
+            <a:r>
+              <a:rPr lang="en-US" sz="4000" b="1" dirty="0" err="1">
+                <a:latin typeface="Times New Roman" panose="02020603050405020304" pitchFamily="18" charset="0"/>
+                <a:cs typeface="Times New Roman" panose="02020603050405020304" pitchFamily="18" charset="0"/>
+              </a:rPr>
+              <a:t>tích</a:t>
+            </a:r>
+            <a:r>
+              <a:rPr lang="en-US" sz="4000" b="1" dirty="0">
+                <a:latin typeface="Times New Roman" panose="02020603050405020304" pitchFamily="18" charset="0"/>
+                <a:cs typeface="Times New Roman" panose="02020603050405020304" pitchFamily="18" charset="0"/>
+              </a:rPr>
+              <a:t> </a:t>
+            </a:r>
+            <a:r>
+              <a:rPr lang="en-US" sz="4000" b="1" dirty="0" err="1">
+                <a:latin typeface="Times New Roman" panose="02020603050405020304" pitchFamily="18" charset="0"/>
+                <a:cs typeface="Times New Roman" panose="02020603050405020304" pitchFamily="18" charset="0"/>
+              </a:rPr>
+              <a:t>thiết</a:t>
+            </a:r>
+            <a:r>
+              <a:rPr lang="en-US" sz="4000" b="1" dirty="0">
+                <a:latin typeface="Times New Roman" panose="02020603050405020304" pitchFamily="18" charset="0"/>
+                <a:cs typeface="Times New Roman" panose="02020603050405020304" pitchFamily="18" charset="0"/>
+              </a:rPr>
+              <a:t> </a:t>
+            </a:r>
+            <a:r>
+              <a:rPr lang="en-US" sz="4000" b="1" dirty="0" err="1">
+                <a:latin typeface="Times New Roman" panose="02020603050405020304" pitchFamily="18" charset="0"/>
+                <a:cs typeface="Times New Roman" panose="02020603050405020304" pitchFamily="18" charset="0"/>
+              </a:rPr>
+              <a:t>kế</a:t>
+            </a:r>
+            <a:r>
+              <a:rPr lang="en-US" sz="4000" b="1" dirty="0">
+                <a:latin typeface="Times New Roman" panose="02020603050405020304" pitchFamily="18" charset="0"/>
+                <a:cs typeface="Times New Roman" panose="02020603050405020304" pitchFamily="18" charset="0"/>
+              </a:rPr>
+              <a:t> </a:t>
+            </a:r>
+            <a:r>
+              <a:rPr lang="en-US" sz="4000" b="1" dirty="0" err="1">
+                <a:latin typeface="Times New Roman" panose="02020603050405020304" pitchFamily="18" charset="0"/>
+                <a:cs typeface="Times New Roman" panose="02020603050405020304" pitchFamily="18" charset="0"/>
+              </a:rPr>
+              <a:t>hệ</a:t>
+            </a:r>
+            <a:r>
+              <a:rPr lang="en-US" sz="4000" b="1" dirty="0">
+                <a:latin typeface="Times New Roman" panose="02020603050405020304" pitchFamily="18" charset="0"/>
+                <a:cs typeface="Times New Roman" panose="02020603050405020304" pitchFamily="18" charset="0"/>
+              </a:rPr>
+              <a:t> </a:t>
+            </a:r>
+            <a:r>
+              <a:rPr lang="en-US" sz="4000" b="1" dirty="0" err="1">
+                <a:latin typeface="Times New Roman" panose="02020603050405020304" pitchFamily="18" charset="0"/>
+                <a:cs typeface="Times New Roman" panose="02020603050405020304" pitchFamily="18" charset="0"/>
+              </a:rPr>
+              <a:t>thống</a:t>
+            </a:r>
             <a:endParaRPr lang="en-US" sz="4000" b="1" dirty="0">
               <a:latin typeface="Times New Roman" panose="02020603050405020304" pitchFamily="18" charset="0"/>
               <a:cs typeface="Times New Roman" panose="02020603050405020304" pitchFamily="18" charset="0"/>

--- a/BAO CAO/SLIDE Báo cáo đồ án tốt nghiệp.pptx
+++ b/BAO CAO/SLIDE Báo cáo đồ án tốt nghiệp.pptx
@@ -19,6 +19,8 @@
     <p:sldId id="268" r:id="rId13"/>
     <p:sldId id="269" r:id="rId14"/>
     <p:sldId id="270" r:id="rId15"/>
+    <p:sldId id="272" r:id="rId16"/>
+    <p:sldId id="273" r:id="rId17"/>
   </p:sldIdLst>
   <p:sldSz cx="12192000" cy="6858000"/>
   <p:notesSz cx="6858000" cy="9144000"/>
@@ -313,7 +315,7 @@
           <a:p>
             <a:fld id="{48A87A34-81AB-432B-8DAE-1953F412C126}" type="datetimeFigureOut">
               <a:rPr lang="en-US" smtClean="0"/>
-              <a:t>5/16/2019</a:t>
+              <a:t>5/17/2019</a:t>
             </a:fld>
             <a:endParaRPr lang="en-US" dirty="0"/>
           </a:p>
@@ -652,7 +654,7 @@
             <a:fld id="{48A87A34-81AB-432B-8DAE-1953F412C126}" type="datetimeFigureOut">
               <a:rPr lang="en-US" smtClean="0"/>
               <a:pPr/>
-              <a:t>5/16/2019</a:t>
+              <a:t>5/17/2019</a:t>
             </a:fld>
             <a:endParaRPr lang="en-US" dirty="0"/>
           </a:p>
@@ -1055,7 +1057,7 @@
             <a:fld id="{48A87A34-81AB-432B-8DAE-1953F412C126}" type="datetimeFigureOut">
               <a:rPr lang="en-US" smtClean="0"/>
               <a:pPr/>
-              <a:t>5/16/2019</a:t>
+              <a:t>5/17/2019</a:t>
             </a:fld>
             <a:endParaRPr lang="en-US" dirty="0"/>
           </a:p>
@@ -1393,7 +1395,7 @@
             <a:fld id="{48A87A34-81AB-432B-8DAE-1953F412C126}" type="datetimeFigureOut">
               <a:rPr lang="en-US" smtClean="0"/>
               <a:pPr/>
-              <a:t>5/16/2019</a:t>
+              <a:t>5/17/2019</a:t>
             </a:fld>
             <a:endParaRPr lang="en-US" dirty="0"/>
           </a:p>
@@ -1715,7 +1717,7 @@
             <a:fld id="{48A87A34-81AB-432B-8DAE-1953F412C126}" type="datetimeFigureOut">
               <a:rPr lang="en-US" smtClean="0"/>
               <a:pPr/>
-              <a:t>5/16/2019</a:t>
+              <a:t>5/17/2019</a:t>
             </a:fld>
             <a:endParaRPr lang="en-US" dirty="0"/>
           </a:p>
@@ -2113,7 +2115,7 @@
             <a:fld id="{48A87A34-81AB-432B-8DAE-1953F412C126}" type="datetimeFigureOut">
               <a:rPr lang="en-US" smtClean="0"/>
               <a:pPr/>
-              <a:t>5/16/2019</a:t>
+              <a:t>5/17/2019</a:t>
             </a:fld>
             <a:endParaRPr lang="en-US" dirty="0"/>
           </a:p>
@@ -2371,7 +2373,7 @@
           <a:p>
             <a:fld id="{48A87A34-81AB-432B-8DAE-1953F412C126}" type="datetimeFigureOut">
               <a:rPr lang="en-US" smtClean="0"/>
-              <a:t>5/16/2019</a:t>
+              <a:t>5/17/2019</a:t>
             </a:fld>
             <a:endParaRPr lang="en-US" dirty="0"/>
           </a:p>
@@ -2633,7 +2635,7 @@
           <a:p>
             <a:fld id="{48A87A34-81AB-432B-8DAE-1953F412C126}" type="datetimeFigureOut">
               <a:rPr lang="en-US" smtClean="0"/>
-              <a:t>5/16/2019</a:t>
+              <a:t>5/17/2019</a:t>
             </a:fld>
             <a:endParaRPr lang="en-US" dirty="0"/>
           </a:p>
@@ -2895,7 +2897,7 @@
           <a:p>
             <a:fld id="{48A87A34-81AB-432B-8DAE-1953F412C126}" type="datetimeFigureOut">
               <a:rPr lang="en-US" smtClean="0"/>
-              <a:t>5/16/2019</a:t>
+              <a:t>5/17/2019</a:t>
             </a:fld>
             <a:endParaRPr lang="en-US" dirty="0"/>
           </a:p>
@@ -3224,7 +3226,7 @@
           <a:p>
             <a:fld id="{48A87A34-81AB-432B-8DAE-1953F412C126}" type="datetimeFigureOut">
               <a:rPr lang="en-US" smtClean="0"/>
-              <a:t>5/16/2019</a:t>
+              <a:t>5/17/2019</a:t>
             </a:fld>
             <a:endParaRPr lang="en-US" dirty="0"/>
           </a:p>
@@ -3547,7 +3549,7 @@
           <a:p>
             <a:fld id="{48A87A34-81AB-432B-8DAE-1953F412C126}" type="datetimeFigureOut">
               <a:rPr lang="en-US" smtClean="0"/>
-              <a:t>5/16/2019</a:t>
+              <a:t>5/17/2019</a:t>
             </a:fld>
             <a:endParaRPr lang="en-US" dirty="0"/>
           </a:p>
@@ -4004,7 +4006,7 @@
           <a:p>
             <a:fld id="{48A87A34-81AB-432B-8DAE-1953F412C126}" type="datetimeFigureOut">
               <a:rPr lang="en-US" smtClean="0"/>
-              <a:t>5/16/2019</a:t>
+              <a:t>5/17/2019</a:t>
             </a:fld>
             <a:endParaRPr lang="en-US" dirty="0"/>
           </a:p>
@@ -4209,7 +4211,7 @@
           <a:p>
             <a:fld id="{48A87A34-81AB-432B-8DAE-1953F412C126}" type="datetimeFigureOut">
               <a:rPr lang="en-US" smtClean="0"/>
-              <a:t>5/16/2019</a:t>
+              <a:t>5/17/2019</a:t>
             </a:fld>
             <a:endParaRPr lang="en-US" dirty="0"/>
           </a:p>
@@ -4386,7 +4388,7 @@
           <a:p>
             <a:fld id="{48A87A34-81AB-432B-8DAE-1953F412C126}" type="datetimeFigureOut">
               <a:rPr lang="en-US" smtClean="0"/>
-              <a:t>5/16/2019</a:t>
+              <a:t>5/17/2019</a:t>
             </a:fld>
             <a:endParaRPr lang="en-US" dirty="0"/>
           </a:p>
@@ -4719,7 +4721,7 @@
           <a:p>
             <a:fld id="{48A87A34-81AB-432B-8DAE-1953F412C126}" type="datetimeFigureOut">
               <a:rPr lang="en-US" smtClean="0"/>
-              <a:t>5/16/2019</a:t>
+              <a:t>5/17/2019</a:t>
             </a:fld>
             <a:endParaRPr lang="en-US" dirty="0"/>
           </a:p>
@@ -5064,7 +5066,7 @@
           <a:p>
             <a:fld id="{48A87A34-81AB-432B-8DAE-1953F412C126}" type="datetimeFigureOut">
               <a:rPr lang="en-US" smtClean="0"/>
-              <a:t>5/16/2019</a:t>
+              <a:t>5/17/2019</a:t>
             </a:fld>
             <a:endParaRPr lang="en-US" dirty="0"/>
           </a:p>
@@ -7182,7 +7184,7 @@
             <a:fld id="{48A87A34-81AB-432B-8DAE-1953F412C126}" type="datetimeFigureOut">
               <a:rPr lang="en-US" smtClean="0"/>
               <a:pPr/>
-              <a:t>5/16/2019</a:t>
+              <a:t>5/17/2019</a:t>
             </a:fld>
             <a:endParaRPr lang="en-US" dirty="0"/>
           </a:p>
@@ -9774,6 +9776,2881 @@
 </p:sld>
 </file>
 
+<file path=ppt/slides/slide15.xml><?xml version="1.0" encoding="utf-8"?>
+<p:sld xmlns:a="http://schemas.openxmlformats.org/drawingml/2006/main" xmlns:r="http://schemas.openxmlformats.org/officeDocument/2006/relationships" xmlns:p="http://schemas.openxmlformats.org/presentationml/2006/main">
+  <p:cSld>
+    <p:spTree>
+      <p:nvGrpSpPr>
+        <p:cNvPr id="1" name=""/>
+        <p:cNvGrpSpPr/>
+        <p:nvPr/>
+      </p:nvGrpSpPr>
+      <p:grpSpPr>
+        <a:xfrm>
+          <a:off x="0" y="0"/>
+          <a:ext cx="0" cy="0"/>
+          <a:chOff x="0" y="0"/>
+          <a:chExt cx="0" cy="0"/>
+        </a:xfrm>
+      </p:grpSpPr>
+      <p:sp>
+        <p:nvSpPr>
+          <p:cNvPr id="2" name="Title 1">
+            <a:extLst>
+              <a:ext uri="{FF2B5EF4-FFF2-40B4-BE49-F238E27FC236}">
+                <a16:creationId xmlns:a16="http://schemas.microsoft.com/office/drawing/2014/main" id="{16719C43-EC8A-4F91-B2B8-467EE9E0364C}"/>
+              </a:ext>
+            </a:extLst>
+          </p:cNvPr>
+          <p:cNvSpPr>
+            <a:spLocks noGrp="1"/>
+          </p:cNvSpPr>
+          <p:nvPr>
+            <p:ph type="ctrTitle"/>
+          </p:nvPr>
+        </p:nvSpPr>
+        <p:spPr>
+          <a:xfrm>
+            <a:off x="2379764" y="492062"/>
+            <a:ext cx="8791575" cy="924551"/>
+          </a:xfrm>
+        </p:spPr>
+        <p:txBody>
+          <a:bodyPr>
+            <a:normAutofit/>
+          </a:bodyPr>
+          <a:lstStyle/>
+          <a:p>
+            <a:pPr algn="ctr"/>
+            <a:r>
+              <a:rPr lang="en-US" sz="4000" b="1" dirty="0" err="1">
+                <a:latin typeface="Times New Roman" panose="02020603050405020304" pitchFamily="18" charset="0"/>
+                <a:cs typeface="Times New Roman" panose="02020603050405020304" pitchFamily="18" charset="0"/>
+              </a:rPr>
+              <a:t>Kết</a:t>
+            </a:r>
+            <a:r>
+              <a:rPr lang="en-US" sz="4000" b="1" dirty="0">
+                <a:latin typeface="Times New Roman" panose="02020603050405020304" pitchFamily="18" charset="0"/>
+                <a:cs typeface="Times New Roman" panose="02020603050405020304" pitchFamily="18" charset="0"/>
+              </a:rPr>
+              <a:t> </a:t>
+            </a:r>
+            <a:r>
+              <a:rPr lang="en-US" sz="4000" b="1" dirty="0" err="1">
+                <a:latin typeface="Times New Roman" panose="02020603050405020304" pitchFamily="18" charset="0"/>
+                <a:cs typeface="Times New Roman" panose="02020603050405020304" pitchFamily="18" charset="0"/>
+              </a:rPr>
+              <a:t>luận</a:t>
+            </a:r>
+            <a:endParaRPr lang="en-US" sz="4000" b="1" dirty="0">
+              <a:latin typeface="Times New Roman" panose="02020603050405020304" pitchFamily="18" charset="0"/>
+              <a:cs typeface="Times New Roman" panose="02020603050405020304" pitchFamily="18" charset="0"/>
+            </a:endParaRPr>
+          </a:p>
+        </p:txBody>
+      </p:sp>
+      <p:sp>
+        <p:nvSpPr>
+          <p:cNvPr id="3" name="Subtitle 2">
+            <a:extLst>
+              <a:ext uri="{FF2B5EF4-FFF2-40B4-BE49-F238E27FC236}">
+                <a16:creationId xmlns:a16="http://schemas.microsoft.com/office/drawing/2014/main" id="{E0B6DE87-722A-48C1-813D-624EA3268C53}"/>
+              </a:ext>
+            </a:extLst>
+          </p:cNvPr>
+          <p:cNvSpPr>
+            <a:spLocks noGrp="1"/>
+          </p:cNvSpPr>
+          <p:nvPr>
+            <p:ph type="subTitle" idx="1"/>
+          </p:nvPr>
+        </p:nvSpPr>
+        <p:spPr>
+          <a:xfrm>
+            <a:off x="2019300" y="1744910"/>
+            <a:ext cx="9152039" cy="4986090"/>
+          </a:xfrm>
+        </p:spPr>
+        <p:txBody>
+          <a:bodyPr>
+            <a:normAutofit/>
+          </a:bodyPr>
+          <a:lstStyle/>
+          <a:p>
+            <a:r>
+              <a:rPr lang="en-US" sz="2800" b="1" dirty="0" err="1">
+                <a:solidFill>
+                  <a:schemeClr val="tx1"/>
+                </a:solidFill>
+                <a:latin typeface="Times New Roman" panose="02020603050405020304" pitchFamily="18" charset="0"/>
+                <a:cs typeface="Times New Roman" panose="02020603050405020304" pitchFamily="18" charset="0"/>
+              </a:rPr>
+              <a:t>Các</a:t>
+            </a:r>
+            <a:r>
+              <a:rPr lang="en-US" sz="2800" b="1" dirty="0">
+                <a:solidFill>
+                  <a:schemeClr val="tx1"/>
+                </a:solidFill>
+                <a:latin typeface="Times New Roman" panose="02020603050405020304" pitchFamily="18" charset="0"/>
+                <a:cs typeface="Times New Roman" panose="02020603050405020304" pitchFamily="18" charset="0"/>
+              </a:rPr>
+              <a:t> </a:t>
+            </a:r>
+            <a:r>
+              <a:rPr lang="en-US" sz="2800" b="1" dirty="0" err="1">
+                <a:solidFill>
+                  <a:schemeClr val="tx1"/>
+                </a:solidFill>
+                <a:latin typeface="Times New Roman" panose="02020603050405020304" pitchFamily="18" charset="0"/>
+                <a:cs typeface="Times New Roman" panose="02020603050405020304" pitchFamily="18" charset="0"/>
+              </a:rPr>
+              <a:t>vấn</a:t>
+            </a:r>
+            <a:r>
+              <a:rPr lang="en-US" sz="2800" b="1" dirty="0">
+                <a:solidFill>
+                  <a:schemeClr val="tx1"/>
+                </a:solidFill>
+                <a:latin typeface="Times New Roman" panose="02020603050405020304" pitchFamily="18" charset="0"/>
+                <a:cs typeface="Times New Roman" panose="02020603050405020304" pitchFamily="18" charset="0"/>
+              </a:rPr>
+              <a:t> </a:t>
+            </a:r>
+            <a:r>
+              <a:rPr lang="en-US" sz="2800" b="1" dirty="0" err="1">
+                <a:solidFill>
+                  <a:schemeClr val="tx1"/>
+                </a:solidFill>
+                <a:latin typeface="Times New Roman" panose="02020603050405020304" pitchFamily="18" charset="0"/>
+                <a:cs typeface="Times New Roman" panose="02020603050405020304" pitchFamily="18" charset="0"/>
+              </a:rPr>
+              <a:t>đề</a:t>
+            </a:r>
+            <a:r>
+              <a:rPr lang="en-US" sz="2800" b="1" dirty="0">
+                <a:solidFill>
+                  <a:schemeClr val="tx1"/>
+                </a:solidFill>
+                <a:latin typeface="Times New Roman" panose="02020603050405020304" pitchFamily="18" charset="0"/>
+                <a:cs typeface="Times New Roman" panose="02020603050405020304" pitchFamily="18" charset="0"/>
+              </a:rPr>
+              <a:t> </a:t>
+            </a:r>
+            <a:r>
+              <a:rPr lang="en-US" sz="2800" b="1" dirty="0" err="1">
+                <a:solidFill>
+                  <a:schemeClr val="tx1"/>
+                </a:solidFill>
+                <a:latin typeface="Times New Roman" panose="02020603050405020304" pitchFamily="18" charset="0"/>
+                <a:cs typeface="Times New Roman" panose="02020603050405020304" pitchFamily="18" charset="0"/>
+              </a:rPr>
+              <a:t>tồn</a:t>
+            </a:r>
+            <a:r>
+              <a:rPr lang="en-US" sz="2800" b="1" dirty="0">
+                <a:solidFill>
+                  <a:schemeClr val="tx1"/>
+                </a:solidFill>
+                <a:latin typeface="Times New Roman" panose="02020603050405020304" pitchFamily="18" charset="0"/>
+                <a:cs typeface="Times New Roman" panose="02020603050405020304" pitchFamily="18" charset="0"/>
+              </a:rPr>
+              <a:t> </a:t>
+            </a:r>
+            <a:r>
+              <a:rPr lang="en-US" sz="2800" b="1" dirty="0" err="1">
+                <a:solidFill>
+                  <a:schemeClr val="tx1"/>
+                </a:solidFill>
+                <a:latin typeface="Times New Roman" panose="02020603050405020304" pitchFamily="18" charset="0"/>
+                <a:cs typeface="Times New Roman" panose="02020603050405020304" pitchFamily="18" charset="0"/>
+              </a:rPr>
+              <a:t>đọng</a:t>
+            </a:r>
+            <a:r>
+              <a:rPr lang="en-US" sz="2800" b="1" dirty="0">
+                <a:solidFill>
+                  <a:schemeClr val="tx1"/>
+                </a:solidFill>
+                <a:latin typeface="Times New Roman" panose="02020603050405020304" pitchFamily="18" charset="0"/>
+                <a:cs typeface="Times New Roman" panose="02020603050405020304" pitchFamily="18" charset="0"/>
+              </a:rPr>
+              <a:t> </a:t>
+            </a:r>
+            <a:r>
+              <a:rPr lang="en-US" sz="2800" b="1" dirty="0" err="1">
+                <a:solidFill>
+                  <a:schemeClr val="tx1"/>
+                </a:solidFill>
+                <a:latin typeface="Times New Roman" panose="02020603050405020304" pitchFamily="18" charset="0"/>
+                <a:cs typeface="Times New Roman" panose="02020603050405020304" pitchFamily="18" charset="0"/>
+              </a:rPr>
+              <a:t>của</a:t>
+            </a:r>
+            <a:r>
+              <a:rPr lang="en-US" sz="2800" b="1" dirty="0">
+                <a:solidFill>
+                  <a:schemeClr val="tx1"/>
+                </a:solidFill>
+                <a:latin typeface="Times New Roman" panose="02020603050405020304" pitchFamily="18" charset="0"/>
+                <a:cs typeface="Times New Roman" panose="02020603050405020304" pitchFamily="18" charset="0"/>
+              </a:rPr>
+              <a:t> </a:t>
+            </a:r>
+            <a:r>
+              <a:rPr lang="en-US" sz="2800" b="1" dirty="0" err="1">
+                <a:solidFill>
+                  <a:schemeClr val="tx1"/>
+                </a:solidFill>
+                <a:latin typeface="Times New Roman" panose="02020603050405020304" pitchFamily="18" charset="0"/>
+                <a:cs typeface="Times New Roman" panose="02020603050405020304" pitchFamily="18" charset="0"/>
+              </a:rPr>
+              <a:t>hệ</a:t>
+            </a:r>
+            <a:r>
+              <a:rPr lang="en-US" sz="2800" b="1" dirty="0">
+                <a:solidFill>
+                  <a:schemeClr val="tx1"/>
+                </a:solidFill>
+                <a:latin typeface="Times New Roman" panose="02020603050405020304" pitchFamily="18" charset="0"/>
+                <a:cs typeface="Times New Roman" panose="02020603050405020304" pitchFamily="18" charset="0"/>
+              </a:rPr>
+              <a:t> </a:t>
+            </a:r>
+            <a:r>
+              <a:rPr lang="en-US" sz="2800" b="1" dirty="0" err="1">
+                <a:solidFill>
+                  <a:schemeClr val="tx1"/>
+                </a:solidFill>
+                <a:latin typeface="Times New Roman" panose="02020603050405020304" pitchFamily="18" charset="0"/>
+                <a:cs typeface="Times New Roman" panose="02020603050405020304" pitchFamily="18" charset="0"/>
+              </a:rPr>
+              <a:t>thống</a:t>
+            </a:r>
+            <a:r>
+              <a:rPr lang="en-US" sz="2800" b="1" dirty="0">
+                <a:solidFill>
+                  <a:schemeClr val="tx1"/>
+                </a:solidFill>
+                <a:latin typeface="Times New Roman" panose="02020603050405020304" pitchFamily="18" charset="0"/>
+                <a:cs typeface="Times New Roman" panose="02020603050405020304" pitchFamily="18" charset="0"/>
+              </a:rPr>
+              <a:t>:</a:t>
+            </a:r>
+          </a:p>
+          <a:p>
+            <a:pPr marL="457200" indent="-457200">
+              <a:buFont typeface="Wingdings" panose="05000000000000000000" pitchFamily="2" charset="2"/>
+              <a:buChar char="Ø"/>
+            </a:pPr>
+            <a:r>
+              <a:rPr lang="en-US" sz="2800" dirty="0" err="1">
+                <a:solidFill>
+                  <a:schemeClr val="tx1"/>
+                </a:solidFill>
+                <a:latin typeface="Times New Roman" panose="02020603050405020304" pitchFamily="18" charset="0"/>
+                <a:cs typeface="Times New Roman" panose="02020603050405020304" pitchFamily="18" charset="0"/>
+              </a:rPr>
+              <a:t>Chương</a:t>
+            </a:r>
+            <a:r>
+              <a:rPr lang="en-US" sz="2800" dirty="0">
+                <a:solidFill>
+                  <a:schemeClr val="tx1"/>
+                </a:solidFill>
+                <a:latin typeface="Times New Roman" panose="02020603050405020304" pitchFamily="18" charset="0"/>
+                <a:cs typeface="Times New Roman" panose="02020603050405020304" pitchFamily="18" charset="0"/>
+              </a:rPr>
+              <a:t> </a:t>
+            </a:r>
+            <a:r>
+              <a:rPr lang="en-US" sz="2800" dirty="0" err="1">
+                <a:solidFill>
+                  <a:schemeClr val="tx1"/>
+                </a:solidFill>
+                <a:latin typeface="Times New Roman" panose="02020603050405020304" pitchFamily="18" charset="0"/>
+                <a:cs typeface="Times New Roman" panose="02020603050405020304" pitchFamily="18" charset="0"/>
+              </a:rPr>
+              <a:t>trình</a:t>
+            </a:r>
+            <a:r>
+              <a:rPr lang="en-US" sz="2800" dirty="0">
+                <a:solidFill>
+                  <a:schemeClr val="tx1"/>
+                </a:solidFill>
+                <a:latin typeface="Times New Roman" panose="02020603050405020304" pitchFamily="18" charset="0"/>
+                <a:cs typeface="Times New Roman" panose="02020603050405020304" pitchFamily="18" charset="0"/>
+              </a:rPr>
+              <a:t> </a:t>
+            </a:r>
+            <a:r>
+              <a:rPr lang="en-US" sz="2800" dirty="0" err="1">
+                <a:solidFill>
+                  <a:schemeClr val="tx1"/>
+                </a:solidFill>
+                <a:latin typeface="Times New Roman" panose="02020603050405020304" pitchFamily="18" charset="0"/>
+                <a:cs typeface="Times New Roman" panose="02020603050405020304" pitchFamily="18" charset="0"/>
+              </a:rPr>
+              <a:t>chưa</a:t>
+            </a:r>
+            <a:r>
+              <a:rPr lang="en-US" sz="2800" dirty="0">
+                <a:solidFill>
+                  <a:schemeClr val="tx1"/>
+                </a:solidFill>
+                <a:latin typeface="Times New Roman" panose="02020603050405020304" pitchFamily="18" charset="0"/>
+                <a:cs typeface="Times New Roman" panose="02020603050405020304" pitchFamily="18" charset="0"/>
+              </a:rPr>
+              <a:t> </a:t>
+            </a:r>
+            <a:r>
+              <a:rPr lang="en-US" sz="2800" dirty="0" err="1">
+                <a:solidFill>
+                  <a:schemeClr val="tx1"/>
+                </a:solidFill>
+                <a:latin typeface="Times New Roman" panose="02020603050405020304" pitchFamily="18" charset="0"/>
+                <a:cs typeface="Times New Roman" panose="02020603050405020304" pitchFamily="18" charset="0"/>
+              </a:rPr>
+              <a:t>được</a:t>
+            </a:r>
+            <a:r>
+              <a:rPr lang="en-US" sz="2800" dirty="0">
+                <a:solidFill>
+                  <a:schemeClr val="tx1"/>
+                </a:solidFill>
+                <a:latin typeface="Times New Roman" panose="02020603050405020304" pitchFamily="18" charset="0"/>
+                <a:cs typeface="Times New Roman" panose="02020603050405020304" pitchFamily="18" charset="0"/>
+              </a:rPr>
+              <a:t> </a:t>
+            </a:r>
+            <a:r>
+              <a:rPr lang="en-US" sz="2800" dirty="0" err="1">
+                <a:solidFill>
+                  <a:schemeClr val="tx1"/>
+                </a:solidFill>
+                <a:latin typeface="Times New Roman" panose="02020603050405020304" pitchFamily="18" charset="0"/>
+                <a:cs typeface="Times New Roman" panose="02020603050405020304" pitchFamily="18" charset="0"/>
+              </a:rPr>
+              <a:t>kiểm</a:t>
+            </a:r>
+            <a:r>
+              <a:rPr lang="en-US" sz="2800" dirty="0">
+                <a:solidFill>
+                  <a:schemeClr val="tx1"/>
+                </a:solidFill>
+                <a:latin typeface="Times New Roman" panose="02020603050405020304" pitchFamily="18" charset="0"/>
+                <a:cs typeface="Times New Roman" panose="02020603050405020304" pitchFamily="18" charset="0"/>
+              </a:rPr>
+              <a:t> </a:t>
+            </a:r>
+            <a:r>
+              <a:rPr lang="en-US" sz="2800" dirty="0" err="1">
+                <a:solidFill>
+                  <a:schemeClr val="tx1"/>
+                </a:solidFill>
+                <a:latin typeface="Times New Roman" panose="02020603050405020304" pitchFamily="18" charset="0"/>
+                <a:cs typeface="Times New Roman" panose="02020603050405020304" pitchFamily="18" charset="0"/>
+              </a:rPr>
+              <a:t>thử</a:t>
+            </a:r>
+            <a:r>
+              <a:rPr lang="en-US" sz="2800" dirty="0">
+                <a:solidFill>
+                  <a:schemeClr val="tx1"/>
+                </a:solidFill>
+                <a:latin typeface="Times New Roman" panose="02020603050405020304" pitchFamily="18" charset="0"/>
+                <a:cs typeface="Times New Roman" panose="02020603050405020304" pitchFamily="18" charset="0"/>
+              </a:rPr>
+              <a:t> chi </a:t>
+            </a:r>
+            <a:r>
+              <a:rPr lang="en-US" sz="2800" dirty="0" err="1">
+                <a:solidFill>
+                  <a:schemeClr val="tx1"/>
+                </a:solidFill>
+                <a:latin typeface="Times New Roman" panose="02020603050405020304" pitchFamily="18" charset="0"/>
+                <a:cs typeface="Times New Roman" panose="02020603050405020304" pitchFamily="18" charset="0"/>
+              </a:rPr>
+              <a:t>tiết</a:t>
+            </a:r>
+            <a:r>
+              <a:rPr lang="en-US" sz="2800" dirty="0">
+                <a:solidFill>
+                  <a:schemeClr val="tx1"/>
+                </a:solidFill>
+                <a:latin typeface="Times New Roman" panose="02020603050405020304" pitchFamily="18" charset="0"/>
+                <a:cs typeface="Times New Roman" panose="02020603050405020304" pitchFamily="18" charset="0"/>
+              </a:rPr>
+              <a:t>, </a:t>
+            </a:r>
+            <a:r>
+              <a:rPr lang="en-US" sz="2800" dirty="0" err="1">
+                <a:solidFill>
+                  <a:schemeClr val="tx1"/>
+                </a:solidFill>
+                <a:latin typeface="Times New Roman" panose="02020603050405020304" pitchFamily="18" charset="0"/>
+                <a:cs typeface="Times New Roman" panose="02020603050405020304" pitchFamily="18" charset="0"/>
+              </a:rPr>
+              <a:t>vẫn</a:t>
+            </a:r>
+            <a:r>
+              <a:rPr lang="en-US" sz="2800" dirty="0">
+                <a:solidFill>
+                  <a:schemeClr val="tx1"/>
+                </a:solidFill>
+                <a:latin typeface="Times New Roman" panose="02020603050405020304" pitchFamily="18" charset="0"/>
+                <a:cs typeface="Times New Roman" panose="02020603050405020304" pitchFamily="18" charset="0"/>
+              </a:rPr>
+              <a:t> </a:t>
+            </a:r>
+            <a:r>
+              <a:rPr lang="en-US" sz="2800" dirty="0" err="1">
+                <a:solidFill>
+                  <a:schemeClr val="tx1"/>
+                </a:solidFill>
+                <a:latin typeface="Times New Roman" panose="02020603050405020304" pitchFamily="18" charset="0"/>
+                <a:cs typeface="Times New Roman" panose="02020603050405020304" pitchFamily="18" charset="0"/>
+              </a:rPr>
+              <a:t>còn</a:t>
+            </a:r>
+            <a:r>
+              <a:rPr lang="en-US" sz="2800" dirty="0">
+                <a:solidFill>
+                  <a:schemeClr val="tx1"/>
+                </a:solidFill>
+                <a:latin typeface="Times New Roman" panose="02020603050405020304" pitchFamily="18" charset="0"/>
+                <a:cs typeface="Times New Roman" panose="02020603050405020304" pitchFamily="18" charset="0"/>
+              </a:rPr>
+              <a:t> </a:t>
+            </a:r>
+            <a:r>
+              <a:rPr lang="en-US" sz="2800" dirty="0" err="1">
+                <a:solidFill>
+                  <a:schemeClr val="tx1"/>
+                </a:solidFill>
+                <a:latin typeface="Times New Roman" panose="02020603050405020304" pitchFamily="18" charset="0"/>
+                <a:cs typeface="Times New Roman" panose="02020603050405020304" pitchFamily="18" charset="0"/>
+              </a:rPr>
+              <a:t>lỗi</a:t>
+            </a:r>
+            <a:r>
+              <a:rPr lang="en-US" sz="2800" dirty="0">
+                <a:solidFill>
+                  <a:schemeClr val="tx1"/>
+                </a:solidFill>
+                <a:latin typeface="Times New Roman" panose="02020603050405020304" pitchFamily="18" charset="0"/>
+                <a:cs typeface="Times New Roman" panose="02020603050405020304" pitchFamily="18" charset="0"/>
+              </a:rPr>
+              <a:t> </a:t>
+            </a:r>
+            <a:r>
+              <a:rPr lang="en-US" sz="2800" dirty="0" err="1">
+                <a:solidFill>
+                  <a:schemeClr val="tx1"/>
+                </a:solidFill>
+                <a:latin typeface="Times New Roman" panose="02020603050405020304" pitchFamily="18" charset="0"/>
+                <a:cs typeface="Times New Roman" panose="02020603050405020304" pitchFamily="18" charset="0"/>
+              </a:rPr>
+              <a:t>trong</a:t>
+            </a:r>
+            <a:r>
+              <a:rPr lang="en-US" sz="2800" dirty="0">
+                <a:solidFill>
+                  <a:schemeClr val="tx1"/>
+                </a:solidFill>
+                <a:latin typeface="Times New Roman" panose="02020603050405020304" pitchFamily="18" charset="0"/>
+                <a:cs typeface="Times New Roman" panose="02020603050405020304" pitchFamily="18" charset="0"/>
+              </a:rPr>
+              <a:t> </a:t>
+            </a:r>
+            <a:r>
+              <a:rPr lang="en-US" sz="2800" dirty="0" err="1">
+                <a:solidFill>
+                  <a:schemeClr val="tx1"/>
+                </a:solidFill>
+                <a:latin typeface="Times New Roman" panose="02020603050405020304" pitchFamily="18" charset="0"/>
+                <a:cs typeface="Times New Roman" panose="02020603050405020304" pitchFamily="18" charset="0"/>
+              </a:rPr>
+              <a:t>quá</a:t>
+            </a:r>
+            <a:r>
+              <a:rPr lang="en-US" sz="2800" dirty="0">
+                <a:solidFill>
+                  <a:schemeClr val="tx1"/>
+                </a:solidFill>
+                <a:latin typeface="Times New Roman" panose="02020603050405020304" pitchFamily="18" charset="0"/>
+                <a:cs typeface="Times New Roman" panose="02020603050405020304" pitchFamily="18" charset="0"/>
+              </a:rPr>
+              <a:t> </a:t>
+            </a:r>
+            <a:r>
+              <a:rPr lang="en-US" sz="2800" dirty="0" err="1">
+                <a:solidFill>
+                  <a:schemeClr val="tx1"/>
+                </a:solidFill>
+                <a:latin typeface="Times New Roman" panose="02020603050405020304" pitchFamily="18" charset="0"/>
+                <a:cs typeface="Times New Roman" panose="02020603050405020304" pitchFamily="18" charset="0"/>
+              </a:rPr>
+              <a:t>trình</a:t>
+            </a:r>
+            <a:r>
+              <a:rPr lang="en-US" sz="2800" dirty="0">
+                <a:solidFill>
+                  <a:schemeClr val="tx1"/>
+                </a:solidFill>
+                <a:latin typeface="Times New Roman" panose="02020603050405020304" pitchFamily="18" charset="0"/>
+                <a:cs typeface="Times New Roman" panose="02020603050405020304" pitchFamily="18" charset="0"/>
+              </a:rPr>
+              <a:t> </a:t>
+            </a:r>
+            <a:r>
+              <a:rPr lang="en-US" sz="2800" dirty="0" err="1">
+                <a:solidFill>
+                  <a:schemeClr val="tx1"/>
+                </a:solidFill>
+                <a:latin typeface="Times New Roman" panose="02020603050405020304" pitchFamily="18" charset="0"/>
+                <a:cs typeface="Times New Roman" panose="02020603050405020304" pitchFamily="18" charset="0"/>
+              </a:rPr>
+              <a:t>chạy</a:t>
+            </a:r>
+            <a:r>
+              <a:rPr lang="en-US" sz="2800" dirty="0">
+                <a:solidFill>
+                  <a:schemeClr val="tx1"/>
+                </a:solidFill>
+                <a:latin typeface="Times New Roman" panose="02020603050405020304" pitchFamily="18" charset="0"/>
+                <a:cs typeface="Times New Roman" panose="02020603050405020304" pitchFamily="18" charset="0"/>
+              </a:rPr>
+              <a:t>. </a:t>
+            </a:r>
+          </a:p>
+          <a:p>
+            <a:pPr marL="457200" indent="-457200">
+              <a:buFont typeface="Wingdings" panose="05000000000000000000" pitchFamily="2" charset="2"/>
+              <a:buChar char="Ø"/>
+            </a:pPr>
+            <a:r>
+              <a:rPr lang="en-US" sz="2800" dirty="0" err="1">
+                <a:solidFill>
+                  <a:schemeClr val="tx1"/>
+                </a:solidFill>
+                <a:latin typeface="Times New Roman" panose="02020603050405020304" pitchFamily="18" charset="0"/>
+                <a:cs typeface="Times New Roman" panose="02020603050405020304" pitchFamily="18" charset="0"/>
+              </a:rPr>
+              <a:t>Một</a:t>
+            </a:r>
+            <a:r>
+              <a:rPr lang="en-US" sz="2800" dirty="0">
+                <a:solidFill>
+                  <a:schemeClr val="tx1"/>
+                </a:solidFill>
+                <a:latin typeface="Times New Roman" panose="02020603050405020304" pitchFamily="18" charset="0"/>
+                <a:cs typeface="Times New Roman" panose="02020603050405020304" pitchFamily="18" charset="0"/>
+              </a:rPr>
+              <a:t> </a:t>
+            </a:r>
+            <a:r>
+              <a:rPr lang="en-US" sz="2800" dirty="0" err="1">
+                <a:solidFill>
+                  <a:schemeClr val="tx1"/>
+                </a:solidFill>
+                <a:latin typeface="Times New Roman" panose="02020603050405020304" pitchFamily="18" charset="0"/>
+                <a:cs typeface="Times New Roman" panose="02020603050405020304" pitchFamily="18" charset="0"/>
+              </a:rPr>
+              <a:t>số</a:t>
+            </a:r>
+            <a:r>
+              <a:rPr lang="en-US" sz="2800" dirty="0">
+                <a:solidFill>
+                  <a:schemeClr val="tx1"/>
+                </a:solidFill>
+                <a:latin typeface="Times New Roman" panose="02020603050405020304" pitchFamily="18" charset="0"/>
+                <a:cs typeface="Times New Roman" panose="02020603050405020304" pitchFamily="18" charset="0"/>
+              </a:rPr>
+              <a:t> </a:t>
+            </a:r>
+            <a:r>
+              <a:rPr lang="en-US" sz="2800" dirty="0" err="1">
+                <a:solidFill>
+                  <a:schemeClr val="tx1"/>
+                </a:solidFill>
+                <a:latin typeface="Times New Roman" panose="02020603050405020304" pitchFamily="18" charset="0"/>
+                <a:cs typeface="Times New Roman" panose="02020603050405020304" pitchFamily="18" charset="0"/>
+              </a:rPr>
+              <a:t>chức</a:t>
+            </a:r>
+            <a:r>
+              <a:rPr lang="en-US" sz="2800" dirty="0">
+                <a:solidFill>
+                  <a:schemeClr val="tx1"/>
+                </a:solidFill>
+                <a:latin typeface="Times New Roman" panose="02020603050405020304" pitchFamily="18" charset="0"/>
+                <a:cs typeface="Times New Roman" panose="02020603050405020304" pitchFamily="18" charset="0"/>
+              </a:rPr>
+              <a:t> </a:t>
+            </a:r>
+            <a:r>
+              <a:rPr lang="en-US" sz="2800" dirty="0" err="1">
+                <a:solidFill>
+                  <a:schemeClr val="tx1"/>
+                </a:solidFill>
+                <a:latin typeface="Times New Roman" panose="02020603050405020304" pitchFamily="18" charset="0"/>
+                <a:cs typeface="Times New Roman" panose="02020603050405020304" pitchFamily="18" charset="0"/>
+              </a:rPr>
+              <a:t>năng</a:t>
+            </a:r>
+            <a:r>
+              <a:rPr lang="en-US" sz="2800" dirty="0">
+                <a:solidFill>
+                  <a:schemeClr val="tx1"/>
+                </a:solidFill>
+                <a:latin typeface="Times New Roman" panose="02020603050405020304" pitchFamily="18" charset="0"/>
+                <a:cs typeface="Times New Roman" panose="02020603050405020304" pitchFamily="18" charset="0"/>
+              </a:rPr>
+              <a:t> </a:t>
+            </a:r>
+            <a:r>
+              <a:rPr lang="en-US" sz="2800" dirty="0" err="1">
+                <a:solidFill>
+                  <a:schemeClr val="tx1"/>
+                </a:solidFill>
+                <a:latin typeface="Times New Roman" panose="02020603050405020304" pitchFamily="18" charset="0"/>
+                <a:cs typeface="Times New Roman" panose="02020603050405020304" pitchFamily="18" charset="0"/>
+              </a:rPr>
+              <a:t>chưa</a:t>
+            </a:r>
+            <a:r>
+              <a:rPr lang="en-US" sz="2800" dirty="0">
+                <a:solidFill>
+                  <a:schemeClr val="tx1"/>
+                </a:solidFill>
+                <a:latin typeface="Times New Roman" panose="02020603050405020304" pitchFamily="18" charset="0"/>
+                <a:cs typeface="Times New Roman" panose="02020603050405020304" pitchFamily="18" charset="0"/>
+              </a:rPr>
+              <a:t> </a:t>
+            </a:r>
+            <a:r>
+              <a:rPr lang="en-US" sz="2800" dirty="0" err="1">
+                <a:solidFill>
+                  <a:schemeClr val="tx1"/>
+                </a:solidFill>
+                <a:latin typeface="Times New Roman" panose="02020603050405020304" pitchFamily="18" charset="0"/>
+                <a:cs typeface="Times New Roman" panose="02020603050405020304" pitchFamily="18" charset="0"/>
+              </a:rPr>
+              <a:t>được</a:t>
+            </a:r>
+            <a:r>
+              <a:rPr lang="en-US" sz="2800" dirty="0">
+                <a:solidFill>
+                  <a:schemeClr val="tx1"/>
+                </a:solidFill>
+                <a:latin typeface="Times New Roman" panose="02020603050405020304" pitchFamily="18" charset="0"/>
+                <a:cs typeface="Times New Roman" panose="02020603050405020304" pitchFamily="18" charset="0"/>
+              </a:rPr>
+              <a:t> </a:t>
+            </a:r>
+            <a:r>
+              <a:rPr lang="en-US" sz="2800" dirty="0" err="1">
+                <a:solidFill>
+                  <a:schemeClr val="tx1"/>
+                </a:solidFill>
+                <a:latin typeface="Times New Roman" panose="02020603050405020304" pitchFamily="18" charset="0"/>
+                <a:cs typeface="Times New Roman" panose="02020603050405020304" pitchFamily="18" charset="0"/>
+              </a:rPr>
+              <a:t>hoàn</a:t>
+            </a:r>
+            <a:r>
+              <a:rPr lang="en-US" sz="2800" dirty="0">
+                <a:solidFill>
+                  <a:schemeClr val="tx1"/>
+                </a:solidFill>
+                <a:latin typeface="Times New Roman" panose="02020603050405020304" pitchFamily="18" charset="0"/>
+                <a:cs typeface="Times New Roman" panose="02020603050405020304" pitchFamily="18" charset="0"/>
+              </a:rPr>
+              <a:t> </a:t>
+            </a:r>
+            <a:r>
+              <a:rPr lang="en-US" sz="2800" dirty="0" err="1">
+                <a:solidFill>
+                  <a:schemeClr val="tx1"/>
+                </a:solidFill>
+                <a:latin typeface="Times New Roman" panose="02020603050405020304" pitchFamily="18" charset="0"/>
+                <a:cs typeface="Times New Roman" panose="02020603050405020304" pitchFamily="18" charset="0"/>
+              </a:rPr>
+              <a:t>thành</a:t>
+            </a:r>
+            <a:r>
+              <a:rPr lang="en-US" sz="2800" dirty="0">
+                <a:solidFill>
+                  <a:schemeClr val="tx1"/>
+                </a:solidFill>
+                <a:latin typeface="Times New Roman" panose="02020603050405020304" pitchFamily="18" charset="0"/>
+                <a:cs typeface="Times New Roman" panose="02020603050405020304" pitchFamily="18" charset="0"/>
+              </a:rPr>
+              <a:t> </a:t>
+            </a:r>
+            <a:r>
+              <a:rPr lang="en-US" sz="2800" dirty="0" err="1">
+                <a:solidFill>
+                  <a:schemeClr val="tx1"/>
+                </a:solidFill>
+                <a:latin typeface="Times New Roman" panose="02020603050405020304" pitchFamily="18" charset="0"/>
+                <a:cs typeface="Times New Roman" panose="02020603050405020304" pitchFamily="18" charset="0"/>
+              </a:rPr>
+              <a:t>như</a:t>
+            </a:r>
+            <a:r>
+              <a:rPr lang="en-US" sz="2800" dirty="0">
+                <a:solidFill>
+                  <a:schemeClr val="tx1"/>
+                </a:solidFill>
+                <a:latin typeface="Times New Roman" panose="02020603050405020304" pitchFamily="18" charset="0"/>
+                <a:cs typeface="Times New Roman" panose="02020603050405020304" pitchFamily="18" charset="0"/>
+              </a:rPr>
+              <a:t>: </a:t>
+            </a:r>
+            <a:r>
+              <a:rPr lang="en-US" sz="2800" dirty="0" err="1">
+                <a:solidFill>
+                  <a:schemeClr val="tx1"/>
+                </a:solidFill>
+                <a:latin typeface="Times New Roman" panose="02020603050405020304" pitchFamily="18" charset="0"/>
+                <a:cs typeface="Times New Roman" panose="02020603050405020304" pitchFamily="18" charset="0"/>
+              </a:rPr>
+              <a:t>nhập</a:t>
+            </a:r>
+            <a:r>
+              <a:rPr lang="en-US" sz="2800" dirty="0">
+                <a:solidFill>
+                  <a:schemeClr val="tx1"/>
+                </a:solidFill>
+                <a:latin typeface="Times New Roman" panose="02020603050405020304" pitchFamily="18" charset="0"/>
+                <a:cs typeface="Times New Roman" panose="02020603050405020304" pitchFamily="18" charset="0"/>
+              </a:rPr>
+              <a:t> </a:t>
+            </a:r>
+            <a:r>
+              <a:rPr lang="en-US" sz="2800" dirty="0" err="1">
+                <a:solidFill>
+                  <a:schemeClr val="tx1"/>
+                </a:solidFill>
+                <a:latin typeface="Times New Roman" panose="02020603050405020304" pitchFamily="18" charset="0"/>
+                <a:cs typeface="Times New Roman" panose="02020603050405020304" pitchFamily="18" charset="0"/>
+              </a:rPr>
+              <a:t>xuất</a:t>
+            </a:r>
+            <a:r>
+              <a:rPr lang="en-US" sz="2800" dirty="0">
+                <a:solidFill>
+                  <a:schemeClr val="tx1"/>
+                </a:solidFill>
+                <a:latin typeface="Times New Roman" panose="02020603050405020304" pitchFamily="18" charset="0"/>
+                <a:cs typeface="Times New Roman" panose="02020603050405020304" pitchFamily="18" charset="0"/>
+              </a:rPr>
+              <a:t> </a:t>
+            </a:r>
+            <a:r>
+              <a:rPr lang="en-US" sz="2800" dirty="0" err="1">
+                <a:solidFill>
+                  <a:schemeClr val="tx1"/>
+                </a:solidFill>
+                <a:latin typeface="Times New Roman" panose="02020603050405020304" pitchFamily="18" charset="0"/>
+                <a:cs typeface="Times New Roman" panose="02020603050405020304" pitchFamily="18" charset="0"/>
+              </a:rPr>
+              <a:t>dữ</a:t>
+            </a:r>
+            <a:r>
+              <a:rPr lang="en-US" sz="2800" dirty="0">
+                <a:solidFill>
+                  <a:schemeClr val="tx1"/>
+                </a:solidFill>
+                <a:latin typeface="Times New Roman" panose="02020603050405020304" pitchFamily="18" charset="0"/>
+                <a:cs typeface="Times New Roman" panose="02020603050405020304" pitchFamily="18" charset="0"/>
+              </a:rPr>
+              <a:t> </a:t>
+            </a:r>
+            <a:r>
+              <a:rPr lang="en-US" sz="2800" dirty="0" err="1">
+                <a:solidFill>
+                  <a:schemeClr val="tx1"/>
+                </a:solidFill>
+                <a:latin typeface="Times New Roman" panose="02020603050405020304" pitchFamily="18" charset="0"/>
+                <a:cs typeface="Times New Roman" panose="02020603050405020304" pitchFamily="18" charset="0"/>
+              </a:rPr>
+              <a:t>liệu</a:t>
+            </a:r>
+            <a:r>
+              <a:rPr lang="en-US" sz="2800" dirty="0">
+                <a:solidFill>
+                  <a:schemeClr val="tx1"/>
+                </a:solidFill>
+                <a:latin typeface="Times New Roman" panose="02020603050405020304" pitchFamily="18" charset="0"/>
+                <a:cs typeface="Times New Roman" panose="02020603050405020304" pitchFamily="18" charset="0"/>
+              </a:rPr>
+              <a:t> </a:t>
+            </a:r>
+            <a:r>
+              <a:rPr lang="en-US" sz="2800" dirty="0" err="1">
+                <a:solidFill>
+                  <a:schemeClr val="tx1"/>
+                </a:solidFill>
+                <a:latin typeface="Times New Roman" panose="02020603050405020304" pitchFamily="18" charset="0"/>
+                <a:cs typeface="Times New Roman" panose="02020603050405020304" pitchFamily="18" charset="0"/>
+              </a:rPr>
+              <a:t>từ</a:t>
+            </a:r>
+            <a:r>
+              <a:rPr lang="en-US" sz="2800" dirty="0">
+                <a:solidFill>
+                  <a:schemeClr val="tx1"/>
+                </a:solidFill>
+                <a:latin typeface="Times New Roman" panose="02020603050405020304" pitchFamily="18" charset="0"/>
+                <a:cs typeface="Times New Roman" panose="02020603050405020304" pitchFamily="18" charset="0"/>
+              </a:rPr>
+              <a:t> excel, </a:t>
+            </a:r>
+            <a:r>
+              <a:rPr lang="en-US" sz="2800" dirty="0" err="1">
+                <a:solidFill>
+                  <a:schemeClr val="tx1"/>
+                </a:solidFill>
+                <a:latin typeface="Times New Roman" panose="02020603050405020304" pitchFamily="18" charset="0"/>
+                <a:cs typeface="Times New Roman" panose="02020603050405020304" pitchFamily="18" charset="0"/>
+              </a:rPr>
+              <a:t>chức</a:t>
+            </a:r>
+            <a:r>
+              <a:rPr lang="en-US" sz="2800" dirty="0">
+                <a:solidFill>
+                  <a:schemeClr val="tx1"/>
+                </a:solidFill>
+                <a:latin typeface="Times New Roman" panose="02020603050405020304" pitchFamily="18" charset="0"/>
+                <a:cs typeface="Times New Roman" panose="02020603050405020304" pitchFamily="18" charset="0"/>
+              </a:rPr>
+              <a:t> </a:t>
+            </a:r>
+            <a:r>
+              <a:rPr lang="en-US" sz="2800" dirty="0" err="1">
+                <a:solidFill>
+                  <a:schemeClr val="tx1"/>
+                </a:solidFill>
+                <a:latin typeface="Times New Roman" panose="02020603050405020304" pitchFamily="18" charset="0"/>
+                <a:cs typeface="Times New Roman" panose="02020603050405020304" pitchFamily="18" charset="0"/>
+              </a:rPr>
+              <a:t>năng</a:t>
+            </a:r>
+            <a:r>
+              <a:rPr lang="en-US" sz="2800" dirty="0">
+                <a:solidFill>
+                  <a:schemeClr val="tx1"/>
+                </a:solidFill>
+                <a:latin typeface="Times New Roman" panose="02020603050405020304" pitchFamily="18" charset="0"/>
+                <a:cs typeface="Times New Roman" panose="02020603050405020304" pitchFamily="18" charset="0"/>
+              </a:rPr>
+              <a:t> in ở </a:t>
+            </a:r>
+            <a:r>
+              <a:rPr lang="en-US" sz="2800" dirty="0" err="1">
+                <a:solidFill>
+                  <a:schemeClr val="tx1"/>
+                </a:solidFill>
+                <a:latin typeface="Times New Roman" panose="02020603050405020304" pitchFamily="18" charset="0"/>
+                <a:cs typeface="Times New Roman" panose="02020603050405020304" pitchFamily="18" charset="0"/>
+              </a:rPr>
+              <a:t>một</a:t>
+            </a:r>
+            <a:r>
+              <a:rPr lang="en-US" sz="2800" dirty="0">
+                <a:solidFill>
+                  <a:schemeClr val="tx1"/>
+                </a:solidFill>
+                <a:latin typeface="Times New Roman" panose="02020603050405020304" pitchFamily="18" charset="0"/>
+                <a:cs typeface="Times New Roman" panose="02020603050405020304" pitchFamily="18" charset="0"/>
+              </a:rPr>
+              <a:t> </a:t>
+            </a:r>
+            <a:r>
+              <a:rPr lang="en-US" sz="2800" dirty="0" err="1">
+                <a:solidFill>
+                  <a:schemeClr val="tx1"/>
+                </a:solidFill>
+                <a:latin typeface="Times New Roman" panose="02020603050405020304" pitchFamily="18" charset="0"/>
+                <a:cs typeface="Times New Roman" panose="02020603050405020304" pitchFamily="18" charset="0"/>
+              </a:rPr>
+              <a:t>số</a:t>
+            </a:r>
+            <a:r>
+              <a:rPr lang="en-US" sz="2800" dirty="0">
+                <a:solidFill>
+                  <a:schemeClr val="tx1"/>
+                </a:solidFill>
+                <a:latin typeface="Times New Roman" panose="02020603050405020304" pitchFamily="18" charset="0"/>
+                <a:cs typeface="Times New Roman" panose="02020603050405020304" pitchFamily="18" charset="0"/>
+              </a:rPr>
+              <a:t> </a:t>
+            </a:r>
+            <a:r>
+              <a:rPr lang="en-US" sz="2800" dirty="0" err="1">
+                <a:solidFill>
+                  <a:schemeClr val="tx1"/>
+                </a:solidFill>
+                <a:latin typeface="Times New Roman" panose="02020603050405020304" pitchFamily="18" charset="0"/>
+                <a:cs typeface="Times New Roman" panose="02020603050405020304" pitchFamily="18" charset="0"/>
+              </a:rPr>
+              <a:t>màn</a:t>
+            </a:r>
+            <a:r>
+              <a:rPr lang="en-US" sz="2800" dirty="0">
+                <a:solidFill>
+                  <a:schemeClr val="tx1"/>
+                </a:solidFill>
+                <a:latin typeface="Times New Roman" panose="02020603050405020304" pitchFamily="18" charset="0"/>
+                <a:cs typeface="Times New Roman" panose="02020603050405020304" pitchFamily="18" charset="0"/>
+              </a:rPr>
+              <a:t> </a:t>
+            </a:r>
+            <a:r>
+              <a:rPr lang="en-US" sz="2800" dirty="0" err="1">
+                <a:solidFill>
+                  <a:schemeClr val="tx1"/>
+                </a:solidFill>
+                <a:latin typeface="Times New Roman" panose="02020603050405020304" pitchFamily="18" charset="0"/>
+                <a:cs typeface="Times New Roman" panose="02020603050405020304" pitchFamily="18" charset="0"/>
+              </a:rPr>
+              <a:t>hình</a:t>
+            </a:r>
+            <a:r>
+              <a:rPr lang="en-US" sz="2800" dirty="0">
+                <a:solidFill>
+                  <a:schemeClr val="tx1"/>
+                </a:solidFill>
+                <a:latin typeface="Times New Roman" panose="02020603050405020304" pitchFamily="18" charset="0"/>
+                <a:cs typeface="Times New Roman" panose="02020603050405020304" pitchFamily="18" charset="0"/>
+              </a:rPr>
+              <a:t>, </a:t>
+            </a:r>
+            <a:r>
+              <a:rPr lang="en-US" sz="2800" dirty="0" err="1">
+                <a:solidFill>
+                  <a:schemeClr val="tx1"/>
+                </a:solidFill>
+                <a:latin typeface="Times New Roman" panose="02020603050405020304" pitchFamily="18" charset="0"/>
+                <a:cs typeface="Times New Roman" panose="02020603050405020304" pitchFamily="18" charset="0"/>
+              </a:rPr>
+              <a:t>quản</a:t>
+            </a:r>
+            <a:r>
+              <a:rPr lang="en-US" sz="2800" dirty="0">
+                <a:solidFill>
+                  <a:schemeClr val="tx1"/>
+                </a:solidFill>
+                <a:latin typeface="Times New Roman" panose="02020603050405020304" pitchFamily="18" charset="0"/>
+                <a:cs typeface="Times New Roman" panose="02020603050405020304" pitchFamily="18" charset="0"/>
+              </a:rPr>
+              <a:t> </a:t>
+            </a:r>
+            <a:r>
+              <a:rPr lang="en-US" sz="2800" dirty="0" err="1">
+                <a:solidFill>
+                  <a:schemeClr val="tx1"/>
+                </a:solidFill>
+                <a:latin typeface="Times New Roman" panose="02020603050405020304" pitchFamily="18" charset="0"/>
+                <a:cs typeface="Times New Roman" panose="02020603050405020304" pitchFamily="18" charset="0"/>
+              </a:rPr>
+              <a:t>lý</a:t>
+            </a:r>
+            <a:r>
+              <a:rPr lang="en-US" sz="2800" dirty="0">
+                <a:solidFill>
+                  <a:schemeClr val="tx1"/>
+                </a:solidFill>
+                <a:latin typeface="Times New Roman" panose="02020603050405020304" pitchFamily="18" charset="0"/>
+                <a:cs typeface="Times New Roman" panose="02020603050405020304" pitchFamily="18" charset="0"/>
+              </a:rPr>
+              <a:t> </a:t>
+            </a:r>
+            <a:r>
+              <a:rPr lang="en-US" sz="2800" dirty="0" err="1">
+                <a:solidFill>
+                  <a:schemeClr val="tx1"/>
+                </a:solidFill>
+                <a:latin typeface="Times New Roman" panose="02020603050405020304" pitchFamily="18" charset="0"/>
+                <a:cs typeface="Times New Roman" panose="02020603050405020304" pitchFamily="18" charset="0"/>
+              </a:rPr>
+              <a:t>theo</a:t>
+            </a:r>
+            <a:r>
+              <a:rPr lang="en-US" sz="2800" dirty="0">
+                <a:solidFill>
+                  <a:schemeClr val="tx1"/>
+                </a:solidFill>
+                <a:latin typeface="Times New Roman" panose="02020603050405020304" pitchFamily="18" charset="0"/>
+                <a:cs typeface="Times New Roman" panose="02020603050405020304" pitchFamily="18" charset="0"/>
+              </a:rPr>
+              <a:t> chi </a:t>
+            </a:r>
+            <a:r>
+              <a:rPr lang="en-US" sz="2800" dirty="0" err="1">
+                <a:solidFill>
+                  <a:schemeClr val="tx1"/>
+                </a:solidFill>
+                <a:latin typeface="Times New Roman" panose="02020603050405020304" pitchFamily="18" charset="0"/>
+                <a:cs typeface="Times New Roman" panose="02020603050405020304" pitchFamily="18" charset="0"/>
+              </a:rPr>
+              <a:t>nhánh</a:t>
+            </a:r>
+            <a:r>
+              <a:rPr lang="en-US" sz="2800" dirty="0">
+                <a:solidFill>
+                  <a:schemeClr val="tx1"/>
+                </a:solidFill>
+                <a:latin typeface="Times New Roman" panose="02020603050405020304" pitchFamily="18" charset="0"/>
+                <a:cs typeface="Times New Roman" panose="02020603050405020304" pitchFamily="18" charset="0"/>
+              </a:rPr>
+              <a:t>.</a:t>
+            </a:r>
+          </a:p>
+          <a:p>
+            <a:endParaRPr lang="en-US" sz="2800" b="1" dirty="0">
+              <a:solidFill>
+                <a:schemeClr val="tx1"/>
+              </a:solidFill>
+              <a:latin typeface="Times New Roman" panose="02020603050405020304" pitchFamily="18" charset="0"/>
+              <a:cs typeface="Times New Roman" panose="02020603050405020304" pitchFamily="18" charset="0"/>
+            </a:endParaRPr>
+          </a:p>
+        </p:txBody>
+      </p:sp>
+    </p:spTree>
+    <p:extLst>
+      <p:ext uri="{BB962C8B-B14F-4D97-AF65-F5344CB8AC3E}">
+        <p14:creationId xmlns:p14="http://schemas.microsoft.com/office/powerpoint/2010/main" val="1370501929"/>
+      </p:ext>
+    </p:extLst>
+  </p:cSld>
+  <p:clrMapOvr>
+    <a:masterClrMapping/>
+  </p:clrMapOvr>
+</p:sld>
+</file>
+
+<file path=ppt/slides/slide16.xml><?xml version="1.0" encoding="utf-8"?>
+<p:sld xmlns:a="http://schemas.openxmlformats.org/drawingml/2006/main" xmlns:r="http://schemas.openxmlformats.org/officeDocument/2006/relationships" xmlns:p="http://schemas.openxmlformats.org/presentationml/2006/main">
+  <p:cSld>
+    <p:spTree>
+      <p:nvGrpSpPr>
+        <p:cNvPr id="1" name=""/>
+        <p:cNvGrpSpPr/>
+        <p:nvPr/>
+      </p:nvGrpSpPr>
+      <p:grpSpPr>
+        <a:xfrm>
+          <a:off x="0" y="0"/>
+          <a:ext cx="0" cy="0"/>
+          <a:chOff x="0" y="0"/>
+          <a:chExt cx="0" cy="0"/>
+        </a:xfrm>
+      </p:grpSpPr>
+      <p:sp>
+        <p:nvSpPr>
+          <p:cNvPr id="2" name="Title 1">
+            <a:extLst>
+              <a:ext uri="{FF2B5EF4-FFF2-40B4-BE49-F238E27FC236}">
+                <a16:creationId xmlns:a16="http://schemas.microsoft.com/office/drawing/2014/main" id="{16719C43-EC8A-4F91-B2B8-467EE9E0364C}"/>
+              </a:ext>
+            </a:extLst>
+          </p:cNvPr>
+          <p:cNvSpPr>
+            <a:spLocks noGrp="1"/>
+          </p:cNvSpPr>
+          <p:nvPr>
+            <p:ph type="ctrTitle"/>
+          </p:nvPr>
+        </p:nvSpPr>
+        <p:spPr>
+          <a:xfrm>
+            <a:off x="2379764" y="492062"/>
+            <a:ext cx="8791575" cy="924551"/>
+          </a:xfrm>
+        </p:spPr>
+        <p:txBody>
+          <a:bodyPr>
+            <a:normAutofit/>
+          </a:bodyPr>
+          <a:lstStyle/>
+          <a:p>
+            <a:pPr algn="ctr"/>
+            <a:r>
+              <a:rPr lang="en-US" sz="4000" b="1" dirty="0" err="1">
+                <a:latin typeface="Times New Roman" panose="02020603050405020304" pitchFamily="18" charset="0"/>
+                <a:cs typeface="Times New Roman" panose="02020603050405020304" pitchFamily="18" charset="0"/>
+              </a:rPr>
+              <a:t>Kết</a:t>
+            </a:r>
+            <a:r>
+              <a:rPr lang="en-US" sz="4000" b="1" dirty="0">
+                <a:latin typeface="Times New Roman" panose="02020603050405020304" pitchFamily="18" charset="0"/>
+                <a:cs typeface="Times New Roman" panose="02020603050405020304" pitchFamily="18" charset="0"/>
+              </a:rPr>
+              <a:t> </a:t>
+            </a:r>
+            <a:r>
+              <a:rPr lang="en-US" sz="4000" b="1" dirty="0" err="1">
+                <a:latin typeface="Times New Roman" panose="02020603050405020304" pitchFamily="18" charset="0"/>
+                <a:cs typeface="Times New Roman" panose="02020603050405020304" pitchFamily="18" charset="0"/>
+              </a:rPr>
+              <a:t>luận</a:t>
+            </a:r>
+            <a:endParaRPr lang="en-US" sz="4000" b="1" dirty="0">
+              <a:latin typeface="Times New Roman" panose="02020603050405020304" pitchFamily="18" charset="0"/>
+              <a:cs typeface="Times New Roman" panose="02020603050405020304" pitchFamily="18" charset="0"/>
+            </a:endParaRPr>
+          </a:p>
+        </p:txBody>
+      </p:sp>
+      <p:sp>
+        <p:nvSpPr>
+          <p:cNvPr id="3" name="Subtitle 2">
+            <a:extLst>
+              <a:ext uri="{FF2B5EF4-FFF2-40B4-BE49-F238E27FC236}">
+                <a16:creationId xmlns:a16="http://schemas.microsoft.com/office/drawing/2014/main" id="{E0B6DE87-722A-48C1-813D-624EA3268C53}"/>
+              </a:ext>
+            </a:extLst>
+          </p:cNvPr>
+          <p:cNvSpPr>
+            <a:spLocks noGrp="1"/>
+          </p:cNvSpPr>
+          <p:nvPr>
+            <p:ph type="subTitle" idx="1"/>
+          </p:nvPr>
+        </p:nvSpPr>
+        <p:spPr>
+          <a:xfrm>
+            <a:off x="2019300" y="1744910"/>
+            <a:ext cx="9152039" cy="4986090"/>
+          </a:xfrm>
+        </p:spPr>
+        <p:txBody>
+          <a:bodyPr>
+            <a:normAutofit fontScale="85000" lnSpcReduction="20000"/>
+          </a:bodyPr>
+          <a:lstStyle/>
+          <a:p>
+            <a:r>
+              <a:rPr lang="en-US" sz="2800" b="1" dirty="0">
+                <a:solidFill>
+                  <a:schemeClr val="tx1"/>
+                </a:solidFill>
+                <a:latin typeface="Times New Roman" panose="02020603050405020304" pitchFamily="18" charset="0"/>
+                <a:cs typeface="Times New Roman" panose="02020603050405020304" pitchFamily="18" charset="0"/>
+              </a:rPr>
+              <a:t>H</a:t>
+            </a:r>
+            <a:r>
+              <a:rPr lang="vi-VN" sz="2800" b="1" dirty="0">
+                <a:solidFill>
+                  <a:schemeClr val="tx1"/>
+                </a:solidFill>
+                <a:latin typeface="Times New Roman" panose="02020603050405020304" pitchFamily="18" charset="0"/>
+                <a:cs typeface="Times New Roman" panose="02020603050405020304" pitchFamily="18" charset="0"/>
+              </a:rPr>
+              <a:t>ư</a:t>
+            </a:r>
+            <a:r>
+              <a:rPr lang="en-US" sz="2800" b="1" dirty="0" err="1">
+                <a:solidFill>
+                  <a:schemeClr val="tx1"/>
+                </a:solidFill>
+                <a:latin typeface="Times New Roman" panose="02020603050405020304" pitchFamily="18" charset="0"/>
+                <a:cs typeface="Times New Roman" panose="02020603050405020304" pitchFamily="18" charset="0"/>
+              </a:rPr>
+              <a:t>ớng</a:t>
+            </a:r>
+            <a:r>
+              <a:rPr lang="en-US" sz="2800" b="1" dirty="0">
+                <a:solidFill>
+                  <a:schemeClr val="tx1"/>
+                </a:solidFill>
+                <a:latin typeface="Times New Roman" panose="02020603050405020304" pitchFamily="18" charset="0"/>
+                <a:cs typeface="Times New Roman" panose="02020603050405020304" pitchFamily="18" charset="0"/>
+              </a:rPr>
+              <a:t> </a:t>
+            </a:r>
+            <a:r>
+              <a:rPr lang="en-US" sz="2800" b="1" dirty="0" err="1">
+                <a:solidFill>
+                  <a:schemeClr val="tx1"/>
+                </a:solidFill>
+                <a:latin typeface="Times New Roman" panose="02020603050405020304" pitchFamily="18" charset="0"/>
+                <a:cs typeface="Times New Roman" panose="02020603050405020304" pitchFamily="18" charset="0"/>
+              </a:rPr>
+              <a:t>phát</a:t>
+            </a:r>
+            <a:r>
+              <a:rPr lang="en-US" sz="2800" b="1" dirty="0">
+                <a:solidFill>
+                  <a:schemeClr val="tx1"/>
+                </a:solidFill>
+                <a:latin typeface="Times New Roman" panose="02020603050405020304" pitchFamily="18" charset="0"/>
+                <a:cs typeface="Times New Roman" panose="02020603050405020304" pitchFamily="18" charset="0"/>
+              </a:rPr>
+              <a:t> </a:t>
+            </a:r>
+            <a:r>
+              <a:rPr lang="en-US" sz="2800" b="1" dirty="0" err="1">
+                <a:solidFill>
+                  <a:schemeClr val="tx1"/>
+                </a:solidFill>
+                <a:latin typeface="Times New Roman" panose="02020603050405020304" pitchFamily="18" charset="0"/>
+                <a:cs typeface="Times New Roman" panose="02020603050405020304" pitchFamily="18" charset="0"/>
+              </a:rPr>
+              <a:t>triển</a:t>
+            </a:r>
+            <a:r>
+              <a:rPr lang="en-US" sz="2800" b="1" dirty="0">
+                <a:solidFill>
+                  <a:schemeClr val="tx1"/>
+                </a:solidFill>
+                <a:latin typeface="Times New Roman" panose="02020603050405020304" pitchFamily="18" charset="0"/>
+                <a:cs typeface="Times New Roman" panose="02020603050405020304" pitchFamily="18" charset="0"/>
+              </a:rPr>
+              <a:t>:</a:t>
+            </a:r>
+          </a:p>
+          <a:p>
+            <a:pPr marL="285750" lvl="0" indent="-285750">
+              <a:buFont typeface="Wingdings" panose="05000000000000000000" pitchFamily="2" charset="2"/>
+              <a:buChar char="Ø"/>
+            </a:pPr>
+            <a:r>
+              <a:rPr lang="en-US" sz="3000" dirty="0" err="1">
+                <a:solidFill>
+                  <a:schemeClr val="tx1"/>
+                </a:solidFill>
+                <a:latin typeface="Times New Roman" panose="02020603050405020304" pitchFamily="18" charset="0"/>
+                <a:cs typeface="Times New Roman" panose="02020603050405020304" pitchFamily="18" charset="0"/>
+              </a:rPr>
+              <a:t>Tối</a:t>
+            </a:r>
+            <a:r>
+              <a:rPr lang="en-US" sz="3000" dirty="0">
+                <a:solidFill>
+                  <a:schemeClr val="tx1"/>
+                </a:solidFill>
+                <a:latin typeface="Times New Roman" panose="02020603050405020304" pitchFamily="18" charset="0"/>
+                <a:cs typeface="Times New Roman" panose="02020603050405020304" pitchFamily="18" charset="0"/>
+              </a:rPr>
+              <a:t> </a:t>
+            </a:r>
+            <a:r>
+              <a:rPr lang="en-US" sz="3000" dirty="0" err="1">
+                <a:solidFill>
+                  <a:schemeClr val="tx1"/>
+                </a:solidFill>
+                <a:latin typeface="Times New Roman" panose="02020603050405020304" pitchFamily="18" charset="0"/>
+                <a:cs typeface="Times New Roman" panose="02020603050405020304" pitchFamily="18" charset="0"/>
+              </a:rPr>
+              <a:t>ưu</a:t>
+            </a:r>
+            <a:r>
+              <a:rPr lang="en-US" sz="3000" dirty="0">
+                <a:solidFill>
+                  <a:schemeClr val="tx1"/>
+                </a:solidFill>
+                <a:latin typeface="Times New Roman" panose="02020603050405020304" pitchFamily="18" charset="0"/>
+                <a:cs typeface="Times New Roman" panose="02020603050405020304" pitchFamily="18" charset="0"/>
+              </a:rPr>
+              <a:t> </a:t>
+            </a:r>
+            <a:r>
+              <a:rPr lang="en-US" sz="3000" dirty="0" err="1">
+                <a:solidFill>
+                  <a:schemeClr val="tx1"/>
+                </a:solidFill>
+                <a:latin typeface="Times New Roman" panose="02020603050405020304" pitchFamily="18" charset="0"/>
+                <a:cs typeface="Times New Roman" panose="02020603050405020304" pitchFamily="18" charset="0"/>
+              </a:rPr>
+              <a:t>hóa</a:t>
+            </a:r>
+            <a:r>
+              <a:rPr lang="en-US" sz="3000" dirty="0">
+                <a:solidFill>
+                  <a:schemeClr val="tx1"/>
+                </a:solidFill>
+                <a:latin typeface="Times New Roman" panose="02020603050405020304" pitchFamily="18" charset="0"/>
+                <a:cs typeface="Times New Roman" panose="02020603050405020304" pitchFamily="18" charset="0"/>
+              </a:rPr>
+              <a:t> </a:t>
+            </a:r>
+            <a:r>
+              <a:rPr lang="en-US" sz="3000" dirty="0" err="1">
+                <a:solidFill>
+                  <a:schemeClr val="tx1"/>
+                </a:solidFill>
+                <a:latin typeface="Times New Roman" panose="02020603050405020304" pitchFamily="18" charset="0"/>
+                <a:cs typeface="Times New Roman" panose="02020603050405020304" pitchFamily="18" charset="0"/>
+              </a:rPr>
+              <a:t>tốc</a:t>
+            </a:r>
+            <a:r>
+              <a:rPr lang="en-US" sz="3000" dirty="0">
+                <a:solidFill>
+                  <a:schemeClr val="tx1"/>
+                </a:solidFill>
+                <a:latin typeface="Times New Roman" panose="02020603050405020304" pitchFamily="18" charset="0"/>
+                <a:cs typeface="Times New Roman" panose="02020603050405020304" pitchFamily="18" charset="0"/>
+              </a:rPr>
+              <a:t> </a:t>
+            </a:r>
+            <a:r>
+              <a:rPr lang="en-US" sz="3000" dirty="0" err="1">
+                <a:solidFill>
+                  <a:schemeClr val="tx1"/>
+                </a:solidFill>
+                <a:latin typeface="Times New Roman" panose="02020603050405020304" pitchFamily="18" charset="0"/>
+                <a:cs typeface="Times New Roman" panose="02020603050405020304" pitchFamily="18" charset="0"/>
+              </a:rPr>
+              <a:t>độ</a:t>
+            </a:r>
+            <a:r>
+              <a:rPr lang="en-US" sz="3000" dirty="0">
+                <a:solidFill>
+                  <a:schemeClr val="tx1"/>
+                </a:solidFill>
+                <a:latin typeface="Times New Roman" panose="02020603050405020304" pitchFamily="18" charset="0"/>
+                <a:cs typeface="Times New Roman" panose="02020603050405020304" pitchFamily="18" charset="0"/>
+              </a:rPr>
+              <a:t> </a:t>
+            </a:r>
+            <a:r>
+              <a:rPr lang="en-US" sz="3000" dirty="0" err="1">
+                <a:solidFill>
+                  <a:schemeClr val="tx1"/>
+                </a:solidFill>
+                <a:latin typeface="Times New Roman" panose="02020603050405020304" pitchFamily="18" charset="0"/>
+                <a:cs typeface="Times New Roman" panose="02020603050405020304" pitchFamily="18" charset="0"/>
+              </a:rPr>
+              <a:t>tải</a:t>
+            </a:r>
+            <a:r>
+              <a:rPr lang="en-US" sz="3000" dirty="0">
+                <a:solidFill>
+                  <a:schemeClr val="tx1"/>
+                </a:solidFill>
+                <a:latin typeface="Times New Roman" panose="02020603050405020304" pitchFamily="18" charset="0"/>
+                <a:cs typeface="Times New Roman" panose="02020603050405020304" pitchFamily="18" charset="0"/>
+              </a:rPr>
+              <a:t> </a:t>
+            </a:r>
+            <a:r>
+              <a:rPr lang="en-US" sz="3000" dirty="0" err="1">
+                <a:solidFill>
+                  <a:schemeClr val="tx1"/>
+                </a:solidFill>
+                <a:latin typeface="Times New Roman" panose="02020603050405020304" pitchFamily="18" charset="0"/>
+                <a:cs typeface="Times New Roman" panose="02020603050405020304" pitchFamily="18" charset="0"/>
+              </a:rPr>
+              <a:t>trang</a:t>
+            </a:r>
+            <a:r>
+              <a:rPr lang="en-US" sz="3000" dirty="0">
+                <a:solidFill>
+                  <a:schemeClr val="tx1"/>
+                </a:solidFill>
+                <a:latin typeface="Times New Roman" panose="02020603050405020304" pitchFamily="18" charset="0"/>
+                <a:cs typeface="Times New Roman" panose="02020603050405020304" pitchFamily="18" charset="0"/>
+              </a:rPr>
+              <a:t> </a:t>
+            </a:r>
+            <a:r>
+              <a:rPr lang="en-US" sz="3000" dirty="0" err="1">
+                <a:solidFill>
+                  <a:schemeClr val="tx1"/>
+                </a:solidFill>
+                <a:latin typeface="Times New Roman" panose="02020603050405020304" pitchFamily="18" charset="0"/>
+                <a:cs typeface="Times New Roman" panose="02020603050405020304" pitchFamily="18" charset="0"/>
+              </a:rPr>
+              <a:t>bằng</a:t>
+            </a:r>
+            <a:r>
+              <a:rPr lang="en-US" sz="3000" dirty="0">
+                <a:solidFill>
+                  <a:schemeClr val="tx1"/>
+                </a:solidFill>
+                <a:latin typeface="Times New Roman" panose="02020603050405020304" pitchFamily="18" charset="0"/>
+                <a:cs typeface="Times New Roman" panose="02020603050405020304" pitchFamily="18" charset="0"/>
+              </a:rPr>
+              <a:t> </a:t>
+            </a:r>
+            <a:r>
+              <a:rPr lang="en-US" sz="3000" dirty="0" err="1">
+                <a:solidFill>
+                  <a:schemeClr val="tx1"/>
+                </a:solidFill>
+                <a:latin typeface="Times New Roman" panose="02020603050405020304" pitchFamily="18" charset="0"/>
+                <a:cs typeface="Times New Roman" panose="02020603050405020304" pitchFamily="18" charset="0"/>
+              </a:rPr>
+              <a:t>cách</a:t>
+            </a:r>
+            <a:r>
+              <a:rPr lang="en-US" sz="3000" dirty="0">
+                <a:solidFill>
+                  <a:schemeClr val="tx1"/>
+                </a:solidFill>
+                <a:latin typeface="Times New Roman" panose="02020603050405020304" pitchFamily="18" charset="0"/>
+                <a:cs typeface="Times New Roman" panose="02020603050405020304" pitchFamily="18" charset="0"/>
+              </a:rPr>
+              <a:t>: Minify </a:t>
+            </a:r>
+            <a:r>
+              <a:rPr lang="en-US" sz="3000" dirty="0" err="1">
+                <a:solidFill>
+                  <a:schemeClr val="tx1"/>
+                </a:solidFill>
+                <a:latin typeface="Times New Roman" panose="02020603050405020304" pitchFamily="18" charset="0"/>
+                <a:cs typeface="Times New Roman" panose="02020603050405020304" pitchFamily="18" charset="0"/>
+              </a:rPr>
+              <a:t>các</a:t>
+            </a:r>
+            <a:r>
+              <a:rPr lang="en-US" sz="3000" dirty="0">
+                <a:solidFill>
+                  <a:schemeClr val="tx1"/>
+                </a:solidFill>
+                <a:latin typeface="Times New Roman" panose="02020603050405020304" pitchFamily="18" charset="0"/>
+                <a:cs typeface="Times New Roman" panose="02020603050405020304" pitchFamily="18" charset="0"/>
+              </a:rPr>
+              <a:t> file JS, CSS. </a:t>
+            </a:r>
+            <a:r>
+              <a:rPr lang="en-US" sz="3000" dirty="0" err="1">
+                <a:solidFill>
+                  <a:schemeClr val="tx1"/>
+                </a:solidFill>
+                <a:latin typeface="Times New Roman" panose="02020603050405020304" pitchFamily="18" charset="0"/>
+                <a:cs typeface="Times New Roman" panose="02020603050405020304" pitchFamily="18" charset="0"/>
+              </a:rPr>
+              <a:t>Áp</a:t>
+            </a:r>
+            <a:r>
+              <a:rPr lang="en-US" sz="3000" dirty="0">
+                <a:solidFill>
+                  <a:schemeClr val="tx1"/>
+                </a:solidFill>
+                <a:latin typeface="Times New Roman" panose="02020603050405020304" pitchFamily="18" charset="0"/>
+                <a:cs typeface="Times New Roman" panose="02020603050405020304" pitchFamily="18" charset="0"/>
+              </a:rPr>
+              <a:t> </a:t>
+            </a:r>
+            <a:r>
+              <a:rPr lang="en-US" sz="3000" dirty="0" err="1">
+                <a:solidFill>
+                  <a:schemeClr val="tx1"/>
+                </a:solidFill>
+                <a:latin typeface="Times New Roman" panose="02020603050405020304" pitchFamily="18" charset="0"/>
+                <a:cs typeface="Times New Roman" panose="02020603050405020304" pitchFamily="18" charset="0"/>
+              </a:rPr>
+              <a:t>dụng</a:t>
+            </a:r>
+            <a:r>
+              <a:rPr lang="en-US" sz="3000" dirty="0">
+                <a:solidFill>
+                  <a:schemeClr val="tx1"/>
+                </a:solidFill>
+                <a:latin typeface="Times New Roman" panose="02020603050405020304" pitchFamily="18" charset="0"/>
+                <a:cs typeface="Times New Roman" panose="02020603050405020304" pitchFamily="18" charset="0"/>
+              </a:rPr>
+              <a:t> lazy loading.</a:t>
+            </a:r>
+          </a:p>
+          <a:p>
+            <a:pPr marL="285750" lvl="0" indent="-285750">
+              <a:buFont typeface="Wingdings" panose="05000000000000000000" pitchFamily="2" charset="2"/>
+              <a:buChar char="Ø"/>
+            </a:pPr>
+            <a:r>
+              <a:rPr lang="en-US" sz="3000" dirty="0" err="1">
+                <a:solidFill>
+                  <a:schemeClr val="tx1"/>
+                </a:solidFill>
+                <a:latin typeface="Times New Roman" panose="02020603050405020304" pitchFamily="18" charset="0"/>
+                <a:cs typeface="Times New Roman" panose="02020603050405020304" pitchFamily="18" charset="0"/>
+              </a:rPr>
+              <a:t>Tăng</a:t>
+            </a:r>
+            <a:r>
+              <a:rPr lang="en-US" sz="3000" dirty="0">
+                <a:solidFill>
+                  <a:schemeClr val="tx1"/>
+                </a:solidFill>
+                <a:latin typeface="Times New Roman" panose="02020603050405020304" pitchFamily="18" charset="0"/>
+                <a:cs typeface="Times New Roman" panose="02020603050405020304" pitchFamily="18" charset="0"/>
+              </a:rPr>
+              <a:t> </a:t>
+            </a:r>
+            <a:r>
+              <a:rPr lang="en-US" sz="3000" dirty="0" err="1">
+                <a:solidFill>
+                  <a:schemeClr val="tx1"/>
+                </a:solidFill>
+                <a:latin typeface="Times New Roman" panose="02020603050405020304" pitchFamily="18" charset="0"/>
+                <a:cs typeface="Times New Roman" panose="02020603050405020304" pitchFamily="18" charset="0"/>
+              </a:rPr>
+              <a:t>cường</a:t>
+            </a:r>
+            <a:r>
+              <a:rPr lang="en-US" sz="3000" dirty="0">
+                <a:solidFill>
+                  <a:schemeClr val="tx1"/>
+                </a:solidFill>
+                <a:latin typeface="Times New Roman" panose="02020603050405020304" pitchFamily="18" charset="0"/>
+                <a:cs typeface="Times New Roman" panose="02020603050405020304" pitchFamily="18" charset="0"/>
+              </a:rPr>
+              <a:t> </a:t>
+            </a:r>
+            <a:r>
+              <a:rPr lang="en-US" sz="3000" dirty="0" err="1">
+                <a:solidFill>
+                  <a:schemeClr val="tx1"/>
+                </a:solidFill>
+                <a:latin typeface="Times New Roman" panose="02020603050405020304" pitchFamily="18" charset="0"/>
+                <a:cs typeface="Times New Roman" panose="02020603050405020304" pitchFamily="18" charset="0"/>
+              </a:rPr>
+              <a:t>bảo</a:t>
+            </a:r>
+            <a:r>
+              <a:rPr lang="en-US" sz="3000" dirty="0">
+                <a:solidFill>
+                  <a:schemeClr val="tx1"/>
+                </a:solidFill>
+                <a:latin typeface="Times New Roman" panose="02020603050405020304" pitchFamily="18" charset="0"/>
+                <a:cs typeface="Times New Roman" panose="02020603050405020304" pitchFamily="18" charset="0"/>
+              </a:rPr>
+              <a:t> </a:t>
+            </a:r>
+            <a:r>
+              <a:rPr lang="en-US" sz="3000" dirty="0" err="1">
+                <a:solidFill>
+                  <a:schemeClr val="tx1"/>
+                </a:solidFill>
+                <a:latin typeface="Times New Roman" panose="02020603050405020304" pitchFamily="18" charset="0"/>
+                <a:cs typeface="Times New Roman" panose="02020603050405020304" pitchFamily="18" charset="0"/>
+              </a:rPr>
+              <a:t>mật</a:t>
+            </a:r>
+            <a:r>
+              <a:rPr lang="en-US" sz="3000" dirty="0">
+                <a:solidFill>
+                  <a:schemeClr val="tx1"/>
+                </a:solidFill>
+                <a:latin typeface="Times New Roman" panose="02020603050405020304" pitchFamily="18" charset="0"/>
+                <a:cs typeface="Times New Roman" panose="02020603050405020304" pitchFamily="18" charset="0"/>
+              </a:rPr>
+              <a:t>.</a:t>
+            </a:r>
+          </a:p>
+          <a:p>
+            <a:pPr marL="285750" lvl="0" indent="-285750">
+              <a:buFont typeface="Wingdings" panose="05000000000000000000" pitchFamily="2" charset="2"/>
+              <a:buChar char="Ø"/>
+            </a:pPr>
+            <a:r>
+              <a:rPr lang="en-US" sz="3000" dirty="0" err="1">
+                <a:solidFill>
+                  <a:schemeClr val="tx1"/>
+                </a:solidFill>
+                <a:latin typeface="Times New Roman" panose="02020603050405020304" pitchFamily="18" charset="0"/>
+                <a:cs typeface="Times New Roman" panose="02020603050405020304" pitchFamily="18" charset="0"/>
+              </a:rPr>
+              <a:t>Xây</a:t>
+            </a:r>
+            <a:r>
+              <a:rPr lang="en-US" sz="3000" dirty="0">
+                <a:solidFill>
+                  <a:schemeClr val="tx1"/>
+                </a:solidFill>
+                <a:latin typeface="Times New Roman" panose="02020603050405020304" pitchFamily="18" charset="0"/>
+                <a:cs typeface="Times New Roman" panose="02020603050405020304" pitchFamily="18" charset="0"/>
+              </a:rPr>
+              <a:t> </a:t>
+            </a:r>
+            <a:r>
+              <a:rPr lang="en-US" sz="3000" dirty="0" err="1">
+                <a:solidFill>
+                  <a:schemeClr val="tx1"/>
+                </a:solidFill>
+                <a:latin typeface="Times New Roman" panose="02020603050405020304" pitchFamily="18" charset="0"/>
+                <a:cs typeface="Times New Roman" panose="02020603050405020304" pitchFamily="18" charset="0"/>
+              </a:rPr>
+              <a:t>dựng</a:t>
+            </a:r>
+            <a:r>
+              <a:rPr lang="en-US" sz="3000" dirty="0">
+                <a:solidFill>
+                  <a:schemeClr val="tx1"/>
+                </a:solidFill>
+                <a:latin typeface="Times New Roman" panose="02020603050405020304" pitchFamily="18" charset="0"/>
+                <a:cs typeface="Times New Roman" panose="02020603050405020304" pitchFamily="18" charset="0"/>
+              </a:rPr>
+              <a:t> </a:t>
+            </a:r>
+            <a:r>
+              <a:rPr lang="en-US" sz="3000" dirty="0" err="1">
+                <a:solidFill>
+                  <a:schemeClr val="tx1"/>
+                </a:solidFill>
+                <a:latin typeface="Times New Roman" panose="02020603050405020304" pitchFamily="18" charset="0"/>
+                <a:cs typeface="Times New Roman" panose="02020603050405020304" pitchFamily="18" charset="0"/>
+              </a:rPr>
+              <a:t>hoàn</a:t>
+            </a:r>
+            <a:r>
+              <a:rPr lang="en-US" sz="3000" dirty="0">
+                <a:solidFill>
+                  <a:schemeClr val="tx1"/>
+                </a:solidFill>
+                <a:latin typeface="Times New Roman" panose="02020603050405020304" pitchFamily="18" charset="0"/>
+                <a:cs typeface="Times New Roman" panose="02020603050405020304" pitchFamily="18" charset="0"/>
+              </a:rPr>
+              <a:t> </a:t>
+            </a:r>
+            <a:r>
+              <a:rPr lang="en-US" sz="3000" dirty="0" err="1">
+                <a:solidFill>
+                  <a:schemeClr val="tx1"/>
+                </a:solidFill>
+                <a:latin typeface="Times New Roman" panose="02020603050405020304" pitchFamily="18" charset="0"/>
+                <a:cs typeface="Times New Roman" panose="02020603050405020304" pitchFamily="18" charset="0"/>
+              </a:rPr>
+              <a:t>thiện</a:t>
+            </a:r>
+            <a:r>
+              <a:rPr lang="en-US" sz="3000" dirty="0">
+                <a:solidFill>
+                  <a:schemeClr val="tx1"/>
+                </a:solidFill>
+                <a:latin typeface="Times New Roman" panose="02020603050405020304" pitchFamily="18" charset="0"/>
+                <a:cs typeface="Times New Roman" panose="02020603050405020304" pitchFamily="18" charset="0"/>
+              </a:rPr>
+              <a:t> </a:t>
+            </a:r>
+            <a:r>
+              <a:rPr lang="en-US" sz="3000" dirty="0" err="1">
+                <a:solidFill>
+                  <a:schemeClr val="tx1"/>
+                </a:solidFill>
+                <a:latin typeface="Times New Roman" panose="02020603050405020304" pitchFamily="18" charset="0"/>
+                <a:cs typeface="Times New Roman" panose="02020603050405020304" pitchFamily="18" charset="0"/>
+              </a:rPr>
+              <a:t>các</a:t>
+            </a:r>
+            <a:r>
+              <a:rPr lang="en-US" sz="3000" dirty="0">
+                <a:solidFill>
+                  <a:schemeClr val="tx1"/>
+                </a:solidFill>
+                <a:latin typeface="Times New Roman" panose="02020603050405020304" pitchFamily="18" charset="0"/>
+                <a:cs typeface="Times New Roman" panose="02020603050405020304" pitchFamily="18" charset="0"/>
+              </a:rPr>
+              <a:t> </a:t>
+            </a:r>
+            <a:r>
+              <a:rPr lang="en-US" sz="3000" dirty="0" err="1">
+                <a:solidFill>
+                  <a:schemeClr val="tx1"/>
+                </a:solidFill>
+                <a:latin typeface="Times New Roman" panose="02020603050405020304" pitchFamily="18" charset="0"/>
+                <a:cs typeface="Times New Roman" panose="02020603050405020304" pitchFamily="18" charset="0"/>
+              </a:rPr>
+              <a:t>tính</a:t>
+            </a:r>
+            <a:r>
+              <a:rPr lang="en-US" sz="3000" dirty="0">
+                <a:solidFill>
+                  <a:schemeClr val="tx1"/>
+                </a:solidFill>
+                <a:latin typeface="Times New Roman" panose="02020603050405020304" pitchFamily="18" charset="0"/>
+                <a:cs typeface="Times New Roman" panose="02020603050405020304" pitchFamily="18" charset="0"/>
+              </a:rPr>
+              <a:t> </a:t>
+            </a:r>
+            <a:r>
+              <a:rPr lang="en-US" sz="3000" dirty="0" err="1">
+                <a:solidFill>
+                  <a:schemeClr val="tx1"/>
+                </a:solidFill>
+                <a:latin typeface="Times New Roman" panose="02020603050405020304" pitchFamily="18" charset="0"/>
+                <a:cs typeface="Times New Roman" panose="02020603050405020304" pitchFamily="18" charset="0"/>
+              </a:rPr>
+              <a:t>năng</a:t>
+            </a:r>
+            <a:r>
+              <a:rPr lang="en-US" sz="3000" dirty="0">
+                <a:solidFill>
+                  <a:schemeClr val="tx1"/>
+                </a:solidFill>
+                <a:latin typeface="Times New Roman" panose="02020603050405020304" pitchFamily="18" charset="0"/>
+                <a:cs typeface="Times New Roman" panose="02020603050405020304" pitchFamily="18" charset="0"/>
+              </a:rPr>
+              <a:t> </a:t>
+            </a:r>
+            <a:r>
+              <a:rPr lang="en-US" sz="3000" dirty="0" err="1">
+                <a:solidFill>
+                  <a:schemeClr val="tx1"/>
+                </a:solidFill>
+                <a:latin typeface="Times New Roman" panose="02020603050405020304" pitchFamily="18" charset="0"/>
+                <a:cs typeface="Times New Roman" panose="02020603050405020304" pitchFamily="18" charset="0"/>
+              </a:rPr>
+              <a:t>còn</a:t>
+            </a:r>
+            <a:r>
+              <a:rPr lang="en-US" sz="3000" dirty="0">
+                <a:solidFill>
+                  <a:schemeClr val="tx1"/>
+                </a:solidFill>
+                <a:latin typeface="Times New Roman" panose="02020603050405020304" pitchFamily="18" charset="0"/>
+                <a:cs typeface="Times New Roman" panose="02020603050405020304" pitchFamily="18" charset="0"/>
+              </a:rPr>
+              <a:t> </a:t>
+            </a:r>
+            <a:r>
+              <a:rPr lang="en-US" sz="3000" dirty="0" err="1">
+                <a:solidFill>
+                  <a:schemeClr val="tx1"/>
+                </a:solidFill>
+                <a:latin typeface="Times New Roman" panose="02020603050405020304" pitchFamily="18" charset="0"/>
+                <a:cs typeface="Times New Roman" panose="02020603050405020304" pitchFamily="18" charset="0"/>
+              </a:rPr>
+              <a:t>thiếu</a:t>
+            </a:r>
+            <a:r>
+              <a:rPr lang="en-US" sz="3000" dirty="0">
+                <a:solidFill>
+                  <a:schemeClr val="tx1"/>
+                </a:solidFill>
+                <a:latin typeface="Times New Roman" panose="02020603050405020304" pitchFamily="18" charset="0"/>
+                <a:cs typeface="Times New Roman" panose="02020603050405020304" pitchFamily="18" charset="0"/>
+              </a:rPr>
+              <a:t>: </a:t>
+            </a:r>
+            <a:r>
+              <a:rPr lang="en-US" sz="3000" dirty="0" err="1">
+                <a:solidFill>
+                  <a:schemeClr val="tx1"/>
+                </a:solidFill>
+                <a:latin typeface="Times New Roman" panose="02020603050405020304" pitchFamily="18" charset="0"/>
+                <a:cs typeface="Times New Roman" panose="02020603050405020304" pitchFamily="18" charset="0"/>
+              </a:rPr>
+              <a:t>nhập</a:t>
+            </a:r>
+            <a:r>
+              <a:rPr lang="en-US" sz="3000" dirty="0">
+                <a:solidFill>
+                  <a:schemeClr val="tx1"/>
+                </a:solidFill>
+                <a:latin typeface="Times New Roman" panose="02020603050405020304" pitchFamily="18" charset="0"/>
+                <a:cs typeface="Times New Roman" panose="02020603050405020304" pitchFamily="18" charset="0"/>
+              </a:rPr>
+              <a:t> </a:t>
+            </a:r>
+            <a:r>
+              <a:rPr lang="en-US" sz="3000" dirty="0" err="1">
+                <a:solidFill>
+                  <a:schemeClr val="tx1"/>
+                </a:solidFill>
+                <a:latin typeface="Times New Roman" panose="02020603050405020304" pitchFamily="18" charset="0"/>
+                <a:cs typeface="Times New Roman" panose="02020603050405020304" pitchFamily="18" charset="0"/>
+              </a:rPr>
+              <a:t>xuất</a:t>
+            </a:r>
+            <a:r>
+              <a:rPr lang="en-US" sz="3000" dirty="0">
+                <a:solidFill>
+                  <a:schemeClr val="tx1"/>
+                </a:solidFill>
+                <a:latin typeface="Times New Roman" panose="02020603050405020304" pitchFamily="18" charset="0"/>
+                <a:cs typeface="Times New Roman" panose="02020603050405020304" pitchFamily="18" charset="0"/>
+              </a:rPr>
+              <a:t> </a:t>
+            </a:r>
+            <a:r>
+              <a:rPr lang="en-US" sz="3000" dirty="0" err="1">
+                <a:solidFill>
+                  <a:schemeClr val="tx1"/>
+                </a:solidFill>
+                <a:latin typeface="Times New Roman" panose="02020603050405020304" pitchFamily="18" charset="0"/>
+                <a:cs typeface="Times New Roman" panose="02020603050405020304" pitchFamily="18" charset="0"/>
+              </a:rPr>
+              <a:t>dữ</a:t>
+            </a:r>
+            <a:r>
+              <a:rPr lang="en-US" sz="3000" dirty="0">
+                <a:solidFill>
+                  <a:schemeClr val="tx1"/>
+                </a:solidFill>
+                <a:latin typeface="Times New Roman" panose="02020603050405020304" pitchFamily="18" charset="0"/>
+                <a:cs typeface="Times New Roman" panose="02020603050405020304" pitchFamily="18" charset="0"/>
+              </a:rPr>
+              <a:t> </a:t>
+            </a:r>
+            <a:r>
+              <a:rPr lang="en-US" sz="3000" dirty="0" err="1">
+                <a:solidFill>
+                  <a:schemeClr val="tx1"/>
+                </a:solidFill>
+                <a:latin typeface="Times New Roman" panose="02020603050405020304" pitchFamily="18" charset="0"/>
+                <a:cs typeface="Times New Roman" panose="02020603050405020304" pitchFamily="18" charset="0"/>
+              </a:rPr>
+              <a:t>liệu</a:t>
+            </a:r>
+            <a:r>
+              <a:rPr lang="en-US" sz="3000" dirty="0">
+                <a:solidFill>
+                  <a:schemeClr val="tx1"/>
+                </a:solidFill>
+                <a:latin typeface="Times New Roman" panose="02020603050405020304" pitchFamily="18" charset="0"/>
+                <a:cs typeface="Times New Roman" panose="02020603050405020304" pitchFamily="18" charset="0"/>
+              </a:rPr>
+              <a:t> </a:t>
+            </a:r>
+            <a:r>
+              <a:rPr lang="en-US" sz="3000" dirty="0" err="1">
+                <a:solidFill>
+                  <a:schemeClr val="tx1"/>
+                </a:solidFill>
+                <a:latin typeface="Times New Roman" panose="02020603050405020304" pitchFamily="18" charset="0"/>
+                <a:cs typeface="Times New Roman" panose="02020603050405020304" pitchFamily="18" charset="0"/>
+              </a:rPr>
+              <a:t>từ</a:t>
+            </a:r>
+            <a:r>
+              <a:rPr lang="en-US" sz="3000" dirty="0">
+                <a:solidFill>
+                  <a:schemeClr val="tx1"/>
+                </a:solidFill>
+                <a:latin typeface="Times New Roman" panose="02020603050405020304" pitchFamily="18" charset="0"/>
+                <a:cs typeface="Times New Roman" panose="02020603050405020304" pitchFamily="18" charset="0"/>
+              </a:rPr>
+              <a:t> file excel, </a:t>
+            </a:r>
+            <a:r>
+              <a:rPr lang="en-US" sz="3000" dirty="0" err="1">
+                <a:solidFill>
+                  <a:schemeClr val="tx1"/>
+                </a:solidFill>
+                <a:latin typeface="Times New Roman" panose="02020603050405020304" pitchFamily="18" charset="0"/>
+                <a:cs typeface="Times New Roman" panose="02020603050405020304" pitchFamily="18" charset="0"/>
+              </a:rPr>
+              <a:t>chức</a:t>
+            </a:r>
+            <a:r>
+              <a:rPr lang="en-US" sz="3000" dirty="0">
+                <a:solidFill>
+                  <a:schemeClr val="tx1"/>
+                </a:solidFill>
+                <a:latin typeface="Times New Roman" panose="02020603050405020304" pitchFamily="18" charset="0"/>
+                <a:cs typeface="Times New Roman" panose="02020603050405020304" pitchFamily="18" charset="0"/>
+              </a:rPr>
+              <a:t> </a:t>
+            </a:r>
+            <a:r>
+              <a:rPr lang="en-US" sz="3000" dirty="0" err="1">
+                <a:solidFill>
+                  <a:schemeClr val="tx1"/>
+                </a:solidFill>
+                <a:latin typeface="Times New Roman" panose="02020603050405020304" pitchFamily="18" charset="0"/>
+                <a:cs typeface="Times New Roman" panose="02020603050405020304" pitchFamily="18" charset="0"/>
+              </a:rPr>
+              <a:t>năng</a:t>
+            </a:r>
+            <a:r>
+              <a:rPr lang="en-US" sz="3000" dirty="0">
+                <a:solidFill>
+                  <a:schemeClr val="tx1"/>
+                </a:solidFill>
+                <a:latin typeface="Times New Roman" panose="02020603050405020304" pitchFamily="18" charset="0"/>
+                <a:cs typeface="Times New Roman" panose="02020603050405020304" pitchFamily="18" charset="0"/>
+              </a:rPr>
+              <a:t> in.</a:t>
+            </a:r>
+          </a:p>
+          <a:p>
+            <a:pPr marL="285750" lvl="0" indent="-285750">
+              <a:buFont typeface="Wingdings" panose="05000000000000000000" pitchFamily="2" charset="2"/>
+              <a:buChar char="Ø"/>
+            </a:pPr>
+            <a:r>
+              <a:rPr lang="en-US" sz="3000" dirty="0" err="1">
+                <a:solidFill>
+                  <a:schemeClr val="tx1"/>
+                </a:solidFill>
+                <a:latin typeface="Times New Roman" panose="02020603050405020304" pitchFamily="18" charset="0"/>
+                <a:cs typeface="Times New Roman" panose="02020603050405020304" pitchFamily="18" charset="0"/>
+              </a:rPr>
+              <a:t>Hoàn</a:t>
+            </a:r>
+            <a:r>
+              <a:rPr lang="en-US" sz="3000" dirty="0">
+                <a:solidFill>
+                  <a:schemeClr val="tx1"/>
+                </a:solidFill>
+                <a:latin typeface="Times New Roman" panose="02020603050405020304" pitchFamily="18" charset="0"/>
+                <a:cs typeface="Times New Roman" panose="02020603050405020304" pitchFamily="18" charset="0"/>
+              </a:rPr>
+              <a:t> </a:t>
+            </a:r>
+            <a:r>
+              <a:rPr lang="en-US" sz="3000" dirty="0" err="1">
+                <a:solidFill>
+                  <a:schemeClr val="tx1"/>
+                </a:solidFill>
+                <a:latin typeface="Times New Roman" panose="02020603050405020304" pitchFamily="18" charset="0"/>
+                <a:cs typeface="Times New Roman" panose="02020603050405020304" pitchFamily="18" charset="0"/>
+              </a:rPr>
+              <a:t>thiện</a:t>
+            </a:r>
+            <a:r>
+              <a:rPr lang="en-US" sz="3000" dirty="0">
+                <a:solidFill>
+                  <a:schemeClr val="tx1"/>
+                </a:solidFill>
+                <a:latin typeface="Times New Roman" panose="02020603050405020304" pitchFamily="18" charset="0"/>
+                <a:cs typeface="Times New Roman" panose="02020603050405020304" pitchFamily="18" charset="0"/>
+              </a:rPr>
+              <a:t> </a:t>
+            </a:r>
+            <a:r>
+              <a:rPr lang="en-US" sz="3000" dirty="0" err="1">
+                <a:solidFill>
+                  <a:schemeClr val="tx1"/>
+                </a:solidFill>
+                <a:latin typeface="Times New Roman" panose="02020603050405020304" pitchFamily="18" charset="0"/>
+                <a:cs typeface="Times New Roman" panose="02020603050405020304" pitchFamily="18" charset="0"/>
+              </a:rPr>
+              <a:t>quản</a:t>
+            </a:r>
+            <a:r>
+              <a:rPr lang="en-US" sz="3000" dirty="0">
+                <a:solidFill>
+                  <a:schemeClr val="tx1"/>
+                </a:solidFill>
+                <a:latin typeface="Times New Roman" panose="02020603050405020304" pitchFamily="18" charset="0"/>
+                <a:cs typeface="Times New Roman" panose="02020603050405020304" pitchFamily="18" charset="0"/>
+              </a:rPr>
+              <a:t> </a:t>
+            </a:r>
+            <a:r>
+              <a:rPr lang="en-US" sz="3000" dirty="0" err="1">
+                <a:solidFill>
+                  <a:schemeClr val="tx1"/>
+                </a:solidFill>
+                <a:latin typeface="Times New Roman" panose="02020603050405020304" pitchFamily="18" charset="0"/>
+                <a:cs typeface="Times New Roman" panose="02020603050405020304" pitchFamily="18" charset="0"/>
+              </a:rPr>
+              <a:t>lý</a:t>
+            </a:r>
+            <a:r>
+              <a:rPr lang="en-US" sz="3000" dirty="0">
+                <a:solidFill>
+                  <a:schemeClr val="tx1"/>
+                </a:solidFill>
+                <a:latin typeface="Times New Roman" panose="02020603050405020304" pitchFamily="18" charset="0"/>
+                <a:cs typeface="Times New Roman" panose="02020603050405020304" pitchFamily="18" charset="0"/>
+              </a:rPr>
+              <a:t> </a:t>
+            </a:r>
+            <a:r>
+              <a:rPr lang="en-US" sz="3000" dirty="0" err="1">
+                <a:solidFill>
+                  <a:schemeClr val="tx1"/>
+                </a:solidFill>
+                <a:latin typeface="Times New Roman" panose="02020603050405020304" pitchFamily="18" charset="0"/>
+                <a:cs typeface="Times New Roman" panose="02020603050405020304" pitchFamily="18" charset="0"/>
+              </a:rPr>
+              <a:t>hàng</a:t>
+            </a:r>
+            <a:r>
+              <a:rPr lang="en-US" sz="3000" dirty="0">
+                <a:solidFill>
+                  <a:schemeClr val="tx1"/>
+                </a:solidFill>
+                <a:latin typeface="Times New Roman" panose="02020603050405020304" pitchFamily="18" charset="0"/>
+                <a:cs typeface="Times New Roman" panose="02020603050405020304" pitchFamily="18" charset="0"/>
+              </a:rPr>
+              <a:t> </a:t>
+            </a:r>
+            <a:r>
+              <a:rPr lang="en-US" sz="3000" dirty="0" err="1">
+                <a:solidFill>
+                  <a:schemeClr val="tx1"/>
+                </a:solidFill>
+                <a:latin typeface="Times New Roman" panose="02020603050405020304" pitchFamily="18" charset="0"/>
+                <a:cs typeface="Times New Roman" panose="02020603050405020304" pitchFamily="18" charset="0"/>
+              </a:rPr>
+              <a:t>hóa</a:t>
+            </a:r>
+            <a:r>
+              <a:rPr lang="en-US" sz="3000" dirty="0">
+                <a:solidFill>
+                  <a:schemeClr val="tx1"/>
+                </a:solidFill>
+                <a:latin typeface="Times New Roman" panose="02020603050405020304" pitchFamily="18" charset="0"/>
+                <a:cs typeface="Times New Roman" panose="02020603050405020304" pitchFamily="18" charset="0"/>
+              </a:rPr>
+              <a:t>, </a:t>
+            </a:r>
+            <a:r>
+              <a:rPr lang="en-US" sz="3000" dirty="0" err="1">
+                <a:solidFill>
+                  <a:schemeClr val="tx1"/>
+                </a:solidFill>
+                <a:latin typeface="Times New Roman" panose="02020603050405020304" pitchFamily="18" charset="0"/>
+                <a:cs typeface="Times New Roman" panose="02020603050405020304" pitchFamily="18" charset="0"/>
+              </a:rPr>
+              <a:t>đơn</a:t>
+            </a:r>
+            <a:r>
+              <a:rPr lang="en-US" sz="3000" dirty="0">
+                <a:solidFill>
+                  <a:schemeClr val="tx1"/>
+                </a:solidFill>
+                <a:latin typeface="Times New Roman" panose="02020603050405020304" pitchFamily="18" charset="0"/>
+                <a:cs typeface="Times New Roman" panose="02020603050405020304" pitchFamily="18" charset="0"/>
+              </a:rPr>
+              <a:t> </a:t>
+            </a:r>
+            <a:r>
+              <a:rPr lang="en-US" sz="3000" dirty="0" err="1">
+                <a:solidFill>
+                  <a:schemeClr val="tx1"/>
+                </a:solidFill>
+                <a:latin typeface="Times New Roman" panose="02020603050405020304" pitchFamily="18" charset="0"/>
+                <a:cs typeface="Times New Roman" panose="02020603050405020304" pitchFamily="18" charset="0"/>
+              </a:rPr>
+              <a:t>hàng</a:t>
+            </a:r>
+            <a:r>
+              <a:rPr lang="en-US" sz="3000" dirty="0">
+                <a:solidFill>
+                  <a:schemeClr val="tx1"/>
+                </a:solidFill>
+                <a:latin typeface="Times New Roman" panose="02020603050405020304" pitchFamily="18" charset="0"/>
+                <a:cs typeface="Times New Roman" panose="02020603050405020304" pitchFamily="18" charset="0"/>
+              </a:rPr>
+              <a:t>, con </a:t>
+            </a:r>
+            <a:r>
+              <a:rPr lang="en-US" sz="3000" dirty="0" err="1">
+                <a:solidFill>
+                  <a:schemeClr val="tx1"/>
+                </a:solidFill>
+                <a:latin typeface="Times New Roman" panose="02020603050405020304" pitchFamily="18" charset="0"/>
+                <a:cs typeface="Times New Roman" panose="02020603050405020304" pitchFamily="18" charset="0"/>
+              </a:rPr>
+              <a:t>người</a:t>
+            </a:r>
+            <a:r>
+              <a:rPr lang="en-US" sz="3000" dirty="0">
+                <a:solidFill>
+                  <a:schemeClr val="tx1"/>
+                </a:solidFill>
+                <a:latin typeface="Times New Roman" panose="02020603050405020304" pitchFamily="18" charset="0"/>
+                <a:cs typeface="Times New Roman" panose="02020603050405020304" pitchFamily="18" charset="0"/>
+              </a:rPr>
+              <a:t>,… </a:t>
+            </a:r>
+            <a:r>
+              <a:rPr lang="en-US" sz="3000" dirty="0" err="1">
+                <a:solidFill>
+                  <a:schemeClr val="tx1"/>
+                </a:solidFill>
+                <a:latin typeface="Times New Roman" panose="02020603050405020304" pitchFamily="18" charset="0"/>
+                <a:cs typeface="Times New Roman" panose="02020603050405020304" pitchFamily="18" charset="0"/>
+              </a:rPr>
+              <a:t>theo</a:t>
+            </a:r>
+            <a:r>
+              <a:rPr lang="en-US" sz="3000" dirty="0">
+                <a:solidFill>
+                  <a:schemeClr val="tx1"/>
+                </a:solidFill>
+                <a:latin typeface="Times New Roman" panose="02020603050405020304" pitchFamily="18" charset="0"/>
+                <a:cs typeface="Times New Roman" panose="02020603050405020304" pitchFamily="18" charset="0"/>
+              </a:rPr>
+              <a:t> chi </a:t>
+            </a:r>
+            <a:r>
+              <a:rPr lang="en-US" sz="3000" dirty="0" err="1">
+                <a:solidFill>
+                  <a:schemeClr val="tx1"/>
+                </a:solidFill>
+                <a:latin typeface="Times New Roman" panose="02020603050405020304" pitchFamily="18" charset="0"/>
+                <a:cs typeface="Times New Roman" panose="02020603050405020304" pitchFamily="18" charset="0"/>
+              </a:rPr>
+              <a:t>nhánh</a:t>
+            </a:r>
+            <a:r>
+              <a:rPr lang="en-US" sz="3000" dirty="0">
+                <a:solidFill>
+                  <a:schemeClr val="tx1"/>
+                </a:solidFill>
+                <a:latin typeface="Times New Roman" panose="02020603050405020304" pitchFamily="18" charset="0"/>
+                <a:cs typeface="Times New Roman" panose="02020603050405020304" pitchFamily="18" charset="0"/>
+              </a:rPr>
+              <a:t>.</a:t>
+            </a:r>
+          </a:p>
+          <a:p>
+            <a:pPr marL="285750" lvl="0" indent="-285750">
+              <a:buFont typeface="Wingdings" panose="05000000000000000000" pitchFamily="2" charset="2"/>
+              <a:buChar char="Ø"/>
+            </a:pPr>
+            <a:r>
+              <a:rPr lang="en-US" sz="3000" dirty="0" err="1">
+                <a:solidFill>
+                  <a:schemeClr val="tx1"/>
+                </a:solidFill>
+                <a:latin typeface="Times New Roman" panose="02020603050405020304" pitchFamily="18" charset="0"/>
+                <a:cs typeface="Times New Roman" panose="02020603050405020304" pitchFamily="18" charset="0"/>
+              </a:rPr>
+              <a:t>Xây</a:t>
+            </a:r>
+            <a:r>
+              <a:rPr lang="en-US" sz="3000" dirty="0">
+                <a:solidFill>
+                  <a:schemeClr val="tx1"/>
+                </a:solidFill>
+                <a:latin typeface="Times New Roman" panose="02020603050405020304" pitchFamily="18" charset="0"/>
+                <a:cs typeface="Times New Roman" panose="02020603050405020304" pitchFamily="18" charset="0"/>
+              </a:rPr>
+              <a:t> </a:t>
+            </a:r>
+            <a:r>
+              <a:rPr lang="en-US" sz="3000" dirty="0" err="1">
+                <a:solidFill>
+                  <a:schemeClr val="tx1"/>
+                </a:solidFill>
+                <a:latin typeface="Times New Roman" panose="02020603050405020304" pitchFamily="18" charset="0"/>
+                <a:cs typeface="Times New Roman" panose="02020603050405020304" pitchFamily="18" charset="0"/>
+              </a:rPr>
+              <a:t>dựng</a:t>
+            </a:r>
+            <a:r>
+              <a:rPr lang="en-US" sz="3000" dirty="0">
+                <a:solidFill>
+                  <a:schemeClr val="tx1"/>
+                </a:solidFill>
+                <a:latin typeface="Times New Roman" panose="02020603050405020304" pitchFamily="18" charset="0"/>
+                <a:cs typeface="Times New Roman" panose="02020603050405020304" pitchFamily="18" charset="0"/>
+              </a:rPr>
+              <a:t> </a:t>
+            </a:r>
+            <a:r>
+              <a:rPr lang="en-US" sz="3000" dirty="0" err="1">
+                <a:solidFill>
+                  <a:schemeClr val="tx1"/>
+                </a:solidFill>
+                <a:latin typeface="Times New Roman" panose="02020603050405020304" pitchFamily="18" charset="0"/>
+                <a:cs typeface="Times New Roman" panose="02020603050405020304" pitchFamily="18" charset="0"/>
+              </a:rPr>
+              <a:t>tính</a:t>
+            </a:r>
+            <a:r>
+              <a:rPr lang="en-US" sz="3000" dirty="0">
+                <a:solidFill>
+                  <a:schemeClr val="tx1"/>
+                </a:solidFill>
+                <a:latin typeface="Times New Roman" panose="02020603050405020304" pitchFamily="18" charset="0"/>
+                <a:cs typeface="Times New Roman" panose="02020603050405020304" pitchFamily="18" charset="0"/>
+              </a:rPr>
+              <a:t> </a:t>
+            </a:r>
+            <a:r>
+              <a:rPr lang="en-US" sz="3000" dirty="0" err="1">
+                <a:solidFill>
+                  <a:schemeClr val="tx1"/>
+                </a:solidFill>
+                <a:latin typeface="Times New Roman" panose="02020603050405020304" pitchFamily="18" charset="0"/>
+                <a:cs typeface="Times New Roman" panose="02020603050405020304" pitchFamily="18" charset="0"/>
+              </a:rPr>
+              <a:t>năng</a:t>
+            </a:r>
+            <a:r>
+              <a:rPr lang="en-US" sz="3000" dirty="0">
+                <a:solidFill>
+                  <a:schemeClr val="tx1"/>
+                </a:solidFill>
+                <a:latin typeface="Times New Roman" panose="02020603050405020304" pitchFamily="18" charset="0"/>
+                <a:cs typeface="Times New Roman" panose="02020603050405020304" pitchFamily="18" charset="0"/>
+              </a:rPr>
+              <a:t> </a:t>
+            </a:r>
+            <a:r>
+              <a:rPr lang="en-US" sz="3000" dirty="0" err="1">
+                <a:solidFill>
+                  <a:schemeClr val="tx1"/>
+                </a:solidFill>
+                <a:latin typeface="Times New Roman" panose="02020603050405020304" pitchFamily="18" charset="0"/>
+                <a:cs typeface="Times New Roman" panose="02020603050405020304" pitchFamily="18" charset="0"/>
+              </a:rPr>
+              <a:t>cân</a:t>
+            </a:r>
+            <a:r>
+              <a:rPr lang="en-US" sz="3000" dirty="0">
+                <a:solidFill>
+                  <a:schemeClr val="tx1"/>
+                </a:solidFill>
+                <a:latin typeface="Times New Roman" panose="02020603050405020304" pitchFamily="18" charset="0"/>
+                <a:cs typeface="Times New Roman" panose="02020603050405020304" pitchFamily="18" charset="0"/>
+              </a:rPr>
+              <a:t> </a:t>
+            </a:r>
+            <a:r>
+              <a:rPr lang="en-US" sz="3000" dirty="0" err="1">
+                <a:solidFill>
+                  <a:schemeClr val="tx1"/>
+                </a:solidFill>
+                <a:latin typeface="Times New Roman" panose="02020603050405020304" pitchFamily="18" charset="0"/>
+                <a:cs typeface="Times New Roman" panose="02020603050405020304" pitchFamily="18" charset="0"/>
+              </a:rPr>
+              <a:t>điện</a:t>
+            </a:r>
+            <a:r>
+              <a:rPr lang="en-US" sz="3000" dirty="0">
+                <a:solidFill>
+                  <a:schemeClr val="tx1"/>
+                </a:solidFill>
+                <a:latin typeface="Times New Roman" panose="02020603050405020304" pitchFamily="18" charset="0"/>
+                <a:cs typeface="Times New Roman" panose="02020603050405020304" pitchFamily="18" charset="0"/>
+              </a:rPr>
+              <a:t> </a:t>
+            </a:r>
+            <a:r>
+              <a:rPr lang="en-US" sz="3000" dirty="0" err="1">
+                <a:solidFill>
+                  <a:schemeClr val="tx1"/>
+                </a:solidFill>
+                <a:latin typeface="Times New Roman" panose="02020603050405020304" pitchFamily="18" charset="0"/>
+                <a:cs typeface="Times New Roman" panose="02020603050405020304" pitchFamily="18" charset="0"/>
+              </a:rPr>
+              <a:t>tử</a:t>
+            </a:r>
+            <a:r>
+              <a:rPr lang="en-US" sz="3000" dirty="0">
+                <a:solidFill>
+                  <a:schemeClr val="tx1"/>
+                </a:solidFill>
+                <a:latin typeface="Times New Roman" panose="02020603050405020304" pitchFamily="18" charset="0"/>
+                <a:cs typeface="Times New Roman" panose="02020603050405020304" pitchFamily="18" charset="0"/>
+              </a:rPr>
+              <a:t>, </a:t>
+            </a:r>
+            <a:r>
+              <a:rPr lang="en-US" sz="3000" dirty="0" err="1">
+                <a:solidFill>
+                  <a:schemeClr val="tx1"/>
+                </a:solidFill>
+                <a:latin typeface="Times New Roman" panose="02020603050405020304" pitchFamily="18" charset="0"/>
+                <a:cs typeface="Times New Roman" panose="02020603050405020304" pitchFamily="18" charset="0"/>
+              </a:rPr>
+              <a:t>tích</a:t>
+            </a:r>
+            <a:r>
+              <a:rPr lang="en-US" sz="3000" dirty="0">
+                <a:solidFill>
+                  <a:schemeClr val="tx1"/>
+                </a:solidFill>
+                <a:latin typeface="Times New Roman" panose="02020603050405020304" pitchFamily="18" charset="0"/>
+                <a:cs typeface="Times New Roman" panose="02020603050405020304" pitchFamily="18" charset="0"/>
+              </a:rPr>
+              <a:t> </a:t>
+            </a:r>
+            <a:r>
+              <a:rPr lang="en-US" sz="3000" dirty="0" err="1">
+                <a:solidFill>
+                  <a:schemeClr val="tx1"/>
+                </a:solidFill>
+                <a:latin typeface="Times New Roman" panose="02020603050405020304" pitchFamily="18" charset="0"/>
+                <a:cs typeface="Times New Roman" panose="02020603050405020304" pitchFamily="18" charset="0"/>
+              </a:rPr>
+              <a:t>lũy</a:t>
+            </a:r>
+            <a:r>
+              <a:rPr lang="en-US" sz="3000" dirty="0">
+                <a:solidFill>
+                  <a:schemeClr val="tx1"/>
+                </a:solidFill>
+                <a:latin typeface="Times New Roman" panose="02020603050405020304" pitchFamily="18" charset="0"/>
+                <a:cs typeface="Times New Roman" panose="02020603050405020304" pitchFamily="18" charset="0"/>
+              </a:rPr>
+              <a:t> </a:t>
+            </a:r>
+            <a:r>
+              <a:rPr lang="en-US" sz="3000" dirty="0" err="1">
+                <a:solidFill>
+                  <a:schemeClr val="tx1"/>
+                </a:solidFill>
+                <a:latin typeface="Times New Roman" panose="02020603050405020304" pitchFamily="18" charset="0"/>
+                <a:cs typeface="Times New Roman" panose="02020603050405020304" pitchFamily="18" charset="0"/>
+              </a:rPr>
+              <a:t>điểm</a:t>
+            </a:r>
+            <a:r>
+              <a:rPr lang="en-US" sz="3000" dirty="0">
+                <a:solidFill>
+                  <a:schemeClr val="tx1"/>
+                </a:solidFill>
+                <a:latin typeface="Times New Roman" panose="02020603050405020304" pitchFamily="18" charset="0"/>
+                <a:cs typeface="Times New Roman" panose="02020603050405020304" pitchFamily="18" charset="0"/>
+              </a:rPr>
+              <a:t> </a:t>
+            </a:r>
+            <a:r>
+              <a:rPr lang="en-US" sz="3000" dirty="0" err="1">
+                <a:solidFill>
+                  <a:schemeClr val="tx1"/>
+                </a:solidFill>
+                <a:latin typeface="Times New Roman" panose="02020603050405020304" pitchFamily="18" charset="0"/>
+                <a:cs typeface="Times New Roman" panose="02020603050405020304" pitchFamily="18" charset="0"/>
+              </a:rPr>
+              <a:t>thưởng</a:t>
+            </a:r>
+            <a:r>
+              <a:rPr lang="en-US" sz="3000" dirty="0">
+                <a:solidFill>
+                  <a:schemeClr val="tx1"/>
+                </a:solidFill>
+                <a:latin typeface="Times New Roman" panose="02020603050405020304" pitchFamily="18" charset="0"/>
+                <a:cs typeface="Times New Roman" panose="02020603050405020304" pitchFamily="18" charset="0"/>
+              </a:rPr>
+              <a:t> </a:t>
+            </a:r>
+            <a:r>
+              <a:rPr lang="en-US" sz="3000" dirty="0" err="1">
+                <a:solidFill>
+                  <a:schemeClr val="tx1"/>
+                </a:solidFill>
+                <a:latin typeface="Times New Roman" panose="02020603050405020304" pitchFamily="18" charset="0"/>
+                <a:cs typeface="Times New Roman" panose="02020603050405020304" pitchFamily="18" charset="0"/>
+              </a:rPr>
+              <a:t>cho</a:t>
+            </a:r>
+            <a:r>
+              <a:rPr lang="en-US" sz="3000" dirty="0">
+                <a:solidFill>
+                  <a:schemeClr val="tx1"/>
+                </a:solidFill>
+                <a:latin typeface="Times New Roman" panose="02020603050405020304" pitchFamily="18" charset="0"/>
+                <a:cs typeface="Times New Roman" panose="02020603050405020304" pitchFamily="18" charset="0"/>
+              </a:rPr>
+              <a:t> </a:t>
+            </a:r>
+            <a:r>
+              <a:rPr lang="en-US" sz="3000" dirty="0" err="1">
+                <a:solidFill>
+                  <a:schemeClr val="tx1"/>
+                </a:solidFill>
+                <a:latin typeface="Times New Roman" panose="02020603050405020304" pitchFamily="18" charset="0"/>
+                <a:cs typeface="Times New Roman" panose="02020603050405020304" pitchFamily="18" charset="0"/>
+              </a:rPr>
+              <a:t>khách</a:t>
+            </a:r>
+            <a:r>
+              <a:rPr lang="en-US" sz="3000" dirty="0">
+                <a:solidFill>
+                  <a:schemeClr val="tx1"/>
+                </a:solidFill>
+                <a:latin typeface="Times New Roman" panose="02020603050405020304" pitchFamily="18" charset="0"/>
+                <a:cs typeface="Times New Roman" panose="02020603050405020304" pitchFamily="18" charset="0"/>
+              </a:rPr>
+              <a:t> </a:t>
+            </a:r>
+            <a:r>
+              <a:rPr lang="en-US" sz="3000" dirty="0" err="1">
+                <a:solidFill>
+                  <a:schemeClr val="tx1"/>
+                </a:solidFill>
+                <a:latin typeface="Times New Roman" panose="02020603050405020304" pitchFamily="18" charset="0"/>
+                <a:cs typeface="Times New Roman" panose="02020603050405020304" pitchFamily="18" charset="0"/>
+              </a:rPr>
+              <a:t>hàng</a:t>
+            </a:r>
+            <a:r>
+              <a:rPr lang="en-US" sz="3000" dirty="0">
+                <a:solidFill>
+                  <a:schemeClr val="tx1"/>
+                </a:solidFill>
+                <a:latin typeface="Times New Roman" panose="02020603050405020304" pitchFamily="18" charset="0"/>
+                <a:cs typeface="Times New Roman" panose="02020603050405020304" pitchFamily="18" charset="0"/>
+              </a:rPr>
+              <a:t>.</a:t>
+            </a:r>
+          </a:p>
+          <a:p>
+            <a:pPr marL="285750" lvl="0" indent="-285750">
+              <a:buFont typeface="Wingdings" panose="05000000000000000000" pitchFamily="2" charset="2"/>
+              <a:buChar char="Ø"/>
+            </a:pPr>
+            <a:r>
+              <a:rPr lang="en-US" sz="3000" dirty="0" err="1">
+                <a:solidFill>
+                  <a:schemeClr val="tx1"/>
+                </a:solidFill>
+                <a:latin typeface="Times New Roman" panose="02020603050405020304" pitchFamily="18" charset="0"/>
+                <a:cs typeface="Times New Roman" panose="02020603050405020304" pitchFamily="18" charset="0"/>
+              </a:rPr>
+              <a:t>Xây</a:t>
+            </a:r>
+            <a:r>
+              <a:rPr lang="en-US" sz="3000" dirty="0">
+                <a:solidFill>
+                  <a:schemeClr val="tx1"/>
+                </a:solidFill>
+                <a:latin typeface="Times New Roman" panose="02020603050405020304" pitchFamily="18" charset="0"/>
+                <a:cs typeface="Times New Roman" panose="02020603050405020304" pitchFamily="18" charset="0"/>
+              </a:rPr>
+              <a:t> </a:t>
+            </a:r>
+            <a:r>
+              <a:rPr lang="en-US" sz="3000" dirty="0" err="1">
+                <a:solidFill>
+                  <a:schemeClr val="tx1"/>
+                </a:solidFill>
+                <a:latin typeface="Times New Roman" panose="02020603050405020304" pitchFamily="18" charset="0"/>
+                <a:cs typeface="Times New Roman" panose="02020603050405020304" pitchFamily="18" charset="0"/>
+              </a:rPr>
+              <a:t>dựng</a:t>
+            </a:r>
+            <a:r>
+              <a:rPr lang="en-US" sz="3000" dirty="0">
+                <a:solidFill>
+                  <a:schemeClr val="tx1"/>
+                </a:solidFill>
+                <a:latin typeface="Times New Roman" panose="02020603050405020304" pitchFamily="18" charset="0"/>
+                <a:cs typeface="Times New Roman" panose="02020603050405020304" pitchFamily="18" charset="0"/>
+              </a:rPr>
+              <a:t> </a:t>
+            </a:r>
+            <a:r>
+              <a:rPr lang="en-US" sz="3000" dirty="0" err="1">
+                <a:solidFill>
+                  <a:schemeClr val="tx1"/>
+                </a:solidFill>
+                <a:latin typeface="Times New Roman" panose="02020603050405020304" pitchFamily="18" charset="0"/>
+                <a:cs typeface="Times New Roman" panose="02020603050405020304" pitchFamily="18" charset="0"/>
+              </a:rPr>
+              <a:t>chương</a:t>
+            </a:r>
+            <a:r>
+              <a:rPr lang="en-US" sz="3000" dirty="0">
+                <a:solidFill>
+                  <a:schemeClr val="tx1"/>
+                </a:solidFill>
+                <a:latin typeface="Times New Roman" panose="02020603050405020304" pitchFamily="18" charset="0"/>
+                <a:cs typeface="Times New Roman" panose="02020603050405020304" pitchFamily="18" charset="0"/>
+              </a:rPr>
+              <a:t> </a:t>
+            </a:r>
+            <a:r>
+              <a:rPr lang="en-US" sz="3000" dirty="0" err="1">
+                <a:solidFill>
+                  <a:schemeClr val="tx1"/>
+                </a:solidFill>
+                <a:latin typeface="Times New Roman" panose="02020603050405020304" pitchFamily="18" charset="0"/>
+                <a:cs typeface="Times New Roman" panose="02020603050405020304" pitchFamily="18" charset="0"/>
+              </a:rPr>
+              <a:t>trình</a:t>
+            </a:r>
+            <a:r>
+              <a:rPr lang="en-US" sz="3000" dirty="0">
+                <a:solidFill>
+                  <a:schemeClr val="tx1"/>
+                </a:solidFill>
+                <a:latin typeface="Times New Roman" panose="02020603050405020304" pitchFamily="18" charset="0"/>
+                <a:cs typeface="Times New Roman" panose="02020603050405020304" pitchFamily="18" charset="0"/>
+              </a:rPr>
+              <a:t> </a:t>
+            </a:r>
+            <a:r>
+              <a:rPr lang="en-US" sz="3000" dirty="0" err="1">
+                <a:solidFill>
+                  <a:schemeClr val="tx1"/>
+                </a:solidFill>
+                <a:latin typeface="Times New Roman" panose="02020603050405020304" pitchFamily="18" charset="0"/>
+                <a:cs typeface="Times New Roman" panose="02020603050405020304" pitchFamily="18" charset="0"/>
+              </a:rPr>
+              <a:t>quản</a:t>
+            </a:r>
+            <a:r>
+              <a:rPr lang="en-US" sz="3000" dirty="0">
+                <a:solidFill>
+                  <a:schemeClr val="tx1"/>
+                </a:solidFill>
+                <a:latin typeface="Times New Roman" panose="02020603050405020304" pitchFamily="18" charset="0"/>
+                <a:cs typeface="Times New Roman" panose="02020603050405020304" pitchFamily="18" charset="0"/>
+              </a:rPr>
+              <a:t> </a:t>
+            </a:r>
+            <a:r>
+              <a:rPr lang="en-US" sz="3000" dirty="0" err="1">
+                <a:solidFill>
+                  <a:schemeClr val="tx1"/>
+                </a:solidFill>
+                <a:latin typeface="Times New Roman" panose="02020603050405020304" pitchFamily="18" charset="0"/>
+                <a:cs typeface="Times New Roman" panose="02020603050405020304" pitchFamily="18" charset="0"/>
+              </a:rPr>
+              <a:t>lý</a:t>
+            </a:r>
+            <a:r>
+              <a:rPr lang="en-US" sz="3000" dirty="0">
+                <a:solidFill>
+                  <a:schemeClr val="tx1"/>
+                </a:solidFill>
+                <a:latin typeface="Times New Roman" panose="02020603050405020304" pitchFamily="18" charset="0"/>
+                <a:cs typeface="Times New Roman" panose="02020603050405020304" pitchFamily="18" charset="0"/>
+              </a:rPr>
+              <a:t> </a:t>
+            </a:r>
+            <a:r>
+              <a:rPr lang="en-US" sz="3000" dirty="0" err="1">
+                <a:solidFill>
+                  <a:schemeClr val="tx1"/>
+                </a:solidFill>
+                <a:latin typeface="Times New Roman" panose="02020603050405020304" pitchFamily="18" charset="0"/>
+                <a:cs typeface="Times New Roman" panose="02020603050405020304" pitchFamily="18" charset="0"/>
+              </a:rPr>
+              <a:t>các</a:t>
+            </a:r>
+            <a:r>
+              <a:rPr lang="en-US" sz="3000" dirty="0">
+                <a:solidFill>
+                  <a:schemeClr val="tx1"/>
+                </a:solidFill>
+                <a:latin typeface="Times New Roman" panose="02020603050405020304" pitchFamily="18" charset="0"/>
+                <a:cs typeface="Times New Roman" panose="02020603050405020304" pitchFamily="18" charset="0"/>
+              </a:rPr>
+              <a:t> </a:t>
+            </a:r>
+            <a:r>
+              <a:rPr lang="en-US" sz="3000" dirty="0" err="1">
+                <a:solidFill>
+                  <a:schemeClr val="tx1"/>
+                </a:solidFill>
+                <a:latin typeface="Times New Roman" panose="02020603050405020304" pitchFamily="18" charset="0"/>
+                <a:cs typeface="Times New Roman" panose="02020603050405020304" pitchFamily="18" charset="0"/>
+              </a:rPr>
+              <a:t>siêu</a:t>
+            </a:r>
+            <a:r>
+              <a:rPr lang="en-US" sz="3000" dirty="0">
+                <a:solidFill>
+                  <a:schemeClr val="tx1"/>
+                </a:solidFill>
+                <a:latin typeface="Times New Roman" panose="02020603050405020304" pitchFamily="18" charset="0"/>
+                <a:cs typeface="Times New Roman" panose="02020603050405020304" pitchFamily="18" charset="0"/>
+              </a:rPr>
+              <a:t> </a:t>
+            </a:r>
+            <a:r>
+              <a:rPr lang="en-US" sz="3000" dirty="0" err="1">
+                <a:solidFill>
+                  <a:schemeClr val="tx1"/>
+                </a:solidFill>
+                <a:latin typeface="Times New Roman" panose="02020603050405020304" pitchFamily="18" charset="0"/>
+                <a:cs typeface="Times New Roman" panose="02020603050405020304" pitchFamily="18" charset="0"/>
+              </a:rPr>
+              <a:t>thị</a:t>
+            </a:r>
+            <a:r>
+              <a:rPr lang="en-US" sz="3000" dirty="0">
+                <a:solidFill>
+                  <a:schemeClr val="tx1"/>
+                </a:solidFill>
+                <a:latin typeface="Times New Roman" panose="02020603050405020304" pitchFamily="18" charset="0"/>
+                <a:cs typeface="Times New Roman" panose="02020603050405020304" pitchFamily="18" charset="0"/>
+              </a:rPr>
+              <a:t>, </a:t>
+            </a:r>
+            <a:r>
+              <a:rPr lang="en-US" sz="3000" dirty="0" err="1">
+                <a:solidFill>
+                  <a:schemeClr val="tx1"/>
+                </a:solidFill>
+                <a:latin typeface="Times New Roman" panose="02020603050405020304" pitchFamily="18" charset="0"/>
+                <a:cs typeface="Times New Roman" panose="02020603050405020304" pitchFamily="18" charset="0"/>
+              </a:rPr>
+              <a:t>cửa</a:t>
+            </a:r>
+            <a:r>
+              <a:rPr lang="en-US" sz="3000" dirty="0">
+                <a:solidFill>
+                  <a:schemeClr val="tx1"/>
+                </a:solidFill>
+                <a:latin typeface="Times New Roman" panose="02020603050405020304" pitchFamily="18" charset="0"/>
+                <a:cs typeface="Times New Roman" panose="02020603050405020304" pitchFamily="18" charset="0"/>
+              </a:rPr>
+              <a:t> </a:t>
+            </a:r>
+            <a:r>
+              <a:rPr lang="en-US" sz="3000" dirty="0" err="1">
+                <a:solidFill>
+                  <a:schemeClr val="tx1"/>
+                </a:solidFill>
+                <a:latin typeface="Times New Roman" panose="02020603050405020304" pitchFamily="18" charset="0"/>
+                <a:cs typeface="Times New Roman" panose="02020603050405020304" pitchFamily="18" charset="0"/>
+              </a:rPr>
+              <a:t>hàng</a:t>
+            </a:r>
+            <a:r>
+              <a:rPr lang="en-US" sz="3000" dirty="0">
+                <a:solidFill>
+                  <a:schemeClr val="tx1"/>
+                </a:solidFill>
+                <a:latin typeface="Times New Roman" panose="02020603050405020304" pitchFamily="18" charset="0"/>
+                <a:cs typeface="Times New Roman" panose="02020603050405020304" pitchFamily="18" charset="0"/>
+              </a:rPr>
+              <a:t>.</a:t>
+            </a:r>
+          </a:p>
+          <a:p>
+            <a:pPr marL="285750" indent="-285750">
+              <a:buFont typeface="Wingdings" panose="05000000000000000000" pitchFamily="2" charset="2"/>
+              <a:buChar char="Ø"/>
+            </a:pPr>
+            <a:r>
+              <a:rPr lang="en-US" sz="3000" dirty="0" err="1">
+                <a:solidFill>
+                  <a:schemeClr val="tx1"/>
+                </a:solidFill>
+                <a:latin typeface="Times New Roman" panose="02020603050405020304" pitchFamily="18" charset="0"/>
+                <a:cs typeface="Times New Roman" panose="02020603050405020304" pitchFamily="18" charset="0"/>
+              </a:rPr>
+              <a:t>Rà</a:t>
+            </a:r>
+            <a:r>
+              <a:rPr lang="en-US" sz="3000" dirty="0">
+                <a:solidFill>
+                  <a:schemeClr val="tx1"/>
+                </a:solidFill>
+                <a:latin typeface="Times New Roman" panose="02020603050405020304" pitchFamily="18" charset="0"/>
+                <a:cs typeface="Times New Roman" panose="02020603050405020304" pitchFamily="18" charset="0"/>
+              </a:rPr>
+              <a:t> </a:t>
+            </a:r>
+            <a:r>
+              <a:rPr lang="en-US" sz="3000" dirty="0" err="1">
+                <a:solidFill>
+                  <a:schemeClr val="tx1"/>
+                </a:solidFill>
+                <a:latin typeface="Times New Roman" panose="02020603050405020304" pitchFamily="18" charset="0"/>
+                <a:cs typeface="Times New Roman" panose="02020603050405020304" pitchFamily="18" charset="0"/>
+              </a:rPr>
+              <a:t>soát</a:t>
+            </a:r>
+            <a:r>
+              <a:rPr lang="en-US" sz="3000" dirty="0">
+                <a:solidFill>
+                  <a:schemeClr val="tx1"/>
+                </a:solidFill>
+                <a:latin typeface="Times New Roman" panose="02020603050405020304" pitchFamily="18" charset="0"/>
+                <a:cs typeface="Times New Roman" panose="02020603050405020304" pitchFamily="18" charset="0"/>
+              </a:rPr>
+              <a:t> </a:t>
+            </a:r>
+            <a:r>
+              <a:rPr lang="en-US" sz="3000" dirty="0" err="1">
+                <a:solidFill>
+                  <a:schemeClr val="tx1"/>
+                </a:solidFill>
+                <a:latin typeface="Times New Roman" panose="02020603050405020304" pitchFamily="18" charset="0"/>
+                <a:cs typeface="Times New Roman" panose="02020603050405020304" pitchFamily="18" charset="0"/>
+              </a:rPr>
+              <a:t>khắc</a:t>
+            </a:r>
+            <a:r>
+              <a:rPr lang="en-US" sz="3000" dirty="0">
+                <a:solidFill>
+                  <a:schemeClr val="tx1"/>
+                </a:solidFill>
+                <a:latin typeface="Times New Roman" panose="02020603050405020304" pitchFamily="18" charset="0"/>
+                <a:cs typeface="Times New Roman" panose="02020603050405020304" pitchFamily="18" charset="0"/>
+              </a:rPr>
+              <a:t> </a:t>
+            </a:r>
+            <a:r>
+              <a:rPr lang="en-US" sz="3000" dirty="0" err="1">
+                <a:solidFill>
+                  <a:schemeClr val="tx1"/>
+                </a:solidFill>
+                <a:latin typeface="Times New Roman" panose="02020603050405020304" pitchFamily="18" charset="0"/>
+                <a:cs typeface="Times New Roman" panose="02020603050405020304" pitchFamily="18" charset="0"/>
+              </a:rPr>
+              <a:t>phục</a:t>
+            </a:r>
+            <a:r>
+              <a:rPr lang="en-US" sz="3000" dirty="0">
+                <a:solidFill>
+                  <a:schemeClr val="tx1"/>
+                </a:solidFill>
+                <a:latin typeface="Times New Roman" panose="02020603050405020304" pitchFamily="18" charset="0"/>
+                <a:cs typeface="Times New Roman" panose="02020603050405020304" pitchFamily="18" charset="0"/>
+              </a:rPr>
+              <a:t> </a:t>
+            </a:r>
+            <a:r>
+              <a:rPr lang="en-US" sz="3000" dirty="0" err="1">
+                <a:solidFill>
+                  <a:schemeClr val="tx1"/>
+                </a:solidFill>
+                <a:latin typeface="Times New Roman" panose="02020603050405020304" pitchFamily="18" charset="0"/>
+                <a:cs typeface="Times New Roman" panose="02020603050405020304" pitchFamily="18" charset="0"/>
+              </a:rPr>
+              <a:t>các</a:t>
+            </a:r>
+            <a:r>
+              <a:rPr lang="en-US" sz="3000" dirty="0">
+                <a:solidFill>
+                  <a:schemeClr val="tx1"/>
+                </a:solidFill>
+                <a:latin typeface="Times New Roman" panose="02020603050405020304" pitchFamily="18" charset="0"/>
+                <a:cs typeface="Times New Roman" panose="02020603050405020304" pitchFamily="18" charset="0"/>
+              </a:rPr>
+              <a:t> </a:t>
+            </a:r>
+            <a:r>
+              <a:rPr lang="en-US" sz="3000" dirty="0" err="1">
+                <a:solidFill>
+                  <a:schemeClr val="tx1"/>
+                </a:solidFill>
+                <a:latin typeface="Times New Roman" panose="02020603050405020304" pitchFamily="18" charset="0"/>
+                <a:cs typeface="Times New Roman" panose="02020603050405020304" pitchFamily="18" charset="0"/>
+              </a:rPr>
+              <a:t>lỗi</a:t>
+            </a:r>
+            <a:r>
+              <a:rPr lang="en-US" sz="3000" dirty="0">
+                <a:solidFill>
+                  <a:schemeClr val="tx1"/>
+                </a:solidFill>
+                <a:latin typeface="Times New Roman" panose="02020603050405020304" pitchFamily="18" charset="0"/>
+                <a:cs typeface="Times New Roman" panose="02020603050405020304" pitchFamily="18" charset="0"/>
+              </a:rPr>
+              <a:t> ở </a:t>
+            </a:r>
+            <a:r>
+              <a:rPr lang="en-US" sz="3000" dirty="0" err="1">
+                <a:solidFill>
+                  <a:schemeClr val="tx1"/>
+                </a:solidFill>
+                <a:latin typeface="Times New Roman" panose="02020603050405020304" pitchFamily="18" charset="0"/>
+                <a:cs typeface="Times New Roman" panose="02020603050405020304" pitchFamily="18" charset="0"/>
+              </a:rPr>
+              <a:t>phiên</a:t>
+            </a:r>
+            <a:r>
+              <a:rPr lang="en-US" sz="3000" dirty="0">
+                <a:solidFill>
+                  <a:schemeClr val="tx1"/>
+                </a:solidFill>
+                <a:latin typeface="Times New Roman" panose="02020603050405020304" pitchFamily="18" charset="0"/>
+                <a:cs typeface="Times New Roman" panose="02020603050405020304" pitchFamily="18" charset="0"/>
+              </a:rPr>
+              <a:t> </a:t>
+            </a:r>
+            <a:r>
+              <a:rPr lang="en-US" sz="3000" dirty="0" err="1">
+                <a:solidFill>
+                  <a:schemeClr val="tx1"/>
+                </a:solidFill>
+                <a:latin typeface="Times New Roman" panose="02020603050405020304" pitchFamily="18" charset="0"/>
+                <a:cs typeface="Times New Roman" panose="02020603050405020304" pitchFamily="18" charset="0"/>
+              </a:rPr>
+              <a:t>bản</a:t>
+            </a:r>
+            <a:r>
+              <a:rPr lang="en-US" sz="3000" dirty="0">
+                <a:solidFill>
+                  <a:schemeClr val="tx1"/>
+                </a:solidFill>
+                <a:latin typeface="Times New Roman" panose="02020603050405020304" pitchFamily="18" charset="0"/>
+                <a:cs typeface="Times New Roman" panose="02020603050405020304" pitchFamily="18" charset="0"/>
+              </a:rPr>
+              <a:t> </a:t>
+            </a:r>
+            <a:r>
+              <a:rPr lang="en-US" sz="3000" dirty="0" err="1">
+                <a:solidFill>
+                  <a:schemeClr val="tx1"/>
+                </a:solidFill>
+                <a:latin typeface="Times New Roman" panose="02020603050405020304" pitchFamily="18" charset="0"/>
+                <a:cs typeface="Times New Roman" panose="02020603050405020304" pitchFamily="18" charset="0"/>
+              </a:rPr>
+              <a:t>hiện</a:t>
+            </a:r>
+            <a:r>
+              <a:rPr lang="en-US" sz="3000" dirty="0">
+                <a:solidFill>
+                  <a:schemeClr val="tx1"/>
+                </a:solidFill>
+                <a:latin typeface="Times New Roman" panose="02020603050405020304" pitchFamily="18" charset="0"/>
+                <a:cs typeface="Times New Roman" panose="02020603050405020304" pitchFamily="18" charset="0"/>
+              </a:rPr>
+              <a:t> </a:t>
+            </a:r>
+            <a:r>
+              <a:rPr lang="en-US" sz="3000" dirty="0" err="1">
+                <a:solidFill>
+                  <a:schemeClr val="tx1"/>
+                </a:solidFill>
+                <a:latin typeface="Times New Roman" panose="02020603050405020304" pitchFamily="18" charset="0"/>
+                <a:cs typeface="Times New Roman" panose="02020603050405020304" pitchFamily="18" charset="0"/>
+              </a:rPr>
+              <a:t>tại</a:t>
+            </a:r>
+            <a:r>
+              <a:rPr lang="en-US" sz="3000" dirty="0">
+                <a:solidFill>
+                  <a:schemeClr val="tx1"/>
+                </a:solidFill>
+                <a:latin typeface="Times New Roman" panose="02020603050405020304" pitchFamily="18" charset="0"/>
+                <a:cs typeface="Times New Roman" panose="02020603050405020304" pitchFamily="18" charset="0"/>
+              </a:rPr>
+              <a:t>.</a:t>
+            </a:r>
+            <a:endParaRPr lang="en-US" sz="2800" dirty="0">
+              <a:solidFill>
+                <a:schemeClr val="tx1"/>
+              </a:solidFill>
+              <a:latin typeface="Times New Roman" panose="02020603050405020304" pitchFamily="18" charset="0"/>
+              <a:cs typeface="Times New Roman" panose="02020603050405020304" pitchFamily="18" charset="0"/>
+            </a:endParaRPr>
+          </a:p>
+          <a:p>
+            <a:endParaRPr lang="en-US" sz="2800" b="1" dirty="0">
+              <a:solidFill>
+                <a:schemeClr val="tx1"/>
+              </a:solidFill>
+              <a:latin typeface="Times New Roman" panose="02020603050405020304" pitchFamily="18" charset="0"/>
+              <a:cs typeface="Times New Roman" panose="02020603050405020304" pitchFamily="18" charset="0"/>
+            </a:endParaRPr>
+          </a:p>
+        </p:txBody>
+      </p:sp>
+    </p:spTree>
+    <p:extLst>
+      <p:ext uri="{BB962C8B-B14F-4D97-AF65-F5344CB8AC3E}">
+        <p14:creationId xmlns:p14="http://schemas.microsoft.com/office/powerpoint/2010/main" val="1067851641"/>
+      </p:ext>
+    </p:extLst>
+  </p:cSld>
+  <p:clrMapOvr>
+    <a:masterClrMapping/>
+  </p:clrMapOvr>
+</p:sld>
+</file>
+
 <file path=ppt/slides/slide2.xml><?xml version="1.0" encoding="utf-8"?>
 <p:sld xmlns:a="http://schemas.openxmlformats.org/drawingml/2006/main" xmlns:r="http://schemas.openxmlformats.org/officeDocument/2006/relationships" xmlns:p="http://schemas.openxmlformats.org/presentationml/2006/main">
   <p:cSld>
